--- a/waterfall.pptx
+++ b/waterfall.pptx
@@ -4588,6 +4588,96 @@
           <a:p>
             <a:pPr algn="ctr"/>
             <a:endParaRPr lang="en-US" sz="1400"/>
+          </a:p>
+        </p:txBody>
+      </p:sp>
+      <p:sp>
+        <p:nvSpPr>
+          <p:cNvPr id="2" name="TextBox 1"/>
+          <p:cNvSpPr txBox="1"/>
+          <p:nvPr/>
+        </p:nvSpPr>
+        <p:spPr>
+          <a:xfrm>
+            <a:off x="4629122" y="386547"/>
+            <a:ext cx="4214186" cy="1384995"/>
+          </a:xfrm>
+          <a:prstGeom prst="rect">
+            <a:avLst/>
+          </a:prstGeom>
+          <a:noFill/>
+        </p:spPr>
+        <p:txBody>
+          <a:bodyPr wrap="square" rtlCol="0">
+            <a:spAutoFit/>
+          </a:bodyPr>
+          <a:lstStyle/>
+          <a:p>
+            <a:r>
+              <a:rPr lang="en-US" sz="1200" b="1" u="sng" dirty="0" smtClean="0"/>
+              <a:t>KEY</a:t>
+            </a:r>
+          </a:p>
+          <a:p>
+            <a:pPr marL="171450" indent="-171450">
+              <a:buFont typeface="Arial"/>
+              <a:buChar char="•"/>
+            </a:pPr>
+            <a:r>
+              <a:rPr lang="en-US" sz="1200" dirty="0" smtClean="0"/>
+              <a:t>Reqts = Requirements</a:t>
+            </a:r>
+          </a:p>
+          <a:p>
+            <a:pPr marL="171450" indent="-171450">
+              <a:buFont typeface="Arial"/>
+              <a:buChar char="•"/>
+            </a:pPr>
+            <a:r>
+              <a:rPr lang="en-US" sz="1200" dirty="0" smtClean="0"/>
+              <a:t>HLD = High level design</a:t>
+            </a:r>
+          </a:p>
+          <a:p>
+            <a:pPr marL="171450" indent="-171450">
+              <a:buFont typeface="Arial"/>
+              <a:buChar char="•"/>
+            </a:pPr>
+            <a:r>
+              <a:rPr lang="en-US" sz="1200" dirty="0" smtClean="0"/>
+              <a:t>QualTest = Qualification tests</a:t>
+            </a:r>
+          </a:p>
+          <a:p>
+            <a:pPr marL="171450" indent="-171450">
+              <a:buFont typeface="Arial"/>
+              <a:buChar char="•"/>
+            </a:pPr>
+            <a:r>
+              <a:rPr lang="en-US" sz="1200" dirty="0" smtClean="0"/>
+              <a:t>IntTest = Integrations tests (with parts from other developers)</a:t>
+            </a:r>
+          </a:p>
+          <a:p>
+            <a:pPr marL="171450" indent="-171450">
+              <a:buFont typeface="Arial"/>
+              <a:buChar char="•"/>
+            </a:pPr>
+            <a:r>
+              <a:rPr lang="en-US" sz="1200" dirty="0" smtClean="0"/>
+              <a:t>SysTest = System test (e.g. load stress tests)</a:t>
+            </a:r>
+          </a:p>
+          <a:p>
+            <a:pPr marL="171450" indent="-171450">
+              <a:buFont typeface="Arial"/>
+              <a:buChar char="•"/>
+            </a:pPr>
+            <a:r>
+              <a:rPr lang="en-US" sz="1200" dirty="0" smtClean="0"/>
+              <a:t>AcceptTest= Acceptance tests (for users)</a:t>
+            </a:r>
+            <a:endParaRPr lang="en-US" sz="1200" dirty="0"/>
           </a:p>
         </p:txBody>
       </p:sp>

--- a/waterfall.pptx
+++ b/waterfall.pptx
@@ -4678,6 +4678,940 @@
               <a:t>AcceptTest= Acceptance tests (for users)</a:t>
             </a:r>
             <a:endParaRPr lang="en-US" sz="1200" dirty="0"/>
+          </a:p>
+        </p:txBody>
+      </p:sp>
+      <p:cxnSp>
+        <p:nvCxnSpPr>
+          <p:cNvPr id="38" name="Straight Arrow Connector 37"/>
+          <p:cNvCxnSpPr/>
+          <p:nvPr/>
+        </p:nvCxnSpPr>
+        <p:spPr>
+          <a:xfrm>
+            <a:off x="1544736" y="5933236"/>
+            <a:ext cx="390752" cy="0"/>
+          </a:xfrm>
+          <a:prstGeom prst="straightConnector1">
+            <a:avLst/>
+          </a:prstGeom>
+          <a:ln w="28575" cmpd="sng">
+            <a:solidFill>
+              <a:schemeClr val="accent6">
+                <a:lumMod val="75000"/>
+              </a:schemeClr>
+            </a:solidFill>
+            <a:tailEnd type="arrow"/>
+          </a:ln>
+        </p:spPr>
+        <p:style>
+          <a:lnRef idx="1">
+            <a:schemeClr val="accent1"/>
+          </a:lnRef>
+          <a:fillRef idx="2">
+            <a:schemeClr val="accent1"/>
+          </a:fillRef>
+          <a:effectRef idx="1">
+            <a:schemeClr val="accent1"/>
+          </a:effectRef>
+          <a:fontRef idx="minor">
+            <a:schemeClr val="dk1"/>
+          </a:fontRef>
+        </p:style>
+      </p:cxnSp>
+      <p:sp>
+        <p:nvSpPr>
+          <p:cNvPr id="45" name="Rectangle 44"/>
+          <p:cNvSpPr/>
+          <p:nvPr/>
+        </p:nvSpPr>
+        <p:spPr>
+          <a:xfrm>
+            <a:off x="380740" y="5320659"/>
+            <a:ext cx="757753" cy="307777"/>
+          </a:xfrm>
+          <a:prstGeom prst="rect">
+            <a:avLst/>
+          </a:prstGeom>
+        </p:spPr>
+        <p:style>
+          <a:lnRef idx="3">
+            <a:schemeClr val="lt1"/>
+          </a:lnRef>
+          <a:fillRef idx="1">
+            <a:schemeClr val="accent6"/>
+          </a:fillRef>
+          <a:effectRef idx="1">
+            <a:schemeClr val="accent6"/>
+          </a:effectRef>
+          <a:fontRef idx="minor">
+            <a:schemeClr val="lt1"/>
+          </a:fontRef>
+        </p:style>
+        <p:txBody>
+          <a:bodyPr wrap="square">
+            <a:spAutoFit/>
+          </a:bodyPr>
+          <a:lstStyle/>
+          <a:p>
+            <a:r>
+              <a:rPr lang="en-US" sz="1400" dirty="0" smtClean="0"/>
+              <a:t>     </a:t>
+            </a:r>
+            <a:endParaRPr lang="en-US" sz="1400" dirty="0"/>
+          </a:p>
+        </p:txBody>
+      </p:sp>
+      <p:sp>
+        <p:nvSpPr>
+          <p:cNvPr id="46" name="Rectangle 45"/>
+          <p:cNvSpPr/>
+          <p:nvPr/>
+        </p:nvSpPr>
+        <p:spPr>
+          <a:xfrm>
+            <a:off x="497530" y="5473059"/>
+            <a:ext cx="757753" cy="307777"/>
+          </a:xfrm>
+          <a:prstGeom prst="rect">
+            <a:avLst/>
+          </a:prstGeom>
+        </p:spPr>
+        <p:style>
+          <a:lnRef idx="3">
+            <a:schemeClr val="lt1"/>
+          </a:lnRef>
+          <a:fillRef idx="1">
+            <a:schemeClr val="accent6"/>
+          </a:fillRef>
+          <a:effectRef idx="1">
+            <a:schemeClr val="accent6"/>
+          </a:effectRef>
+          <a:fontRef idx="minor">
+            <a:schemeClr val="lt1"/>
+          </a:fontRef>
+        </p:style>
+        <p:txBody>
+          <a:bodyPr wrap="square">
+            <a:spAutoFit/>
+          </a:bodyPr>
+          <a:lstStyle/>
+          <a:p>
+            <a:r>
+              <a:rPr lang="en-US" sz="1400" dirty="0" smtClean="0"/>
+              <a:t>     </a:t>
+            </a:r>
+            <a:endParaRPr lang="en-US" sz="1400" dirty="0"/>
+          </a:p>
+        </p:txBody>
+      </p:sp>
+      <p:sp>
+        <p:nvSpPr>
+          <p:cNvPr id="47" name="Rectangle 46"/>
+          <p:cNvSpPr/>
+          <p:nvPr/>
+        </p:nvSpPr>
+        <p:spPr>
+          <a:xfrm>
+            <a:off x="614320" y="5625459"/>
+            <a:ext cx="757753" cy="307777"/>
+          </a:xfrm>
+          <a:prstGeom prst="rect">
+            <a:avLst/>
+          </a:prstGeom>
+        </p:spPr>
+        <p:style>
+          <a:lnRef idx="3">
+            <a:schemeClr val="lt1"/>
+          </a:lnRef>
+          <a:fillRef idx="1">
+            <a:schemeClr val="accent6"/>
+          </a:fillRef>
+          <a:effectRef idx="1">
+            <a:schemeClr val="accent6"/>
+          </a:effectRef>
+          <a:fontRef idx="minor">
+            <a:schemeClr val="lt1"/>
+          </a:fontRef>
+        </p:style>
+        <p:txBody>
+          <a:bodyPr wrap="square">
+            <a:spAutoFit/>
+          </a:bodyPr>
+          <a:lstStyle/>
+          <a:p>
+            <a:r>
+              <a:rPr lang="en-US" sz="1400" dirty="0" smtClean="0"/>
+              <a:t>     </a:t>
+            </a:r>
+            <a:endParaRPr lang="en-US" sz="1400" dirty="0"/>
+          </a:p>
+        </p:txBody>
+      </p:sp>
+      <p:sp>
+        <p:nvSpPr>
+          <p:cNvPr id="48" name="Rectangle 47"/>
+          <p:cNvSpPr/>
+          <p:nvPr/>
+        </p:nvSpPr>
+        <p:spPr>
+          <a:xfrm>
+            <a:off x="708734" y="5779347"/>
+            <a:ext cx="746243" cy="307777"/>
+          </a:xfrm>
+          <a:prstGeom prst="rect">
+            <a:avLst/>
+          </a:prstGeom>
+        </p:spPr>
+        <p:style>
+          <a:lnRef idx="3">
+            <a:schemeClr val="lt1"/>
+          </a:lnRef>
+          <a:fillRef idx="1">
+            <a:schemeClr val="accent6"/>
+          </a:fillRef>
+          <a:effectRef idx="1">
+            <a:schemeClr val="accent6"/>
+          </a:effectRef>
+          <a:fontRef idx="minor">
+            <a:schemeClr val="lt1"/>
+          </a:fontRef>
+        </p:style>
+        <p:txBody>
+          <a:bodyPr wrap="none">
+            <a:spAutoFit/>
+          </a:bodyPr>
+          <a:lstStyle/>
+          <a:p>
+            <a:r>
+              <a:rPr lang="en-US" sz="1400" dirty="0" smtClean="0">
+                <a:solidFill>
+                  <a:schemeClr val="tx1"/>
+                </a:solidFill>
+              </a:rPr>
+              <a:t>Backlog</a:t>
+            </a:r>
+            <a:endParaRPr lang="en-US" sz="1400" dirty="0">
+              <a:solidFill>
+                <a:schemeClr val="tx1"/>
+              </a:solidFill>
+            </a:endParaRPr>
+          </a:p>
+        </p:txBody>
+      </p:sp>
+      <p:sp>
+        <p:nvSpPr>
+          <p:cNvPr id="49" name="Arc 48"/>
+          <p:cNvSpPr/>
+          <p:nvPr/>
+        </p:nvSpPr>
+        <p:spPr>
+          <a:xfrm>
+            <a:off x="2174142" y="5355230"/>
+            <a:ext cx="1187985" cy="1201779"/>
+          </a:xfrm>
+          <a:prstGeom prst="arc">
+            <a:avLst/>
+          </a:prstGeom>
+          <a:ln>
+            <a:solidFill>
+              <a:srgbClr val="E46C0A"/>
+            </a:solidFill>
+            <a:headEnd type="none"/>
+            <a:tailEnd type="triangle"/>
+          </a:ln>
+        </p:spPr>
+        <p:style>
+          <a:lnRef idx="2">
+            <a:schemeClr val="accent1"/>
+          </a:lnRef>
+          <a:fillRef idx="0">
+            <a:schemeClr val="accent1"/>
+          </a:fillRef>
+          <a:effectRef idx="1">
+            <a:schemeClr val="accent1"/>
+          </a:effectRef>
+          <a:fontRef idx="minor">
+            <a:schemeClr val="tx1"/>
+          </a:fontRef>
+        </p:style>
+        <p:txBody>
+          <a:bodyPr rtlCol="0" anchor="ctr"/>
+          <a:lstStyle/>
+          <a:p>
+            <a:pPr algn="ctr"/>
+            <a:endParaRPr lang="en-US"/>
+          </a:p>
+        </p:txBody>
+      </p:sp>
+      <p:sp>
+        <p:nvSpPr>
+          <p:cNvPr id="50" name="Arc 49"/>
+          <p:cNvSpPr/>
+          <p:nvPr/>
+        </p:nvSpPr>
+        <p:spPr>
+          <a:xfrm rot="16200000">
+            <a:off x="2078070" y="5348088"/>
+            <a:ext cx="1187985" cy="1201779"/>
+          </a:xfrm>
+          <a:prstGeom prst="arc">
+            <a:avLst/>
+          </a:prstGeom>
+          <a:ln>
+            <a:solidFill>
+              <a:schemeClr val="accent6">
+                <a:lumMod val="75000"/>
+              </a:schemeClr>
+            </a:solidFill>
+            <a:headEnd type="none"/>
+            <a:tailEnd type="triangle"/>
+          </a:ln>
+        </p:spPr>
+        <p:style>
+          <a:lnRef idx="2">
+            <a:schemeClr val="accent1"/>
+          </a:lnRef>
+          <a:fillRef idx="0">
+            <a:schemeClr val="accent1"/>
+          </a:fillRef>
+          <a:effectRef idx="1">
+            <a:schemeClr val="accent1"/>
+          </a:effectRef>
+          <a:fontRef idx="minor">
+            <a:schemeClr val="tx1"/>
+          </a:fontRef>
+        </p:style>
+        <p:txBody>
+          <a:bodyPr rtlCol="0" anchor="ctr"/>
+          <a:lstStyle/>
+          <a:p>
+            <a:pPr algn="ctr"/>
+            <a:endParaRPr lang="en-US"/>
+          </a:p>
+        </p:txBody>
+      </p:sp>
+      <p:sp>
+        <p:nvSpPr>
+          <p:cNvPr id="51" name="Arc 50"/>
+          <p:cNvSpPr/>
+          <p:nvPr/>
+        </p:nvSpPr>
+        <p:spPr>
+          <a:xfrm flipV="1">
+            <a:off x="2166368" y="5427536"/>
+            <a:ext cx="1187985" cy="1201779"/>
+          </a:xfrm>
+          <a:prstGeom prst="arc">
+            <a:avLst/>
+          </a:prstGeom>
+          <a:ln>
+            <a:solidFill>
+              <a:schemeClr val="accent6">
+                <a:lumMod val="75000"/>
+              </a:schemeClr>
+            </a:solidFill>
+            <a:headEnd type="triangle"/>
+            <a:tailEnd type="none"/>
+          </a:ln>
+        </p:spPr>
+        <p:style>
+          <a:lnRef idx="2">
+            <a:schemeClr val="accent1"/>
+          </a:lnRef>
+          <a:fillRef idx="0">
+            <a:schemeClr val="accent1"/>
+          </a:fillRef>
+          <a:effectRef idx="1">
+            <a:schemeClr val="accent1"/>
+          </a:effectRef>
+          <a:fontRef idx="minor">
+            <a:schemeClr val="tx1"/>
+          </a:fontRef>
+        </p:style>
+        <p:txBody>
+          <a:bodyPr rtlCol="0" anchor="ctr"/>
+          <a:lstStyle/>
+          <a:p>
+            <a:pPr algn="ctr"/>
+            <a:endParaRPr lang="en-US"/>
+          </a:p>
+        </p:txBody>
+      </p:sp>
+      <p:sp>
+        <p:nvSpPr>
+          <p:cNvPr id="52" name="Arc 51"/>
+          <p:cNvSpPr/>
+          <p:nvPr/>
+        </p:nvSpPr>
+        <p:spPr>
+          <a:xfrm rot="5400000" flipV="1">
+            <a:off x="2070296" y="5431836"/>
+            <a:ext cx="1187985" cy="1201779"/>
+          </a:xfrm>
+          <a:prstGeom prst="arc">
+            <a:avLst/>
+          </a:prstGeom>
+          <a:ln>
+            <a:solidFill>
+              <a:srgbClr val="E46C0A"/>
+            </a:solidFill>
+            <a:headEnd type="triangle"/>
+            <a:tailEnd type="none"/>
+          </a:ln>
+        </p:spPr>
+        <p:style>
+          <a:lnRef idx="2">
+            <a:schemeClr val="accent1"/>
+          </a:lnRef>
+          <a:fillRef idx="0">
+            <a:schemeClr val="accent1"/>
+          </a:fillRef>
+          <a:effectRef idx="1">
+            <a:schemeClr val="accent1"/>
+          </a:effectRef>
+          <a:fontRef idx="minor">
+            <a:schemeClr val="tx1"/>
+          </a:fontRef>
+        </p:style>
+        <p:txBody>
+          <a:bodyPr rtlCol="0" anchor="ctr"/>
+          <a:lstStyle/>
+          <a:p>
+            <a:pPr algn="ctr"/>
+            <a:endParaRPr lang="en-US"/>
+          </a:p>
+        </p:txBody>
+      </p:sp>
+      <p:cxnSp>
+        <p:nvCxnSpPr>
+          <p:cNvPr id="53" name="Straight Arrow Connector 52"/>
+          <p:cNvCxnSpPr/>
+          <p:nvPr/>
+        </p:nvCxnSpPr>
+        <p:spPr>
+          <a:xfrm>
+            <a:off x="3505436" y="5933236"/>
+            <a:ext cx="366621" cy="0"/>
+          </a:xfrm>
+          <a:prstGeom prst="straightConnector1">
+            <a:avLst/>
+          </a:prstGeom>
+          <a:ln w="28575" cmpd="sng">
+            <a:solidFill>
+              <a:schemeClr val="accent6">
+                <a:lumMod val="75000"/>
+              </a:schemeClr>
+            </a:solidFill>
+            <a:tailEnd type="arrow"/>
+          </a:ln>
+        </p:spPr>
+        <p:style>
+          <a:lnRef idx="1">
+            <a:schemeClr val="accent1"/>
+          </a:lnRef>
+          <a:fillRef idx="2">
+            <a:schemeClr val="accent1"/>
+          </a:fillRef>
+          <a:effectRef idx="1">
+            <a:schemeClr val="accent1"/>
+          </a:effectRef>
+          <a:fontRef idx="minor">
+            <a:schemeClr val="dk1"/>
+          </a:fontRef>
+        </p:style>
+      </p:cxnSp>
+      <p:sp>
+        <p:nvSpPr>
+          <p:cNvPr id="54" name="Rectangle 53"/>
+          <p:cNvSpPr/>
+          <p:nvPr/>
+        </p:nvSpPr>
+        <p:spPr>
+          <a:xfrm>
+            <a:off x="3957910" y="5791272"/>
+            <a:ext cx="748923" cy="307777"/>
+          </a:xfrm>
+          <a:prstGeom prst="rect">
+            <a:avLst/>
+          </a:prstGeom>
+        </p:spPr>
+        <p:style>
+          <a:lnRef idx="3">
+            <a:schemeClr val="lt1"/>
+          </a:lnRef>
+          <a:fillRef idx="1">
+            <a:schemeClr val="accent6"/>
+          </a:fillRef>
+          <a:effectRef idx="1">
+            <a:schemeClr val="accent6"/>
+          </a:effectRef>
+          <a:fontRef idx="minor">
+            <a:schemeClr val="lt1"/>
+          </a:fontRef>
+        </p:style>
+        <p:txBody>
+          <a:bodyPr wrap="none">
+            <a:spAutoFit/>
+          </a:bodyPr>
+          <a:lstStyle/>
+          <a:p>
+            <a:r>
+              <a:rPr lang="en-US" sz="1400" dirty="0" smtClean="0">
+                <a:solidFill>
+                  <a:schemeClr val="tx1"/>
+                </a:solidFill>
+              </a:rPr>
+              <a:t>Release</a:t>
+            </a:r>
+            <a:endParaRPr lang="en-US" sz="1400" dirty="0">
+              <a:solidFill>
+                <a:schemeClr val="tx1"/>
+              </a:solidFill>
+            </a:endParaRPr>
+          </a:p>
+        </p:txBody>
+      </p:sp>
+      <p:sp>
+        <p:nvSpPr>
+          <p:cNvPr id="55" name="Arc 54"/>
+          <p:cNvSpPr/>
+          <p:nvPr/>
+        </p:nvSpPr>
+        <p:spPr>
+          <a:xfrm>
+            <a:off x="3168567" y="4900373"/>
+            <a:ext cx="437473" cy="486139"/>
+          </a:xfrm>
+          <a:prstGeom prst="arc">
+            <a:avLst/>
+          </a:prstGeom>
+          <a:ln>
+            <a:solidFill>
+              <a:srgbClr val="E46C0A"/>
+            </a:solidFill>
+            <a:headEnd type="none"/>
+            <a:tailEnd type="triangle"/>
+          </a:ln>
+        </p:spPr>
+        <p:style>
+          <a:lnRef idx="2">
+            <a:schemeClr val="accent1"/>
+          </a:lnRef>
+          <a:fillRef idx="0">
+            <a:schemeClr val="accent1"/>
+          </a:fillRef>
+          <a:effectRef idx="1">
+            <a:schemeClr val="accent1"/>
+          </a:effectRef>
+          <a:fontRef idx="minor">
+            <a:schemeClr val="tx1"/>
+          </a:fontRef>
+        </p:style>
+        <p:txBody>
+          <a:bodyPr rtlCol="0" anchor="ctr"/>
+          <a:lstStyle/>
+          <a:p>
+            <a:pPr algn="ctr"/>
+            <a:endParaRPr lang="en-US"/>
+          </a:p>
+        </p:txBody>
+      </p:sp>
+      <p:sp>
+        <p:nvSpPr>
+          <p:cNvPr id="56" name="Arc 55"/>
+          <p:cNvSpPr/>
+          <p:nvPr/>
+        </p:nvSpPr>
+        <p:spPr>
+          <a:xfrm rot="16200000">
+            <a:off x="3055311" y="4910917"/>
+            <a:ext cx="480560" cy="442550"/>
+          </a:xfrm>
+          <a:prstGeom prst="arc">
+            <a:avLst/>
+          </a:prstGeom>
+          <a:ln>
+            <a:solidFill>
+              <a:schemeClr val="accent6">
+                <a:lumMod val="75000"/>
+              </a:schemeClr>
+            </a:solidFill>
+            <a:headEnd type="none"/>
+            <a:tailEnd type="triangle"/>
+          </a:ln>
+        </p:spPr>
+        <p:style>
+          <a:lnRef idx="2">
+            <a:schemeClr val="accent1"/>
+          </a:lnRef>
+          <a:fillRef idx="0">
+            <a:schemeClr val="accent1"/>
+          </a:fillRef>
+          <a:effectRef idx="1">
+            <a:schemeClr val="accent1"/>
+          </a:effectRef>
+          <a:fontRef idx="minor">
+            <a:schemeClr val="tx1"/>
+          </a:fontRef>
+        </p:style>
+        <p:txBody>
+          <a:bodyPr rtlCol="0" anchor="ctr"/>
+          <a:lstStyle/>
+          <a:p>
+            <a:pPr algn="ctr"/>
+            <a:endParaRPr lang="en-US"/>
+          </a:p>
+        </p:txBody>
+      </p:sp>
+      <p:sp>
+        <p:nvSpPr>
+          <p:cNvPr id="57" name="Arc 56"/>
+          <p:cNvSpPr/>
+          <p:nvPr/>
+        </p:nvSpPr>
+        <p:spPr>
+          <a:xfrm flipV="1">
+            <a:off x="3160793" y="4972678"/>
+            <a:ext cx="437473" cy="486139"/>
+          </a:xfrm>
+          <a:prstGeom prst="arc">
+            <a:avLst/>
+          </a:prstGeom>
+          <a:ln>
+            <a:solidFill>
+              <a:schemeClr val="accent6">
+                <a:lumMod val="75000"/>
+              </a:schemeClr>
+            </a:solidFill>
+            <a:headEnd type="triangle"/>
+            <a:tailEnd type="none"/>
+          </a:ln>
+        </p:spPr>
+        <p:style>
+          <a:lnRef idx="2">
+            <a:schemeClr val="accent1"/>
+          </a:lnRef>
+          <a:fillRef idx="0">
+            <a:schemeClr val="accent1"/>
+          </a:fillRef>
+          <a:effectRef idx="1">
+            <a:schemeClr val="accent1"/>
+          </a:effectRef>
+          <a:fontRef idx="minor">
+            <a:schemeClr val="tx1"/>
+          </a:fontRef>
+        </p:style>
+        <p:txBody>
+          <a:bodyPr rtlCol="0" anchor="ctr"/>
+          <a:lstStyle/>
+          <a:p>
+            <a:pPr algn="ctr"/>
+            <a:endParaRPr lang="en-US"/>
+          </a:p>
+        </p:txBody>
+      </p:sp>
+      <p:sp>
+        <p:nvSpPr>
+          <p:cNvPr id="58" name="Arc 57"/>
+          <p:cNvSpPr/>
+          <p:nvPr/>
+        </p:nvSpPr>
+        <p:spPr>
+          <a:xfrm rot="5400000" flipV="1">
+            <a:off x="3047538" y="4994666"/>
+            <a:ext cx="480558" cy="442551"/>
+          </a:xfrm>
+          <a:prstGeom prst="arc">
+            <a:avLst/>
+          </a:prstGeom>
+          <a:ln>
+            <a:solidFill>
+              <a:srgbClr val="E46C0A"/>
+            </a:solidFill>
+            <a:headEnd type="triangle"/>
+            <a:tailEnd type="none"/>
+          </a:ln>
+        </p:spPr>
+        <p:style>
+          <a:lnRef idx="2">
+            <a:schemeClr val="accent1"/>
+          </a:lnRef>
+          <a:fillRef idx="0">
+            <a:schemeClr val="accent1"/>
+          </a:fillRef>
+          <a:effectRef idx="1">
+            <a:schemeClr val="accent1"/>
+          </a:effectRef>
+          <a:fontRef idx="minor">
+            <a:schemeClr val="tx1"/>
+          </a:fontRef>
+        </p:style>
+        <p:txBody>
+          <a:bodyPr rtlCol="0" anchor="ctr"/>
+          <a:lstStyle/>
+          <a:p>
+            <a:pPr algn="ctr"/>
+            <a:endParaRPr lang="en-US"/>
+          </a:p>
+        </p:txBody>
+      </p:sp>
+      <p:sp>
+        <p:nvSpPr>
+          <p:cNvPr id="59" name="Rectangle 58"/>
+          <p:cNvSpPr/>
+          <p:nvPr/>
+        </p:nvSpPr>
+        <p:spPr>
+          <a:xfrm>
+            <a:off x="2329356" y="5528421"/>
+            <a:ext cx="766318" cy="954107"/>
+          </a:xfrm>
+          <a:prstGeom prst="rect">
+            <a:avLst/>
+          </a:prstGeom>
+          <a:ln>
+            <a:noFill/>
+          </a:ln>
+        </p:spPr>
+        <p:txBody>
+          <a:bodyPr wrap="none">
+            <a:spAutoFit/>
+          </a:bodyPr>
+          <a:lstStyle/>
+          <a:p>
+            <a:r>
+              <a:rPr lang="en-US" sz="1400" dirty="0" smtClean="0"/>
+              <a:t>Sprints</a:t>
+            </a:r>
+          </a:p>
+          <a:p>
+            <a:endParaRPr lang="en-US" sz="1400" dirty="0" smtClean="0"/>
+          </a:p>
+          <a:p>
+            <a:r>
+              <a:rPr lang="en-US" sz="1400" dirty="0" smtClean="0"/>
+              <a:t>(days to</a:t>
+            </a:r>
+          </a:p>
+          <a:p>
+            <a:r>
+              <a:rPr lang="en-US" sz="1400" dirty="0"/>
+              <a:t>w</a:t>
+            </a:r>
+            <a:r>
+              <a:rPr lang="en-US" sz="1400" dirty="0" smtClean="0"/>
+              <a:t>eeks)</a:t>
+            </a:r>
+            <a:endParaRPr lang="en-US" sz="1400" dirty="0"/>
+          </a:p>
+        </p:txBody>
+      </p:sp>
+      <p:sp>
+        <p:nvSpPr>
+          <p:cNvPr id="60" name="Rectangle 59"/>
+          <p:cNvSpPr/>
+          <p:nvPr/>
+        </p:nvSpPr>
+        <p:spPr>
+          <a:xfrm>
+            <a:off x="3045881" y="4987104"/>
+            <a:ext cx="606281" cy="360099"/>
+          </a:xfrm>
+          <a:prstGeom prst="rect">
+            <a:avLst/>
+          </a:prstGeom>
+          <a:ln>
+            <a:noFill/>
+          </a:ln>
+        </p:spPr>
+        <p:txBody>
+          <a:bodyPr wrap="none">
+            <a:spAutoFit/>
+          </a:bodyPr>
+          <a:lstStyle/>
+          <a:p>
+            <a:pPr algn="ctr">
+              <a:lnSpc>
+                <a:spcPct val="70000"/>
+              </a:lnSpc>
+            </a:pPr>
+            <a:r>
+              <a:rPr lang="en-US" sz="1200" dirty="0"/>
+              <a:t>d</a:t>
+            </a:r>
+            <a:r>
+              <a:rPr lang="en-US" sz="1200" dirty="0" smtClean="0"/>
+              <a:t>aily</a:t>
+            </a:r>
+          </a:p>
+          <a:p>
+            <a:pPr>
+              <a:lnSpc>
+                <a:spcPct val="70000"/>
+              </a:lnSpc>
+            </a:pPr>
+            <a:r>
+              <a:rPr lang="en-US" sz="1200" dirty="0" smtClean="0"/>
+              <a:t>review</a:t>
+            </a:r>
+            <a:endParaRPr lang="en-US" sz="1200" dirty="0"/>
+          </a:p>
+        </p:txBody>
+      </p:sp>
+      <p:cxnSp>
+        <p:nvCxnSpPr>
+          <p:cNvPr id="61" name="Straight Arrow Connector 60"/>
+          <p:cNvCxnSpPr/>
+          <p:nvPr/>
+        </p:nvCxnSpPr>
+        <p:spPr>
+          <a:xfrm flipH="1" flipV="1">
+            <a:off x="3652162" y="5427536"/>
+            <a:ext cx="219896" cy="259698"/>
+          </a:xfrm>
+          <a:prstGeom prst="straightConnector1">
+            <a:avLst/>
+          </a:prstGeom>
+          <a:ln w="28575" cmpd="sng">
+            <a:solidFill>
+              <a:schemeClr val="accent6">
+                <a:lumMod val="75000"/>
+              </a:schemeClr>
+            </a:solidFill>
+            <a:tailEnd type="arrow"/>
+          </a:ln>
+        </p:spPr>
+        <p:style>
+          <a:lnRef idx="1">
+            <a:schemeClr val="accent1"/>
+          </a:lnRef>
+          <a:fillRef idx="2">
+            <a:schemeClr val="accent1"/>
+          </a:fillRef>
+          <a:effectRef idx="1">
+            <a:schemeClr val="accent1"/>
+          </a:effectRef>
+          <a:fontRef idx="minor">
+            <a:schemeClr val="dk1"/>
+          </a:fontRef>
+        </p:style>
+      </p:cxnSp>
+      <p:sp>
+        <p:nvSpPr>
+          <p:cNvPr id="62" name="Rectangle 61"/>
+          <p:cNvSpPr/>
+          <p:nvPr/>
+        </p:nvSpPr>
+        <p:spPr>
+          <a:xfrm>
+            <a:off x="3848317" y="5366603"/>
+            <a:ext cx="802755" cy="292388"/>
+          </a:xfrm>
+          <a:prstGeom prst="rect">
+            <a:avLst/>
+          </a:prstGeom>
+        </p:spPr>
+        <p:txBody>
+          <a:bodyPr wrap="none">
+            <a:spAutoFit/>
+          </a:bodyPr>
+          <a:lstStyle/>
+          <a:p>
+            <a:r>
+              <a:rPr lang="en-US" sz="1300" dirty="0" smtClean="0"/>
+              <a:t>feedback</a:t>
+            </a:r>
+            <a:endParaRPr lang="en-US" sz="1300" dirty="0"/>
+          </a:p>
+        </p:txBody>
+      </p:sp>
+      <p:sp>
+        <p:nvSpPr>
+          <p:cNvPr id="29" name="Rectangle 28"/>
+          <p:cNvSpPr/>
+          <p:nvPr/>
+        </p:nvSpPr>
+        <p:spPr>
+          <a:xfrm>
+            <a:off x="220262" y="4807426"/>
+            <a:ext cx="4595229" cy="1934840"/>
+          </a:xfrm>
+          <a:prstGeom prst="rect">
+            <a:avLst/>
+          </a:prstGeom>
+          <a:noFill/>
+          <a:ln>
+            <a:solidFill>
+              <a:schemeClr val="accent6">
+                <a:lumMod val="75000"/>
+              </a:schemeClr>
+            </a:solidFill>
+          </a:ln>
+        </p:spPr>
+        <p:style>
+          <a:lnRef idx="1">
+            <a:schemeClr val="accent1"/>
+          </a:lnRef>
+          <a:fillRef idx="3">
+            <a:schemeClr val="accent1"/>
+          </a:fillRef>
+          <a:effectRef idx="2">
+            <a:schemeClr val="accent1"/>
+          </a:effectRef>
+          <a:fontRef idx="minor">
+            <a:schemeClr val="lt1"/>
+          </a:fontRef>
+        </p:style>
+        <p:txBody>
+          <a:bodyPr rtlCol="0" anchor="ctr"/>
+          <a:lstStyle/>
+          <a:p>
+            <a:pPr algn="ctr"/>
+            <a:endParaRPr lang="en-US"/>
+          </a:p>
+        </p:txBody>
+      </p:sp>
+      <p:sp>
+        <p:nvSpPr>
+          <p:cNvPr id="63" name="Rectangle 62"/>
+          <p:cNvSpPr/>
+          <p:nvPr/>
+        </p:nvSpPr>
+        <p:spPr>
+          <a:xfrm>
+            <a:off x="512049" y="4631185"/>
+            <a:ext cx="1142661" cy="307777"/>
+          </a:xfrm>
+          <a:prstGeom prst="rect">
+            <a:avLst/>
+          </a:prstGeom>
+        </p:spPr>
+        <p:style>
+          <a:lnRef idx="3">
+            <a:schemeClr val="lt1"/>
+          </a:lnRef>
+          <a:fillRef idx="1">
+            <a:schemeClr val="accent6"/>
+          </a:fillRef>
+          <a:effectRef idx="1">
+            <a:schemeClr val="accent6"/>
+          </a:effectRef>
+          <a:fontRef idx="minor">
+            <a:schemeClr val="lt1"/>
+          </a:fontRef>
+        </p:style>
+        <p:txBody>
+          <a:bodyPr wrap="none">
+            <a:spAutoFit/>
+          </a:bodyPr>
+          <a:lstStyle/>
+          <a:p>
+            <a:r>
+              <a:rPr lang="en-US" sz="1400" dirty="0" smtClean="0"/>
+              <a:t>Agile process</a:t>
+            </a:r>
+            <a:endParaRPr lang="en-US" sz="1400" dirty="0"/>
           </a:p>
         </p:txBody>
       </p:sp>

--- a/waterfall.pptx
+++ b/waterfall.pptx
@@ -4599,8 +4599,8 @@
         </p:nvSpPr>
         <p:spPr>
           <a:xfrm>
-            <a:off x="4629122" y="386547"/>
-            <a:ext cx="4214186" cy="1384995"/>
+            <a:off x="4365875" y="386547"/>
+            <a:ext cx="4477433" cy="1384995"/>
           </a:xfrm>
           <a:prstGeom prst="rect">
             <a:avLst/>
@@ -4625,7 +4625,15 @@
             </a:pPr>
             <a:r>
               <a:rPr lang="en-US" sz="1200" dirty="0" smtClean="0"/>
-              <a:t>Reqts = Requirements</a:t>
+              <a:t>Reqts </a:t>
+            </a:r>
+            <a:r>
+              <a:rPr lang="en-US" sz="1200" dirty="0" smtClean="0"/>
+              <a:t>         = </a:t>
+            </a:r>
+            <a:r>
+              <a:rPr lang="en-US" sz="1200" dirty="0" smtClean="0"/>
+              <a:t>Requirements</a:t>
             </a:r>
           </a:p>
           <a:p>
@@ -4635,7 +4643,15 @@
             </a:pPr>
             <a:r>
               <a:rPr lang="en-US" sz="1200" dirty="0" smtClean="0"/>
-              <a:t>HLD = High level design</a:t>
+              <a:t>HLD </a:t>
+            </a:r>
+            <a:r>
+              <a:rPr lang="en-US" sz="1200" dirty="0" smtClean="0"/>
+              <a:t>            = </a:t>
+            </a:r>
+            <a:r>
+              <a:rPr lang="en-US" sz="1200" dirty="0" smtClean="0"/>
+              <a:t>High level design</a:t>
             </a:r>
           </a:p>
           <a:p>
@@ -4645,7 +4661,15 @@
             </a:pPr>
             <a:r>
               <a:rPr lang="en-US" sz="1200" dirty="0" smtClean="0"/>
-              <a:t>QualTest = Qualification tests</a:t>
+              <a:t>QualTest </a:t>
+            </a:r>
+            <a:r>
+              <a:rPr lang="en-US" sz="1200" dirty="0" smtClean="0"/>
+              <a:t>    = </a:t>
+            </a:r>
+            <a:r>
+              <a:rPr lang="en-US" sz="1200" dirty="0" smtClean="0"/>
+              <a:t>Qualification tests</a:t>
             </a:r>
           </a:p>
           <a:p>
@@ -4655,7 +4679,15 @@
             </a:pPr>
             <a:r>
               <a:rPr lang="en-US" sz="1200" dirty="0" smtClean="0"/>
-              <a:t>IntTest = Integrations tests (with parts from other developers)</a:t>
+              <a:t>IntTest </a:t>
+            </a:r>
+            <a:r>
+              <a:rPr lang="en-US" sz="1200" dirty="0" smtClean="0"/>
+              <a:t>       = </a:t>
+            </a:r>
+            <a:r>
+              <a:rPr lang="en-US" sz="1200" dirty="0" smtClean="0"/>
+              <a:t>Integrations tests (with parts from other developers)</a:t>
             </a:r>
           </a:p>
           <a:p>
@@ -4665,7 +4697,15 @@
             </a:pPr>
             <a:r>
               <a:rPr lang="en-US" sz="1200" dirty="0" smtClean="0"/>
-              <a:t>SysTest = System test (e.g. load stress tests)</a:t>
+              <a:t>SysTest </a:t>
+            </a:r>
+            <a:r>
+              <a:rPr lang="en-US" sz="1200" dirty="0" smtClean="0"/>
+              <a:t>      = </a:t>
+            </a:r>
+            <a:r>
+              <a:rPr lang="en-US" sz="1200" dirty="0" smtClean="0"/>
+              <a:t>System test (e.g. load stress tests)</a:t>
             </a:r>
           </a:p>
           <a:p>
@@ -4675,7 +4715,11 @@
             </a:pPr>
             <a:r>
               <a:rPr lang="en-US" sz="1200" dirty="0" smtClean="0"/>
-              <a:t>AcceptTest= Acceptance tests (for users)</a:t>
+              <a:t>AcceptTest = </a:t>
+            </a:r>
+            <a:r>
+              <a:rPr lang="en-US" sz="1200" dirty="0" smtClean="0"/>
+              <a:t>Acceptance tests (for users)</a:t>
             </a:r>
             <a:endParaRPr lang="en-US" sz="1200" dirty="0"/>
           </a:p>

--- a/waterfall.pptx
+++ b/waterfall.pptx
@@ -4588,1074 +4588,6 @@
           <a:p>
             <a:pPr algn="ctr"/>
             <a:endParaRPr lang="en-US" sz="1400"/>
-          </a:p>
-        </p:txBody>
-      </p:sp>
-      <p:sp>
-        <p:nvSpPr>
-          <p:cNvPr id="2" name="TextBox 1"/>
-          <p:cNvSpPr txBox="1"/>
-          <p:nvPr/>
-        </p:nvSpPr>
-        <p:spPr>
-          <a:xfrm>
-            <a:off x="4365875" y="386547"/>
-            <a:ext cx="4477433" cy="1384995"/>
-          </a:xfrm>
-          <a:prstGeom prst="rect">
-            <a:avLst/>
-          </a:prstGeom>
-          <a:noFill/>
-        </p:spPr>
-        <p:txBody>
-          <a:bodyPr wrap="square" rtlCol="0">
-            <a:spAutoFit/>
-          </a:bodyPr>
-          <a:lstStyle/>
-          <a:p>
-            <a:r>
-              <a:rPr lang="en-US" sz="1200" b="1" u="sng" dirty="0" smtClean="0"/>
-              <a:t>KEY</a:t>
-            </a:r>
-          </a:p>
-          <a:p>
-            <a:pPr marL="171450" indent="-171450">
-              <a:buFont typeface="Arial"/>
-              <a:buChar char="•"/>
-            </a:pPr>
-            <a:r>
-              <a:rPr lang="en-US" sz="1200" dirty="0" smtClean="0"/>
-              <a:t>Reqts </a:t>
-            </a:r>
-            <a:r>
-              <a:rPr lang="en-US" sz="1200" dirty="0" smtClean="0"/>
-              <a:t>         = </a:t>
-            </a:r>
-            <a:r>
-              <a:rPr lang="en-US" sz="1200" dirty="0" smtClean="0"/>
-              <a:t>Requirements</a:t>
-            </a:r>
-          </a:p>
-          <a:p>
-            <a:pPr marL="171450" indent="-171450">
-              <a:buFont typeface="Arial"/>
-              <a:buChar char="•"/>
-            </a:pPr>
-            <a:r>
-              <a:rPr lang="en-US" sz="1200" dirty="0" smtClean="0"/>
-              <a:t>HLD </a:t>
-            </a:r>
-            <a:r>
-              <a:rPr lang="en-US" sz="1200" dirty="0" smtClean="0"/>
-              <a:t>            = </a:t>
-            </a:r>
-            <a:r>
-              <a:rPr lang="en-US" sz="1200" dirty="0" smtClean="0"/>
-              <a:t>High level design</a:t>
-            </a:r>
-          </a:p>
-          <a:p>
-            <a:pPr marL="171450" indent="-171450">
-              <a:buFont typeface="Arial"/>
-              <a:buChar char="•"/>
-            </a:pPr>
-            <a:r>
-              <a:rPr lang="en-US" sz="1200" dirty="0" smtClean="0"/>
-              <a:t>QualTest </a:t>
-            </a:r>
-            <a:r>
-              <a:rPr lang="en-US" sz="1200" dirty="0" smtClean="0"/>
-              <a:t>    = </a:t>
-            </a:r>
-            <a:r>
-              <a:rPr lang="en-US" sz="1200" dirty="0" smtClean="0"/>
-              <a:t>Qualification tests</a:t>
-            </a:r>
-          </a:p>
-          <a:p>
-            <a:pPr marL="171450" indent="-171450">
-              <a:buFont typeface="Arial"/>
-              <a:buChar char="•"/>
-            </a:pPr>
-            <a:r>
-              <a:rPr lang="en-US" sz="1200" dirty="0" smtClean="0"/>
-              <a:t>IntTest </a:t>
-            </a:r>
-            <a:r>
-              <a:rPr lang="en-US" sz="1200" dirty="0" smtClean="0"/>
-              <a:t>       = </a:t>
-            </a:r>
-            <a:r>
-              <a:rPr lang="en-US" sz="1200" dirty="0" smtClean="0"/>
-              <a:t>Integrations tests (with parts from other developers)</a:t>
-            </a:r>
-          </a:p>
-          <a:p>
-            <a:pPr marL="171450" indent="-171450">
-              <a:buFont typeface="Arial"/>
-              <a:buChar char="•"/>
-            </a:pPr>
-            <a:r>
-              <a:rPr lang="en-US" sz="1200" dirty="0" smtClean="0"/>
-              <a:t>SysTest </a:t>
-            </a:r>
-            <a:r>
-              <a:rPr lang="en-US" sz="1200" dirty="0" smtClean="0"/>
-              <a:t>      = </a:t>
-            </a:r>
-            <a:r>
-              <a:rPr lang="en-US" sz="1200" dirty="0" smtClean="0"/>
-              <a:t>System test (e.g. load stress tests)</a:t>
-            </a:r>
-          </a:p>
-          <a:p>
-            <a:pPr marL="171450" indent="-171450">
-              <a:buFont typeface="Arial"/>
-              <a:buChar char="•"/>
-            </a:pPr>
-            <a:r>
-              <a:rPr lang="en-US" sz="1200" dirty="0" smtClean="0"/>
-              <a:t>AcceptTest = </a:t>
-            </a:r>
-            <a:r>
-              <a:rPr lang="en-US" sz="1200" dirty="0" smtClean="0"/>
-              <a:t>Acceptance tests (for users)</a:t>
-            </a:r>
-            <a:endParaRPr lang="en-US" sz="1200" dirty="0"/>
-          </a:p>
-        </p:txBody>
-      </p:sp>
-      <p:cxnSp>
-        <p:nvCxnSpPr>
-          <p:cNvPr id="38" name="Straight Arrow Connector 37"/>
-          <p:cNvCxnSpPr/>
-          <p:nvPr/>
-        </p:nvCxnSpPr>
-        <p:spPr>
-          <a:xfrm>
-            <a:off x="1544736" y="5933236"/>
-            <a:ext cx="390752" cy="0"/>
-          </a:xfrm>
-          <a:prstGeom prst="straightConnector1">
-            <a:avLst/>
-          </a:prstGeom>
-          <a:ln w="28575" cmpd="sng">
-            <a:solidFill>
-              <a:schemeClr val="accent6">
-                <a:lumMod val="75000"/>
-              </a:schemeClr>
-            </a:solidFill>
-            <a:tailEnd type="arrow"/>
-          </a:ln>
-        </p:spPr>
-        <p:style>
-          <a:lnRef idx="1">
-            <a:schemeClr val="accent1"/>
-          </a:lnRef>
-          <a:fillRef idx="2">
-            <a:schemeClr val="accent1"/>
-          </a:fillRef>
-          <a:effectRef idx="1">
-            <a:schemeClr val="accent1"/>
-          </a:effectRef>
-          <a:fontRef idx="minor">
-            <a:schemeClr val="dk1"/>
-          </a:fontRef>
-        </p:style>
-      </p:cxnSp>
-      <p:sp>
-        <p:nvSpPr>
-          <p:cNvPr id="45" name="Rectangle 44"/>
-          <p:cNvSpPr/>
-          <p:nvPr/>
-        </p:nvSpPr>
-        <p:spPr>
-          <a:xfrm>
-            <a:off x="380740" y="5320659"/>
-            <a:ext cx="757753" cy="307777"/>
-          </a:xfrm>
-          <a:prstGeom prst="rect">
-            <a:avLst/>
-          </a:prstGeom>
-        </p:spPr>
-        <p:style>
-          <a:lnRef idx="3">
-            <a:schemeClr val="lt1"/>
-          </a:lnRef>
-          <a:fillRef idx="1">
-            <a:schemeClr val="accent6"/>
-          </a:fillRef>
-          <a:effectRef idx="1">
-            <a:schemeClr val="accent6"/>
-          </a:effectRef>
-          <a:fontRef idx="minor">
-            <a:schemeClr val="lt1"/>
-          </a:fontRef>
-        </p:style>
-        <p:txBody>
-          <a:bodyPr wrap="square">
-            <a:spAutoFit/>
-          </a:bodyPr>
-          <a:lstStyle/>
-          <a:p>
-            <a:r>
-              <a:rPr lang="en-US" sz="1400" dirty="0" smtClean="0"/>
-              <a:t>     </a:t>
-            </a:r>
-            <a:endParaRPr lang="en-US" sz="1400" dirty="0"/>
-          </a:p>
-        </p:txBody>
-      </p:sp>
-      <p:sp>
-        <p:nvSpPr>
-          <p:cNvPr id="46" name="Rectangle 45"/>
-          <p:cNvSpPr/>
-          <p:nvPr/>
-        </p:nvSpPr>
-        <p:spPr>
-          <a:xfrm>
-            <a:off x="497530" y="5473059"/>
-            <a:ext cx="757753" cy="307777"/>
-          </a:xfrm>
-          <a:prstGeom prst="rect">
-            <a:avLst/>
-          </a:prstGeom>
-        </p:spPr>
-        <p:style>
-          <a:lnRef idx="3">
-            <a:schemeClr val="lt1"/>
-          </a:lnRef>
-          <a:fillRef idx="1">
-            <a:schemeClr val="accent6"/>
-          </a:fillRef>
-          <a:effectRef idx="1">
-            <a:schemeClr val="accent6"/>
-          </a:effectRef>
-          <a:fontRef idx="minor">
-            <a:schemeClr val="lt1"/>
-          </a:fontRef>
-        </p:style>
-        <p:txBody>
-          <a:bodyPr wrap="square">
-            <a:spAutoFit/>
-          </a:bodyPr>
-          <a:lstStyle/>
-          <a:p>
-            <a:r>
-              <a:rPr lang="en-US" sz="1400" dirty="0" smtClean="0"/>
-              <a:t>     </a:t>
-            </a:r>
-            <a:endParaRPr lang="en-US" sz="1400" dirty="0"/>
-          </a:p>
-        </p:txBody>
-      </p:sp>
-      <p:sp>
-        <p:nvSpPr>
-          <p:cNvPr id="47" name="Rectangle 46"/>
-          <p:cNvSpPr/>
-          <p:nvPr/>
-        </p:nvSpPr>
-        <p:spPr>
-          <a:xfrm>
-            <a:off x="614320" y="5625459"/>
-            <a:ext cx="757753" cy="307777"/>
-          </a:xfrm>
-          <a:prstGeom prst="rect">
-            <a:avLst/>
-          </a:prstGeom>
-        </p:spPr>
-        <p:style>
-          <a:lnRef idx="3">
-            <a:schemeClr val="lt1"/>
-          </a:lnRef>
-          <a:fillRef idx="1">
-            <a:schemeClr val="accent6"/>
-          </a:fillRef>
-          <a:effectRef idx="1">
-            <a:schemeClr val="accent6"/>
-          </a:effectRef>
-          <a:fontRef idx="minor">
-            <a:schemeClr val="lt1"/>
-          </a:fontRef>
-        </p:style>
-        <p:txBody>
-          <a:bodyPr wrap="square">
-            <a:spAutoFit/>
-          </a:bodyPr>
-          <a:lstStyle/>
-          <a:p>
-            <a:r>
-              <a:rPr lang="en-US" sz="1400" dirty="0" smtClean="0"/>
-              <a:t>     </a:t>
-            </a:r>
-            <a:endParaRPr lang="en-US" sz="1400" dirty="0"/>
-          </a:p>
-        </p:txBody>
-      </p:sp>
-      <p:sp>
-        <p:nvSpPr>
-          <p:cNvPr id="48" name="Rectangle 47"/>
-          <p:cNvSpPr/>
-          <p:nvPr/>
-        </p:nvSpPr>
-        <p:spPr>
-          <a:xfrm>
-            <a:off x="708734" y="5779347"/>
-            <a:ext cx="746243" cy="307777"/>
-          </a:xfrm>
-          <a:prstGeom prst="rect">
-            <a:avLst/>
-          </a:prstGeom>
-        </p:spPr>
-        <p:style>
-          <a:lnRef idx="3">
-            <a:schemeClr val="lt1"/>
-          </a:lnRef>
-          <a:fillRef idx="1">
-            <a:schemeClr val="accent6"/>
-          </a:fillRef>
-          <a:effectRef idx="1">
-            <a:schemeClr val="accent6"/>
-          </a:effectRef>
-          <a:fontRef idx="minor">
-            <a:schemeClr val="lt1"/>
-          </a:fontRef>
-        </p:style>
-        <p:txBody>
-          <a:bodyPr wrap="none">
-            <a:spAutoFit/>
-          </a:bodyPr>
-          <a:lstStyle/>
-          <a:p>
-            <a:r>
-              <a:rPr lang="en-US" sz="1400" dirty="0" smtClean="0">
-                <a:solidFill>
-                  <a:schemeClr val="tx1"/>
-                </a:solidFill>
-              </a:rPr>
-              <a:t>Backlog</a:t>
-            </a:r>
-            <a:endParaRPr lang="en-US" sz="1400" dirty="0">
-              <a:solidFill>
-                <a:schemeClr val="tx1"/>
-              </a:solidFill>
-            </a:endParaRPr>
-          </a:p>
-        </p:txBody>
-      </p:sp>
-      <p:sp>
-        <p:nvSpPr>
-          <p:cNvPr id="49" name="Arc 48"/>
-          <p:cNvSpPr/>
-          <p:nvPr/>
-        </p:nvSpPr>
-        <p:spPr>
-          <a:xfrm>
-            <a:off x="2174142" y="5355230"/>
-            <a:ext cx="1187985" cy="1201779"/>
-          </a:xfrm>
-          <a:prstGeom prst="arc">
-            <a:avLst/>
-          </a:prstGeom>
-          <a:ln>
-            <a:solidFill>
-              <a:srgbClr val="E46C0A"/>
-            </a:solidFill>
-            <a:headEnd type="none"/>
-            <a:tailEnd type="triangle"/>
-          </a:ln>
-        </p:spPr>
-        <p:style>
-          <a:lnRef idx="2">
-            <a:schemeClr val="accent1"/>
-          </a:lnRef>
-          <a:fillRef idx="0">
-            <a:schemeClr val="accent1"/>
-          </a:fillRef>
-          <a:effectRef idx="1">
-            <a:schemeClr val="accent1"/>
-          </a:effectRef>
-          <a:fontRef idx="minor">
-            <a:schemeClr val="tx1"/>
-          </a:fontRef>
-        </p:style>
-        <p:txBody>
-          <a:bodyPr rtlCol="0" anchor="ctr"/>
-          <a:lstStyle/>
-          <a:p>
-            <a:pPr algn="ctr"/>
-            <a:endParaRPr lang="en-US"/>
-          </a:p>
-        </p:txBody>
-      </p:sp>
-      <p:sp>
-        <p:nvSpPr>
-          <p:cNvPr id="50" name="Arc 49"/>
-          <p:cNvSpPr/>
-          <p:nvPr/>
-        </p:nvSpPr>
-        <p:spPr>
-          <a:xfrm rot="16200000">
-            <a:off x="2078070" y="5348088"/>
-            <a:ext cx="1187985" cy="1201779"/>
-          </a:xfrm>
-          <a:prstGeom prst="arc">
-            <a:avLst/>
-          </a:prstGeom>
-          <a:ln>
-            <a:solidFill>
-              <a:schemeClr val="accent6">
-                <a:lumMod val="75000"/>
-              </a:schemeClr>
-            </a:solidFill>
-            <a:headEnd type="none"/>
-            <a:tailEnd type="triangle"/>
-          </a:ln>
-        </p:spPr>
-        <p:style>
-          <a:lnRef idx="2">
-            <a:schemeClr val="accent1"/>
-          </a:lnRef>
-          <a:fillRef idx="0">
-            <a:schemeClr val="accent1"/>
-          </a:fillRef>
-          <a:effectRef idx="1">
-            <a:schemeClr val="accent1"/>
-          </a:effectRef>
-          <a:fontRef idx="minor">
-            <a:schemeClr val="tx1"/>
-          </a:fontRef>
-        </p:style>
-        <p:txBody>
-          <a:bodyPr rtlCol="0" anchor="ctr"/>
-          <a:lstStyle/>
-          <a:p>
-            <a:pPr algn="ctr"/>
-            <a:endParaRPr lang="en-US"/>
-          </a:p>
-        </p:txBody>
-      </p:sp>
-      <p:sp>
-        <p:nvSpPr>
-          <p:cNvPr id="51" name="Arc 50"/>
-          <p:cNvSpPr/>
-          <p:nvPr/>
-        </p:nvSpPr>
-        <p:spPr>
-          <a:xfrm flipV="1">
-            <a:off x="2166368" y="5427536"/>
-            <a:ext cx="1187985" cy="1201779"/>
-          </a:xfrm>
-          <a:prstGeom prst="arc">
-            <a:avLst/>
-          </a:prstGeom>
-          <a:ln>
-            <a:solidFill>
-              <a:schemeClr val="accent6">
-                <a:lumMod val="75000"/>
-              </a:schemeClr>
-            </a:solidFill>
-            <a:headEnd type="triangle"/>
-            <a:tailEnd type="none"/>
-          </a:ln>
-        </p:spPr>
-        <p:style>
-          <a:lnRef idx="2">
-            <a:schemeClr val="accent1"/>
-          </a:lnRef>
-          <a:fillRef idx="0">
-            <a:schemeClr val="accent1"/>
-          </a:fillRef>
-          <a:effectRef idx="1">
-            <a:schemeClr val="accent1"/>
-          </a:effectRef>
-          <a:fontRef idx="minor">
-            <a:schemeClr val="tx1"/>
-          </a:fontRef>
-        </p:style>
-        <p:txBody>
-          <a:bodyPr rtlCol="0" anchor="ctr"/>
-          <a:lstStyle/>
-          <a:p>
-            <a:pPr algn="ctr"/>
-            <a:endParaRPr lang="en-US"/>
-          </a:p>
-        </p:txBody>
-      </p:sp>
-      <p:sp>
-        <p:nvSpPr>
-          <p:cNvPr id="52" name="Arc 51"/>
-          <p:cNvSpPr/>
-          <p:nvPr/>
-        </p:nvSpPr>
-        <p:spPr>
-          <a:xfrm rot="5400000" flipV="1">
-            <a:off x="2070296" y="5431836"/>
-            <a:ext cx="1187985" cy="1201779"/>
-          </a:xfrm>
-          <a:prstGeom prst="arc">
-            <a:avLst/>
-          </a:prstGeom>
-          <a:ln>
-            <a:solidFill>
-              <a:srgbClr val="E46C0A"/>
-            </a:solidFill>
-            <a:headEnd type="triangle"/>
-            <a:tailEnd type="none"/>
-          </a:ln>
-        </p:spPr>
-        <p:style>
-          <a:lnRef idx="2">
-            <a:schemeClr val="accent1"/>
-          </a:lnRef>
-          <a:fillRef idx="0">
-            <a:schemeClr val="accent1"/>
-          </a:fillRef>
-          <a:effectRef idx="1">
-            <a:schemeClr val="accent1"/>
-          </a:effectRef>
-          <a:fontRef idx="minor">
-            <a:schemeClr val="tx1"/>
-          </a:fontRef>
-        </p:style>
-        <p:txBody>
-          <a:bodyPr rtlCol="0" anchor="ctr"/>
-          <a:lstStyle/>
-          <a:p>
-            <a:pPr algn="ctr"/>
-            <a:endParaRPr lang="en-US"/>
-          </a:p>
-        </p:txBody>
-      </p:sp>
-      <p:cxnSp>
-        <p:nvCxnSpPr>
-          <p:cNvPr id="53" name="Straight Arrow Connector 52"/>
-          <p:cNvCxnSpPr/>
-          <p:nvPr/>
-        </p:nvCxnSpPr>
-        <p:spPr>
-          <a:xfrm>
-            <a:off x="3505436" y="5933236"/>
-            <a:ext cx="366621" cy="0"/>
-          </a:xfrm>
-          <a:prstGeom prst="straightConnector1">
-            <a:avLst/>
-          </a:prstGeom>
-          <a:ln w="28575" cmpd="sng">
-            <a:solidFill>
-              <a:schemeClr val="accent6">
-                <a:lumMod val="75000"/>
-              </a:schemeClr>
-            </a:solidFill>
-            <a:tailEnd type="arrow"/>
-          </a:ln>
-        </p:spPr>
-        <p:style>
-          <a:lnRef idx="1">
-            <a:schemeClr val="accent1"/>
-          </a:lnRef>
-          <a:fillRef idx="2">
-            <a:schemeClr val="accent1"/>
-          </a:fillRef>
-          <a:effectRef idx="1">
-            <a:schemeClr val="accent1"/>
-          </a:effectRef>
-          <a:fontRef idx="minor">
-            <a:schemeClr val="dk1"/>
-          </a:fontRef>
-        </p:style>
-      </p:cxnSp>
-      <p:sp>
-        <p:nvSpPr>
-          <p:cNvPr id="54" name="Rectangle 53"/>
-          <p:cNvSpPr/>
-          <p:nvPr/>
-        </p:nvSpPr>
-        <p:spPr>
-          <a:xfrm>
-            <a:off x="3957910" y="5791272"/>
-            <a:ext cx="748923" cy="307777"/>
-          </a:xfrm>
-          <a:prstGeom prst="rect">
-            <a:avLst/>
-          </a:prstGeom>
-        </p:spPr>
-        <p:style>
-          <a:lnRef idx="3">
-            <a:schemeClr val="lt1"/>
-          </a:lnRef>
-          <a:fillRef idx="1">
-            <a:schemeClr val="accent6"/>
-          </a:fillRef>
-          <a:effectRef idx="1">
-            <a:schemeClr val="accent6"/>
-          </a:effectRef>
-          <a:fontRef idx="minor">
-            <a:schemeClr val="lt1"/>
-          </a:fontRef>
-        </p:style>
-        <p:txBody>
-          <a:bodyPr wrap="none">
-            <a:spAutoFit/>
-          </a:bodyPr>
-          <a:lstStyle/>
-          <a:p>
-            <a:r>
-              <a:rPr lang="en-US" sz="1400" dirty="0" smtClean="0">
-                <a:solidFill>
-                  <a:schemeClr val="tx1"/>
-                </a:solidFill>
-              </a:rPr>
-              <a:t>Release</a:t>
-            </a:r>
-            <a:endParaRPr lang="en-US" sz="1400" dirty="0">
-              <a:solidFill>
-                <a:schemeClr val="tx1"/>
-              </a:solidFill>
-            </a:endParaRPr>
-          </a:p>
-        </p:txBody>
-      </p:sp>
-      <p:sp>
-        <p:nvSpPr>
-          <p:cNvPr id="55" name="Arc 54"/>
-          <p:cNvSpPr/>
-          <p:nvPr/>
-        </p:nvSpPr>
-        <p:spPr>
-          <a:xfrm>
-            <a:off x="3168567" y="4900373"/>
-            <a:ext cx="437473" cy="486139"/>
-          </a:xfrm>
-          <a:prstGeom prst="arc">
-            <a:avLst/>
-          </a:prstGeom>
-          <a:ln>
-            <a:solidFill>
-              <a:srgbClr val="E46C0A"/>
-            </a:solidFill>
-            <a:headEnd type="none"/>
-            <a:tailEnd type="triangle"/>
-          </a:ln>
-        </p:spPr>
-        <p:style>
-          <a:lnRef idx="2">
-            <a:schemeClr val="accent1"/>
-          </a:lnRef>
-          <a:fillRef idx="0">
-            <a:schemeClr val="accent1"/>
-          </a:fillRef>
-          <a:effectRef idx="1">
-            <a:schemeClr val="accent1"/>
-          </a:effectRef>
-          <a:fontRef idx="minor">
-            <a:schemeClr val="tx1"/>
-          </a:fontRef>
-        </p:style>
-        <p:txBody>
-          <a:bodyPr rtlCol="0" anchor="ctr"/>
-          <a:lstStyle/>
-          <a:p>
-            <a:pPr algn="ctr"/>
-            <a:endParaRPr lang="en-US"/>
-          </a:p>
-        </p:txBody>
-      </p:sp>
-      <p:sp>
-        <p:nvSpPr>
-          <p:cNvPr id="56" name="Arc 55"/>
-          <p:cNvSpPr/>
-          <p:nvPr/>
-        </p:nvSpPr>
-        <p:spPr>
-          <a:xfrm rot="16200000">
-            <a:off x="3055311" y="4910917"/>
-            <a:ext cx="480560" cy="442550"/>
-          </a:xfrm>
-          <a:prstGeom prst="arc">
-            <a:avLst/>
-          </a:prstGeom>
-          <a:ln>
-            <a:solidFill>
-              <a:schemeClr val="accent6">
-                <a:lumMod val="75000"/>
-              </a:schemeClr>
-            </a:solidFill>
-            <a:headEnd type="none"/>
-            <a:tailEnd type="triangle"/>
-          </a:ln>
-        </p:spPr>
-        <p:style>
-          <a:lnRef idx="2">
-            <a:schemeClr val="accent1"/>
-          </a:lnRef>
-          <a:fillRef idx="0">
-            <a:schemeClr val="accent1"/>
-          </a:fillRef>
-          <a:effectRef idx="1">
-            <a:schemeClr val="accent1"/>
-          </a:effectRef>
-          <a:fontRef idx="minor">
-            <a:schemeClr val="tx1"/>
-          </a:fontRef>
-        </p:style>
-        <p:txBody>
-          <a:bodyPr rtlCol="0" anchor="ctr"/>
-          <a:lstStyle/>
-          <a:p>
-            <a:pPr algn="ctr"/>
-            <a:endParaRPr lang="en-US"/>
-          </a:p>
-        </p:txBody>
-      </p:sp>
-      <p:sp>
-        <p:nvSpPr>
-          <p:cNvPr id="57" name="Arc 56"/>
-          <p:cNvSpPr/>
-          <p:nvPr/>
-        </p:nvSpPr>
-        <p:spPr>
-          <a:xfrm flipV="1">
-            <a:off x="3160793" y="4972678"/>
-            <a:ext cx="437473" cy="486139"/>
-          </a:xfrm>
-          <a:prstGeom prst="arc">
-            <a:avLst/>
-          </a:prstGeom>
-          <a:ln>
-            <a:solidFill>
-              <a:schemeClr val="accent6">
-                <a:lumMod val="75000"/>
-              </a:schemeClr>
-            </a:solidFill>
-            <a:headEnd type="triangle"/>
-            <a:tailEnd type="none"/>
-          </a:ln>
-        </p:spPr>
-        <p:style>
-          <a:lnRef idx="2">
-            <a:schemeClr val="accent1"/>
-          </a:lnRef>
-          <a:fillRef idx="0">
-            <a:schemeClr val="accent1"/>
-          </a:fillRef>
-          <a:effectRef idx="1">
-            <a:schemeClr val="accent1"/>
-          </a:effectRef>
-          <a:fontRef idx="minor">
-            <a:schemeClr val="tx1"/>
-          </a:fontRef>
-        </p:style>
-        <p:txBody>
-          <a:bodyPr rtlCol="0" anchor="ctr"/>
-          <a:lstStyle/>
-          <a:p>
-            <a:pPr algn="ctr"/>
-            <a:endParaRPr lang="en-US"/>
-          </a:p>
-        </p:txBody>
-      </p:sp>
-      <p:sp>
-        <p:nvSpPr>
-          <p:cNvPr id="58" name="Arc 57"/>
-          <p:cNvSpPr/>
-          <p:nvPr/>
-        </p:nvSpPr>
-        <p:spPr>
-          <a:xfrm rot="5400000" flipV="1">
-            <a:off x="3047538" y="4994666"/>
-            <a:ext cx="480558" cy="442551"/>
-          </a:xfrm>
-          <a:prstGeom prst="arc">
-            <a:avLst/>
-          </a:prstGeom>
-          <a:ln>
-            <a:solidFill>
-              <a:srgbClr val="E46C0A"/>
-            </a:solidFill>
-            <a:headEnd type="triangle"/>
-            <a:tailEnd type="none"/>
-          </a:ln>
-        </p:spPr>
-        <p:style>
-          <a:lnRef idx="2">
-            <a:schemeClr val="accent1"/>
-          </a:lnRef>
-          <a:fillRef idx="0">
-            <a:schemeClr val="accent1"/>
-          </a:fillRef>
-          <a:effectRef idx="1">
-            <a:schemeClr val="accent1"/>
-          </a:effectRef>
-          <a:fontRef idx="minor">
-            <a:schemeClr val="tx1"/>
-          </a:fontRef>
-        </p:style>
-        <p:txBody>
-          <a:bodyPr rtlCol="0" anchor="ctr"/>
-          <a:lstStyle/>
-          <a:p>
-            <a:pPr algn="ctr"/>
-            <a:endParaRPr lang="en-US"/>
-          </a:p>
-        </p:txBody>
-      </p:sp>
-      <p:sp>
-        <p:nvSpPr>
-          <p:cNvPr id="59" name="Rectangle 58"/>
-          <p:cNvSpPr/>
-          <p:nvPr/>
-        </p:nvSpPr>
-        <p:spPr>
-          <a:xfrm>
-            <a:off x="2329356" y="5528421"/>
-            <a:ext cx="766318" cy="954107"/>
-          </a:xfrm>
-          <a:prstGeom prst="rect">
-            <a:avLst/>
-          </a:prstGeom>
-          <a:ln>
-            <a:noFill/>
-          </a:ln>
-        </p:spPr>
-        <p:txBody>
-          <a:bodyPr wrap="none">
-            <a:spAutoFit/>
-          </a:bodyPr>
-          <a:lstStyle/>
-          <a:p>
-            <a:r>
-              <a:rPr lang="en-US" sz="1400" dirty="0" smtClean="0"/>
-              <a:t>Sprints</a:t>
-            </a:r>
-          </a:p>
-          <a:p>
-            <a:endParaRPr lang="en-US" sz="1400" dirty="0" smtClean="0"/>
-          </a:p>
-          <a:p>
-            <a:r>
-              <a:rPr lang="en-US" sz="1400" dirty="0" smtClean="0"/>
-              <a:t>(days to</a:t>
-            </a:r>
-          </a:p>
-          <a:p>
-            <a:r>
-              <a:rPr lang="en-US" sz="1400" dirty="0"/>
-              <a:t>w</a:t>
-            </a:r>
-            <a:r>
-              <a:rPr lang="en-US" sz="1400" dirty="0" smtClean="0"/>
-              <a:t>eeks)</a:t>
-            </a:r>
-            <a:endParaRPr lang="en-US" sz="1400" dirty="0"/>
-          </a:p>
-        </p:txBody>
-      </p:sp>
-      <p:sp>
-        <p:nvSpPr>
-          <p:cNvPr id="60" name="Rectangle 59"/>
-          <p:cNvSpPr/>
-          <p:nvPr/>
-        </p:nvSpPr>
-        <p:spPr>
-          <a:xfrm>
-            <a:off x="3045881" y="4987104"/>
-            <a:ext cx="606281" cy="360099"/>
-          </a:xfrm>
-          <a:prstGeom prst="rect">
-            <a:avLst/>
-          </a:prstGeom>
-          <a:ln>
-            <a:noFill/>
-          </a:ln>
-        </p:spPr>
-        <p:txBody>
-          <a:bodyPr wrap="none">
-            <a:spAutoFit/>
-          </a:bodyPr>
-          <a:lstStyle/>
-          <a:p>
-            <a:pPr algn="ctr">
-              <a:lnSpc>
-                <a:spcPct val="70000"/>
-              </a:lnSpc>
-            </a:pPr>
-            <a:r>
-              <a:rPr lang="en-US" sz="1200" dirty="0"/>
-              <a:t>d</a:t>
-            </a:r>
-            <a:r>
-              <a:rPr lang="en-US" sz="1200" dirty="0" smtClean="0"/>
-              <a:t>aily</a:t>
-            </a:r>
-          </a:p>
-          <a:p>
-            <a:pPr>
-              <a:lnSpc>
-                <a:spcPct val="70000"/>
-              </a:lnSpc>
-            </a:pPr>
-            <a:r>
-              <a:rPr lang="en-US" sz="1200" dirty="0" smtClean="0"/>
-              <a:t>review</a:t>
-            </a:r>
-            <a:endParaRPr lang="en-US" sz="1200" dirty="0"/>
-          </a:p>
-        </p:txBody>
-      </p:sp>
-      <p:cxnSp>
-        <p:nvCxnSpPr>
-          <p:cNvPr id="61" name="Straight Arrow Connector 60"/>
-          <p:cNvCxnSpPr/>
-          <p:nvPr/>
-        </p:nvCxnSpPr>
-        <p:spPr>
-          <a:xfrm flipH="1" flipV="1">
-            <a:off x="3652162" y="5427536"/>
-            <a:ext cx="219896" cy="259698"/>
-          </a:xfrm>
-          <a:prstGeom prst="straightConnector1">
-            <a:avLst/>
-          </a:prstGeom>
-          <a:ln w="28575" cmpd="sng">
-            <a:solidFill>
-              <a:schemeClr val="accent6">
-                <a:lumMod val="75000"/>
-              </a:schemeClr>
-            </a:solidFill>
-            <a:tailEnd type="arrow"/>
-          </a:ln>
-        </p:spPr>
-        <p:style>
-          <a:lnRef idx="1">
-            <a:schemeClr val="accent1"/>
-          </a:lnRef>
-          <a:fillRef idx="2">
-            <a:schemeClr val="accent1"/>
-          </a:fillRef>
-          <a:effectRef idx="1">
-            <a:schemeClr val="accent1"/>
-          </a:effectRef>
-          <a:fontRef idx="minor">
-            <a:schemeClr val="dk1"/>
-          </a:fontRef>
-        </p:style>
-      </p:cxnSp>
-      <p:sp>
-        <p:nvSpPr>
-          <p:cNvPr id="62" name="Rectangle 61"/>
-          <p:cNvSpPr/>
-          <p:nvPr/>
-        </p:nvSpPr>
-        <p:spPr>
-          <a:xfrm>
-            <a:off x="3848317" y="5366603"/>
-            <a:ext cx="802755" cy="292388"/>
-          </a:xfrm>
-          <a:prstGeom prst="rect">
-            <a:avLst/>
-          </a:prstGeom>
-        </p:spPr>
-        <p:txBody>
-          <a:bodyPr wrap="none">
-            <a:spAutoFit/>
-          </a:bodyPr>
-          <a:lstStyle/>
-          <a:p>
-            <a:r>
-              <a:rPr lang="en-US" sz="1300" dirty="0" smtClean="0"/>
-              <a:t>feedback</a:t>
-            </a:r>
-            <a:endParaRPr lang="en-US" sz="1300" dirty="0"/>
-          </a:p>
-        </p:txBody>
-      </p:sp>
-      <p:sp>
-        <p:nvSpPr>
-          <p:cNvPr id="29" name="Rectangle 28"/>
-          <p:cNvSpPr/>
-          <p:nvPr/>
-        </p:nvSpPr>
-        <p:spPr>
-          <a:xfrm>
-            <a:off x="220262" y="4807426"/>
-            <a:ext cx="4595229" cy="1934840"/>
-          </a:xfrm>
-          <a:prstGeom prst="rect">
-            <a:avLst/>
-          </a:prstGeom>
-          <a:noFill/>
-          <a:ln>
-            <a:solidFill>
-              <a:schemeClr val="accent6">
-                <a:lumMod val="75000"/>
-              </a:schemeClr>
-            </a:solidFill>
-          </a:ln>
-        </p:spPr>
-        <p:style>
-          <a:lnRef idx="1">
-            <a:schemeClr val="accent1"/>
-          </a:lnRef>
-          <a:fillRef idx="3">
-            <a:schemeClr val="accent1"/>
-          </a:fillRef>
-          <a:effectRef idx="2">
-            <a:schemeClr val="accent1"/>
-          </a:effectRef>
-          <a:fontRef idx="minor">
-            <a:schemeClr val="lt1"/>
-          </a:fontRef>
-        </p:style>
-        <p:txBody>
-          <a:bodyPr rtlCol="0" anchor="ctr"/>
-          <a:lstStyle/>
-          <a:p>
-            <a:pPr algn="ctr"/>
-            <a:endParaRPr lang="en-US"/>
-          </a:p>
-        </p:txBody>
-      </p:sp>
-      <p:sp>
-        <p:nvSpPr>
-          <p:cNvPr id="63" name="Rectangle 62"/>
-          <p:cNvSpPr/>
-          <p:nvPr/>
-        </p:nvSpPr>
-        <p:spPr>
-          <a:xfrm>
-            <a:off x="512049" y="4631185"/>
-            <a:ext cx="1142661" cy="307777"/>
-          </a:xfrm>
-          <a:prstGeom prst="rect">
-            <a:avLst/>
-          </a:prstGeom>
-        </p:spPr>
-        <p:style>
-          <a:lnRef idx="3">
-            <a:schemeClr val="lt1"/>
-          </a:lnRef>
-          <a:fillRef idx="1">
-            <a:schemeClr val="accent6"/>
-          </a:fillRef>
-          <a:effectRef idx="1">
-            <a:schemeClr val="accent6"/>
-          </a:effectRef>
-          <a:fontRef idx="minor">
-            <a:schemeClr val="lt1"/>
-          </a:fontRef>
-        </p:style>
-        <p:txBody>
-          <a:bodyPr wrap="none">
-            <a:spAutoFit/>
-          </a:bodyPr>
-          <a:lstStyle/>
-          <a:p>
-            <a:r>
-              <a:rPr lang="en-US" sz="1400" dirty="0" smtClean="0"/>
-              <a:t>Agile process</a:t>
-            </a:r>
-            <a:endParaRPr lang="en-US" sz="1400" dirty="0"/>
           </a:p>
         </p:txBody>
       </p:sp>

--- a/waterfall.pptx
+++ b/waterfall.pptx
@@ -289,7 +289,7 @@
           <a:p>
             <a:fld id="{15B879B8-E416-D442-B17F-05DE93910295}" type="datetimeFigureOut">
               <a:rPr lang="en-US" smtClean="0"/>
-              <a:t>2/22/15</a:t>
+              <a:t>3/4/15</a:t>
             </a:fld>
             <a:endParaRPr lang="en-US"/>
           </a:p>
@@ -459,7 +459,7 @@
           <a:p>
             <a:fld id="{15B879B8-E416-D442-B17F-05DE93910295}" type="datetimeFigureOut">
               <a:rPr lang="en-US" smtClean="0"/>
-              <a:t>2/22/15</a:t>
+              <a:t>3/4/15</a:t>
             </a:fld>
             <a:endParaRPr lang="en-US"/>
           </a:p>
@@ -639,7 +639,7 @@
           <a:p>
             <a:fld id="{15B879B8-E416-D442-B17F-05DE93910295}" type="datetimeFigureOut">
               <a:rPr lang="en-US" smtClean="0"/>
-              <a:t>2/22/15</a:t>
+              <a:t>3/4/15</a:t>
             </a:fld>
             <a:endParaRPr lang="en-US"/>
           </a:p>
@@ -809,7 +809,7 @@
           <a:p>
             <a:fld id="{15B879B8-E416-D442-B17F-05DE93910295}" type="datetimeFigureOut">
               <a:rPr lang="en-US" smtClean="0"/>
-              <a:t>2/22/15</a:t>
+              <a:t>3/4/15</a:t>
             </a:fld>
             <a:endParaRPr lang="en-US"/>
           </a:p>
@@ -1055,7 +1055,7 @@
           <a:p>
             <a:fld id="{15B879B8-E416-D442-B17F-05DE93910295}" type="datetimeFigureOut">
               <a:rPr lang="en-US" smtClean="0"/>
-              <a:t>2/22/15</a:t>
+              <a:t>3/4/15</a:t>
             </a:fld>
             <a:endParaRPr lang="en-US"/>
           </a:p>
@@ -1343,7 +1343,7 @@
           <a:p>
             <a:fld id="{15B879B8-E416-D442-B17F-05DE93910295}" type="datetimeFigureOut">
               <a:rPr lang="en-US" smtClean="0"/>
-              <a:t>2/22/15</a:t>
+              <a:t>3/4/15</a:t>
             </a:fld>
             <a:endParaRPr lang="en-US"/>
           </a:p>
@@ -1765,7 +1765,7 @@
           <a:p>
             <a:fld id="{15B879B8-E416-D442-B17F-05DE93910295}" type="datetimeFigureOut">
               <a:rPr lang="en-US" smtClean="0"/>
-              <a:t>2/22/15</a:t>
+              <a:t>3/4/15</a:t>
             </a:fld>
             <a:endParaRPr lang="en-US"/>
           </a:p>
@@ -1883,7 +1883,7 @@
           <a:p>
             <a:fld id="{15B879B8-E416-D442-B17F-05DE93910295}" type="datetimeFigureOut">
               <a:rPr lang="en-US" smtClean="0"/>
-              <a:t>2/22/15</a:t>
+              <a:t>3/4/15</a:t>
             </a:fld>
             <a:endParaRPr lang="en-US"/>
           </a:p>
@@ -1978,7 +1978,7 @@
           <a:p>
             <a:fld id="{15B879B8-E416-D442-B17F-05DE93910295}" type="datetimeFigureOut">
               <a:rPr lang="en-US" smtClean="0"/>
-              <a:t>2/22/15</a:t>
+              <a:t>3/4/15</a:t>
             </a:fld>
             <a:endParaRPr lang="en-US"/>
           </a:p>
@@ -2255,7 +2255,7 @@
           <a:p>
             <a:fld id="{15B879B8-E416-D442-B17F-05DE93910295}" type="datetimeFigureOut">
               <a:rPr lang="en-US" smtClean="0"/>
-              <a:t>2/22/15</a:t>
+              <a:t>3/4/15</a:t>
             </a:fld>
             <a:endParaRPr lang="en-US"/>
           </a:p>
@@ -2508,7 +2508,7 @@
           <a:p>
             <a:fld id="{15B879B8-E416-D442-B17F-05DE93910295}" type="datetimeFigureOut">
               <a:rPr lang="en-US" smtClean="0"/>
-              <a:t>2/22/15</a:t>
+              <a:t>3/4/15</a:t>
             </a:fld>
             <a:endParaRPr lang="en-US"/>
           </a:p>
@@ -2721,7 +2721,7 @@
           <a:p>
             <a:fld id="{15B879B8-E416-D442-B17F-05DE93910295}" type="datetimeFigureOut">
               <a:rPr lang="en-US" smtClean="0"/>
-              <a:t>2/22/15</a:t>
+              <a:t>3/4/15</a:t>
             </a:fld>
             <a:endParaRPr lang="en-US"/>
           </a:p>
@@ -3104,8 +3104,8 @@
         </p:nvSpPr>
         <p:spPr>
           <a:xfrm>
-            <a:off x="220262" y="386547"/>
-            <a:ext cx="1660668" cy="307777"/>
+            <a:off x="1109613" y="1021547"/>
+            <a:ext cx="638065" cy="307777"/>
           </a:xfrm>
           <a:prstGeom prst="rect">
             <a:avLst/>
@@ -3133,7 +3133,7 @@
           <a:p>
             <a:r>
               <a:rPr lang="en-US" sz="1400" dirty="0" smtClean="0"/>
-              <a:t>BeforeDevelopment</a:t>
+              <a:t>B4dev</a:t>
             </a:r>
             <a:endParaRPr lang="en-US" sz="1400" dirty="0"/>
           </a:p>
@@ -3147,7 +3147,7 @@
         </p:nvSpPr>
         <p:spPr>
           <a:xfrm>
-            <a:off x="3969948" y="3278296"/>
+            <a:off x="4859299" y="3913296"/>
             <a:ext cx="558729" cy="307777"/>
           </a:xfrm>
           <a:prstGeom prst="rect">
@@ -3190,7 +3190,7 @@
         </p:nvSpPr>
         <p:spPr>
           <a:xfrm>
-            <a:off x="4766446" y="3156917"/>
+            <a:off x="5655797" y="3791917"/>
             <a:ext cx="710902" cy="307777"/>
           </a:xfrm>
           <a:prstGeom prst="rect">
@@ -3219,7 +3219,7 @@
         </p:nvSpPr>
         <p:spPr>
           <a:xfrm>
-            <a:off x="4449602" y="2608505"/>
+            <a:off x="5338953" y="3243505"/>
             <a:ext cx="744565" cy="307777"/>
           </a:xfrm>
           <a:prstGeom prst="rect">
@@ -3248,8 +3248,8 @@
         </p:nvSpPr>
         <p:spPr>
           <a:xfrm>
-            <a:off x="4786622" y="3894006"/>
-            <a:ext cx="491841" cy="307777"/>
+            <a:off x="5675973" y="4529006"/>
+            <a:ext cx="843287" cy="307777"/>
           </a:xfrm>
           <a:prstGeom prst="rect">
             <a:avLst/>
@@ -3277,7 +3277,7 @@
           <a:p>
             <a:r>
               <a:rPr lang="en-US" sz="1400" dirty="0" smtClean="0"/>
-              <a:t>Test</a:t>
+              <a:t>Unit Test</a:t>
             </a:r>
             <a:endParaRPr lang="en-US" sz="1400" dirty="0"/>
           </a:p>
@@ -3291,7 +3291,7 @@
         </p:nvSpPr>
         <p:spPr>
           <a:xfrm>
-            <a:off x="6309566" y="5020716"/>
+            <a:off x="6399261" y="5067018"/>
             <a:ext cx="691540" cy="307777"/>
           </a:xfrm>
           <a:prstGeom prst="rect">
@@ -3334,7 +3334,7 @@
         </p:nvSpPr>
         <p:spPr>
           <a:xfrm>
-            <a:off x="7211620" y="5651623"/>
+            <a:off x="7301315" y="5697925"/>
             <a:ext cx="725817" cy="307777"/>
           </a:xfrm>
           <a:prstGeom prst="rect">
@@ -3377,7 +3377,7 @@
         </p:nvSpPr>
         <p:spPr>
           <a:xfrm>
-            <a:off x="1006316" y="960643"/>
+            <a:off x="1895667" y="1595643"/>
             <a:ext cx="813306" cy="307777"/>
           </a:xfrm>
           <a:prstGeom prst="rect">
@@ -3420,7 +3420,7 @@
         </p:nvSpPr>
         <p:spPr>
           <a:xfrm>
-            <a:off x="1708254" y="1489970"/>
+            <a:off x="2597605" y="2124970"/>
             <a:ext cx="596162" cy="307777"/>
           </a:xfrm>
           <a:prstGeom prst="rect">
@@ -3463,7 +3463,7 @@
         </p:nvSpPr>
         <p:spPr>
           <a:xfrm>
-            <a:off x="1331416" y="2261020"/>
+            <a:off x="2220767" y="2896020"/>
             <a:ext cx="710902" cy="307777"/>
           </a:xfrm>
           <a:prstGeom prst="rect">
@@ -3492,7 +3492,7 @@
         </p:nvSpPr>
         <p:spPr>
           <a:xfrm>
-            <a:off x="765074" y="1842848"/>
+            <a:off x="1654425" y="2477848"/>
             <a:ext cx="744565" cy="307777"/>
           </a:xfrm>
           <a:prstGeom prst="rect">
@@ -3521,7 +3521,7 @@
         </p:nvSpPr>
         <p:spPr>
           <a:xfrm>
-            <a:off x="3044390" y="2688739"/>
+            <a:off x="3933741" y="3323739"/>
             <a:ext cx="674709" cy="307777"/>
           </a:xfrm>
           <a:prstGeom prst="rect">
@@ -3564,7 +3564,7 @@
         </p:nvSpPr>
         <p:spPr>
           <a:xfrm>
-            <a:off x="2715108" y="3440461"/>
+            <a:off x="3604459" y="4075461"/>
             <a:ext cx="710902" cy="307777"/>
           </a:xfrm>
           <a:prstGeom prst="rect">
@@ -3593,7 +3593,7 @@
         </p:nvSpPr>
         <p:spPr>
           <a:xfrm>
-            <a:off x="2054602" y="2971683"/>
+            <a:off x="2943953" y="3606683"/>
             <a:ext cx="744565" cy="307777"/>
           </a:xfrm>
           <a:prstGeom prst="rect">
@@ -3622,7 +3622,7 @@
         </p:nvSpPr>
         <p:spPr>
           <a:xfrm>
-            <a:off x="2412999" y="2161065"/>
+            <a:off x="3302350" y="2796065"/>
             <a:ext cx="482461" cy="307777"/>
           </a:xfrm>
           <a:prstGeom prst="rect">
@@ -3665,7 +3665,7 @@
         </p:nvSpPr>
         <p:spPr>
           <a:xfrm>
-            <a:off x="3094989" y="1911776"/>
+            <a:off x="3984340" y="2546776"/>
             <a:ext cx="710902" cy="307777"/>
           </a:xfrm>
           <a:prstGeom prst="rect">
@@ -3694,7 +3694,7 @@
         </p:nvSpPr>
         <p:spPr>
           <a:xfrm>
-            <a:off x="2758206" y="1470437"/>
+            <a:off x="3647557" y="2105437"/>
             <a:ext cx="744565" cy="307777"/>
           </a:xfrm>
           <a:prstGeom prst="rect">
@@ -3723,7 +3723,7 @@
         </p:nvSpPr>
         <p:spPr>
           <a:xfrm>
-            <a:off x="7892959" y="6368421"/>
+            <a:off x="7956903" y="6414723"/>
             <a:ext cx="991352" cy="307777"/>
           </a:xfrm>
           <a:prstGeom prst="rect">
@@ -3758,49 +3758,6 @@
           </a:p>
         </p:txBody>
       </p:sp>
-      <p:sp>
-        <p:nvSpPr>
-          <p:cNvPr id="22" name="Rectangle 21"/>
-          <p:cNvSpPr/>
-          <p:nvPr/>
-        </p:nvSpPr>
-        <p:spPr>
-          <a:xfrm>
-            <a:off x="5545316" y="4432018"/>
-            <a:ext cx="834170" cy="307777"/>
-          </a:xfrm>
-          <a:prstGeom prst="rect">
-            <a:avLst/>
-          </a:prstGeom>
-        </p:spPr>
-        <p:style>
-          <a:lnRef idx="1">
-            <a:schemeClr val="accent1"/>
-          </a:lnRef>
-          <a:fillRef idx="2">
-            <a:schemeClr val="accent1"/>
-          </a:fillRef>
-          <a:effectRef idx="1">
-            <a:schemeClr val="accent1"/>
-          </a:effectRef>
-          <a:fontRef idx="minor">
-            <a:schemeClr val="dk1"/>
-          </a:fontRef>
-        </p:style>
-        <p:txBody>
-          <a:bodyPr wrap="none">
-            <a:spAutoFit/>
-          </a:bodyPr>
-          <a:lstStyle/>
-          <a:p>
-            <a:r>
-              <a:rPr lang="en-US" sz="1400" dirty="0" smtClean="0"/>
-              <a:t>QualTest</a:t>
-            </a:r>
-            <a:endParaRPr lang="en-US" sz="1400" dirty="0"/>
-          </a:p>
-        </p:txBody>
-      </p:sp>
       <p:cxnSp>
         <p:nvCxnSpPr>
           <p:cNvPr id="24" name="Straight Arrow Connector 23"/>
@@ -3809,7 +3766,7 @@
         </p:nvCxnSpPr>
         <p:spPr>
           <a:xfrm>
-            <a:off x="700739" y="723319"/>
+            <a:off x="1590090" y="1358319"/>
             <a:ext cx="268851" cy="204764"/>
           </a:xfrm>
           <a:prstGeom prst="straightConnector1">
@@ -3842,7 +3799,7 @@
         </p:nvCxnSpPr>
         <p:spPr>
           <a:xfrm>
-            <a:off x="1411619" y="1287126"/>
+            <a:off x="2300970" y="1922126"/>
             <a:ext cx="268851" cy="204764"/>
           </a:xfrm>
           <a:prstGeom prst="straightConnector1">
@@ -3875,7 +3832,7 @@
         </p:nvCxnSpPr>
         <p:spPr>
           <a:xfrm>
-            <a:off x="2077480" y="1830246"/>
+            <a:off x="2966831" y="2465246"/>
             <a:ext cx="335519" cy="263169"/>
           </a:xfrm>
           <a:prstGeom prst="straightConnector1">
@@ -3908,7 +3865,7 @@
         </p:nvCxnSpPr>
         <p:spPr>
           <a:xfrm>
-            <a:off x="2889834" y="2437240"/>
+            <a:off x="3779185" y="3072240"/>
             <a:ext cx="244532" cy="171265"/>
           </a:xfrm>
           <a:prstGeom prst="straightConnector1">
@@ -3941,7 +3898,7 @@
         </p:nvCxnSpPr>
         <p:spPr>
           <a:xfrm>
-            <a:off x="3620882" y="2999058"/>
+            <a:off x="4510233" y="3634058"/>
             <a:ext cx="316504" cy="256838"/>
           </a:xfrm>
           <a:prstGeom prst="straightConnector1">
@@ -3974,7 +3931,7 @@
         </p:nvCxnSpPr>
         <p:spPr>
           <a:xfrm>
-            <a:off x="4426032" y="3615068"/>
+            <a:off x="5315383" y="4250068"/>
             <a:ext cx="311747" cy="278938"/>
           </a:xfrm>
           <a:prstGeom prst="straightConnector1">
@@ -4007,41 +3964,8 @@
         </p:nvCxnSpPr>
         <p:spPr>
           <a:xfrm>
-            <a:off x="5273100" y="4198218"/>
+            <a:off x="6162451" y="4833218"/>
             <a:ext cx="236810" cy="233800"/>
-          </a:xfrm>
-          <a:prstGeom prst="straightConnector1">
-            <a:avLst/>
-          </a:prstGeom>
-          <a:ln>
-            <a:tailEnd type="arrow"/>
-          </a:ln>
-        </p:spPr>
-        <p:style>
-          <a:lnRef idx="2">
-            <a:schemeClr val="accent1"/>
-          </a:lnRef>
-          <a:fillRef idx="0">
-            <a:schemeClr val="accent1"/>
-          </a:fillRef>
-          <a:effectRef idx="1">
-            <a:schemeClr val="accent1"/>
-          </a:effectRef>
-          <a:fontRef idx="minor">
-            <a:schemeClr val="tx1"/>
-          </a:fontRef>
-        </p:style>
-      </p:cxnSp>
-      <p:cxnSp>
-        <p:nvCxnSpPr>
-          <p:cNvPr id="37" name="Straight Arrow Connector 36"/>
-          <p:cNvCxnSpPr/>
-          <p:nvPr/>
-        </p:nvCxnSpPr>
-        <p:spPr>
-          <a:xfrm>
-            <a:off x="5973837" y="4736230"/>
-            <a:ext cx="298283" cy="251926"/>
           </a:xfrm>
           <a:prstGeom prst="straightConnector1">
             <a:avLst/>
@@ -4073,7 +3997,7 @@
         </p:nvCxnSpPr>
         <p:spPr>
           <a:xfrm>
-            <a:off x="6793758" y="5360750"/>
+            <a:off x="6883453" y="5407052"/>
             <a:ext cx="387061" cy="290873"/>
           </a:xfrm>
           <a:prstGeom prst="straightConnector1">
@@ -4106,7 +4030,7 @@
         </p:nvCxnSpPr>
         <p:spPr>
           <a:xfrm>
-            <a:off x="7548555" y="5968990"/>
+            <a:off x="7638250" y="6015292"/>
             <a:ext cx="410961" cy="330819"/>
           </a:xfrm>
           <a:prstGeom prst="straightConnector1">
@@ -4139,7 +4063,7 @@
         </p:nvSpPr>
         <p:spPr>
           <a:xfrm>
-            <a:off x="1439224" y="1828211"/>
+            <a:off x="2328575" y="2463211"/>
             <a:ext cx="398072" cy="473442"/>
           </a:xfrm>
           <a:custGeom>
@@ -4230,7 +4154,7 @@
         </p:nvSpPr>
         <p:spPr>
           <a:xfrm>
-            <a:off x="2754604" y="3035293"/>
+            <a:off x="3643955" y="3670293"/>
             <a:ext cx="398072" cy="473442"/>
           </a:xfrm>
           <a:custGeom>
@@ -4321,7 +4245,7 @@
         </p:nvSpPr>
         <p:spPr>
           <a:xfrm flipV="1">
-            <a:off x="2684750" y="1811430"/>
+            <a:off x="3574101" y="2446430"/>
             <a:ext cx="449616" cy="460164"/>
           </a:xfrm>
           <a:custGeom>
@@ -4460,7 +4384,7 @@
         </p:nvSpPr>
         <p:spPr>
           <a:xfrm flipV="1">
-            <a:off x="4365875" y="2931655"/>
+            <a:off x="5255226" y="3566655"/>
             <a:ext cx="449616" cy="460164"/>
           </a:xfrm>
           <a:custGeom>
@@ -4588,6 +4512,1066 @@
           <a:p>
             <a:pPr algn="ctr"/>
             <a:endParaRPr lang="en-US" sz="1400"/>
+          </a:p>
+        </p:txBody>
+      </p:sp>
+      <p:cxnSp>
+        <p:nvCxnSpPr>
+          <p:cNvPr id="38" name="Straight Arrow Connector 37"/>
+          <p:cNvCxnSpPr/>
+          <p:nvPr/>
+        </p:nvCxnSpPr>
+        <p:spPr>
+          <a:xfrm>
+            <a:off x="1599929" y="5958543"/>
+            <a:ext cx="585418" cy="0"/>
+          </a:xfrm>
+          <a:prstGeom prst="straightConnector1">
+            <a:avLst/>
+          </a:prstGeom>
+          <a:ln w="28575" cmpd="sng">
+            <a:solidFill>
+              <a:srgbClr val="F79646"/>
+            </a:solidFill>
+            <a:tailEnd type="arrow"/>
+          </a:ln>
+        </p:spPr>
+        <p:style>
+          <a:lnRef idx="1">
+            <a:schemeClr val="accent1"/>
+          </a:lnRef>
+          <a:fillRef idx="2">
+            <a:schemeClr val="accent1"/>
+          </a:fillRef>
+          <a:effectRef idx="1">
+            <a:schemeClr val="accent1"/>
+          </a:effectRef>
+          <a:fontRef idx="minor">
+            <a:schemeClr val="dk1"/>
+          </a:fontRef>
+        </p:style>
+      </p:cxnSp>
+      <p:sp>
+        <p:nvSpPr>
+          <p:cNvPr id="45" name="Rectangle 44"/>
+          <p:cNvSpPr/>
+          <p:nvPr/>
+        </p:nvSpPr>
+        <p:spPr>
+          <a:xfrm>
+            <a:off x="246013" y="5345966"/>
+            <a:ext cx="757753" cy="307777"/>
+          </a:xfrm>
+          <a:prstGeom prst="rect">
+            <a:avLst/>
+          </a:prstGeom>
+        </p:spPr>
+        <p:style>
+          <a:lnRef idx="3">
+            <a:schemeClr val="lt1"/>
+          </a:lnRef>
+          <a:fillRef idx="1">
+            <a:schemeClr val="accent6"/>
+          </a:fillRef>
+          <a:effectRef idx="1">
+            <a:schemeClr val="accent6"/>
+          </a:effectRef>
+          <a:fontRef idx="minor">
+            <a:schemeClr val="lt1"/>
+          </a:fontRef>
+        </p:style>
+        <p:txBody>
+          <a:bodyPr wrap="square">
+            <a:spAutoFit/>
+          </a:bodyPr>
+          <a:lstStyle/>
+          <a:p>
+            <a:r>
+              <a:rPr lang="en-US" sz="1400" dirty="0" smtClean="0">
+                <a:solidFill>
+                  <a:schemeClr val="bg1"/>
+                </a:solidFill>
+              </a:rPr>
+              <a:t>     </a:t>
+            </a:r>
+            <a:endParaRPr lang="en-US" sz="1400" dirty="0">
+              <a:solidFill>
+                <a:schemeClr val="bg1"/>
+              </a:solidFill>
+            </a:endParaRPr>
+          </a:p>
+        </p:txBody>
+      </p:sp>
+      <p:sp>
+        <p:nvSpPr>
+          <p:cNvPr id="46" name="Rectangle 45"/>
+          <p:cNvSpPr/>
+          <p:nvPr/>
+        </p:nvSpPr>
+        <p:spPr>
+          <a:xfrm>
+            <a:off x="398413" y="5498366"/>
+            <a:ext cx="757753" cy="307777"/>
+          </a:xfrm>
+          <a:prstGeom prst="rect">
+            <a:avLst/>
+          </a:prstGeom>
+        </p:spPr>
+        <p:style>
+          <a:lnRef idx="3">
+            <a:schemeClr val="lt1"/>
+          </a:lnRef>
+          <a:fillRef idx="1">
+            <a:schemeClr val="accent6"/>
+          </a:fillRef>
+          <a:effectRef idx="1">
+            <a:schemeClr val="accent6"/>
+          </a:effectRef>
+          <a:fontRef idx="minor">
+            <a:schemeClr val="lt1"/>
+          </a:fontRef>
+        </p:style>
+        <p:txBody>
+          <a:bodyPr wrap="square">
+            <a:spAutoFit/>
+          </a:bodyPr>
+          <a:lstStyle/>
+          <a:p>
+            <a:r>
+              <a:rPr lang="en-US" sz="1400" dirty="0" smtClean="0">
+                <a:solidFill>
+                  <a:schemeClr val="bg1"/>
+                </a:solidFill>
+              </a:rPr>
+              <a:t>     </a:t>
+            </a:r>
+            <a:endParaRPr lang="en-US" sz="1400" dirty="0">
+              <a:solidFill>
+                <a:schemeClr val="bg1"/>
+              </a:solidFill>
+            </a:endParaRPr>
+          </a:p>
+        </p:txBody>
+      </p:sp>
+      <p:sp>
+        <p:nvSpPr>
+          <p:cNvPr id="47" name="Rectangle 46"/>
+          <p:cNvSpPr/>
+          <p:nvPr/>
+        </p:nvSpPr>
+        <p:spPr>
+          <a:xfrm>
+            <a:off x="550813" y="5650766"/>
+            <a:ext cx="757753" cy="307777"/>
+          </a:xfrm>
+          <a:prstGeom prst="rect">
+            <a:avLst/>
+          </a:prstGeom>
+        </p:spPr>
+        <p:style>
+          <a:lnRef idx="3">
+            <a:schemeClr val="lt1"/>
+          </a:lnRef>
+          <a:fillRef idx="1">
+            <a:schemeClr val="accent6"/>
+          </a:fillRef>
+          <a:effectRef idx="1">
+            <a:schemeClr val="accent6"/>
+          </a:effectRef>
+          <a:fontRef idx="minor">
+            <a:schemeClr val="lt1"/>
+          </a:fontRef>
+        </p:style>
+        <p:txBody>
+          <a:bodyPr wrap="square">
+            <a:spAutoFit/>
+          </a:bodyPr>
+          <a:lstStyle/>
+          <a:p>
+            <a:r>
+              <a:rPr lang="en-US" sz="1400" dirty="0" smtClean="0">
+                <a:solidFill>
+                  <a:schemeClr val="bg1"/>
+                </a:solidFill>
+              </a:rPr>
+              <a:t>     </a:t>
+            </a:r>
+            <a:endParaRPr lang="en-US" sz="1400" dirty="0">
+              <a:solidFill>
+                <a:schemeClr val="bg1"/>
+              </a:solidFill>
+            </a:endParaRPr>
+          </a:p>
+        </p:txBody>
+      </p:sp>
+      <p:sp>
+        <p:nvSpPr>
+          <p:cNvPr id="48" name="Rectangle 47"/>
+          <p:cNvSpPr/>
+          <p:nvPr/>
+        </p:nvSpPr>
+        <p:spPr>
+          <a:xfrm>
+            <a:off x="716447" y="5804654"/>
+            <a:ext cx="746243" cy="307777"/>
+          </a:xfrm>
+          <a:prstGeom prst="rect">
+            <a:avLst/>
+          </a:prstGeom>
+        </p:spPr>
+        <p:style>
+          <a:lnRef idx="3">
+            <a:schemeClr val="lt1"/>
+          </a:lnRef>
+          <a:fillRef idx="1">
+            <a:schemeClr val="accent6"/>
+          </a:fillRef>
+          <a:effectRef idx="1">
+            <a:schemeClr val="accent6"/>
+          </a:effectRef>
+          <a:fontRef idx="minor">
+            <a:schemeClr val="lt1"/>
+          </a:fontRef>
+        </p:style>
+        <p:txBody>
+          <a:bodyPr wrap="none">
+            <a:spAutoFit/>
+          </a:bodyPr>
+          <a:lstStyle/>
+          <a:p>
+            <a:r>
+              <a:rPr lang="en-US" sz="1400" dirty="0" smtClean="0">
+                <a:solidFill>
+                  <a:schemeClr val="tx1"/>
+                </a:solidFill>
+              </a:rPr>
+              <a:t>Backlog</a:t>
+            </a:r>
+            <a:endParaRPr lang="en-US" sz="1400" dirty="0">
+              <a:solidFill>
+                <a:schemeClr val="tx1"/>
+              </a:solidFill>
+            </a:endParaRPr>
+          </a:p>
+        </p:txBody>
+      </p:sp>
+      <p:sp>
+        <p:nvSpPr>
+          <p:cNvPr id="49" name="Arc 48"/>
+          <p:cNvSpPr/>
+          <p:nvPr/>
+        </p:nvSpPr>
+        <p:spPr>
+          <a:xfrm>
+            <a:off x="2407385" y="5380537"/>
+            <a:ext cx="1187985" cy="1201779"/>
+          </a:xfrm>
+          <a:prstGeom prst="arc">
+            <a:avLst/>
+          </a:prstGeom>
+          <a:ln>
+            <a:solidFill>
+              <a:schemeClr val="accent6"/>
+            </a:solidFill>
+            <a:headEnd type="none"/>
+            <a:tailEnd type="triangle"/>
+          </a:ln>
+        </p:spPr>
+        <p:style>
+          <a:lnRef idx="2">
+            <a:schemeClr val="accent1"/>
+          </a:lnRef>
+          <a:fillRef idx="0">
+            <a:schemeClr val="accent1"/>
+          </a:fillRef>
+          <a:effectRef idx="1">
+            <a:schemeClr val="accent1"/>
+          </a:effectRef>
+          <a:fontRef idx="minor">
+            <a:schemeClr val="tx1"/>
+          </a:fontRef>
+        </p:style>
+        <p:txBody>
+          <a:bodyPr rtlCol="0" anchor="ctr"/>
+          <a:lstStyle/>
+          <a:p>
+            <a:pPr algn="ctr"/>
+            <a:endParaRPr lang="en-US"/>
+          </a:p>
+        </p:txBody>
+      </p:sp>
+      <p:sp>
+        <p:nvSpPr>
+          <p:cNvPr id="50" name="Arc 49"/>
+          <p:cNvSpPr/>
+          <p:nvPr/>
+        </p:nvSpPr>
+        <p:spPr>
+          <a:xfrm rot="16200000">
+            <a:off x="2311313" y="5373395"/>
+            <a:ext cx="1187985" cy="1201779"/>
+          </a:xfrm>
+          <a:prstGeom prst="arc">
+            <a:avLst/>
+          </a:prstGeom>
+          <a:ln>
+            <a:solidFill>
+              <a:schemeClr val="accent6"/>
+            </a:solidFill>
+            <a:headEnd type="none"/>
+            <a:tailEnd type="triangle"/>
+          </a:ln>
+        </p:spPr>
+        <p:style>
+          <a:lnRef idx="2">
+            <a:schemeClr val="accent1"/>
+          </a:lnRef>
+          <a:fillRef idx="0">
+            <a:schemeClr val="accent1"/>
+          </a:fillRef>
+          <a:effectRef idx="1">
+            <a:schemeClr val="accent1"/>
+          </a:effectRef>
+          <a:fontRef idx="minor">
+            <a:schemeClr val="tx1"/>
+          </a:fontRef>
+        </p:style>
+        <p:txBody>
+          <a:bodyPr rtlCol="0" anchor="ctr"/>
+          <a:lstStyle/>
+          <a:p>
+            <a:pPr algn="ctr"/>
+            <a:endParaRPr lang="en-US"/>
+          </a:p>
+        </p:txBody>
+      </p:sp>
+      <p:sp>
+        <p:nvSpPr>
+          <p:cNvPr id="51" name="Arc 50"/>
+          <p:cNvSpPr/>
+          <p:nvPr/>
+        </p:nvSpPr>
+        <p:spPr>
+          <a:xfrm flipV="1">
+            <a:off x="2399611" y="5452843"/>
+            <a:ext cx="1187985" cy="1201779"/>
+          </a:xfrm>
+          <a:prstGeom prst="arc">
+            <a:avLst/>
+          </a:prstGeom>
+          <a:ln>
+            <a:solidFill>
+              <a:schemeClr val="accent6"/>
+            </a:solidFill>
+            <a:headEnd type="triangle"/>
+            <a:tailEnd type="none"/>
+          </a:ln>
+        </p:spPr>
+        <p:style>
+          <a:lnRef idx="2">
+            <a:schemeClr val="accent1"/>
+          </a:lnRef>
+          <a:fillRef idx="0">
+            <a:schemeClr val="accent1"/>
+          </a:fillRef>
+          <a:effectRef idx="1">
+            <a:schemeClr val="accent1"/>
+          </a:effectRef>
+          <a:fontRef idx="minor">
+            <a:schemeClr val="tx1"/>
+          </a:fontRef>
+        </p:style>
+        <p:txBody>
+          <a:bodyPr rtlCol="0" anchor="ctr"/>
+          <a:lstStyle/>
+          <a:p>
+            <a:pPr algn="ctr"/>
+            <a:endParaRPr lang="en-US"/>
+          </a:p>
+        </p:txBody>
+      </p:sp>
+      <p:sp>
+        <p:nvSpPr>
+          <p:cNvPr id="52" name="Arc 51"/>
+          <p:cNvSpPr/>
+          <p:nvPr/>
+        </p:nvSpPr>
+        <p:spPr>
+          <a:xfrm rot="5400000" flipV="1">
+            <a:off x="2303539" y="5457143"/>
+            <a:ext cx="1187985" cy="1201779"/>
+          </a:xfrm>
+          <a:prstGeom prst="arc">
+            <a:avLst/>
+          </a:prstGeom>
+          <a:ln>
+            <a:solidFill>
+              <a:srgbClr val="F79646"/>
+            </a:solidFill>
+            <a:headEnd type="triangle"/>
+            <a:tailEnd type="none"/>
+          </a:ln>
+        </p:spPr>
+        <p:style>
+          <a:lnRef idx="2">
+            <a:schemeClr val="accent1"/>
+          </a:lnRef>
+          <a:fillRef idx="0">
+            <a:schemeClr val="accent1"/>
+          </a:fillRef>
+          <a:effectRef idx="1">
+            <a:schemeClr val="accent1"/>
+          </a:effectRef>
+          <a:fontRef idx="minor">
+            <a:schemeClr val="tx1"/>
+          </a:fontRef>
+        </p:style>
+        <p:txBody>
+          <a:bodyPr rtlCol="0" anchor="ctr"/>
+          <a:lstStyle/>
+          <a:p>
+            <a:pPr algn="ctr"/>
+            <a:endParaRPr lang="en-US"/>
+          </a:p>
+        </p:txBody>
+      </p:sp>
+      <p:cxnSp>
+        <p:nvCxnSpPr>
+          <p:cNvPr id="53" name="Straight Arrow Connector 52"/>
+          <p:cNvCxnSpPr/>
+          <p:nvPr/>
+        </p:nvCxnSpPr>
+        <p:spPr>
+          <a:xfrm>
+            <a:off x="3738679" y="5958543"/>
+            <a:ext cx="585418" cy="0"/>
+          </a:xfrm>
+          <a:prstGeom prst="straightConnector1">
+            <a:avLst/>
+          </a:prstGeom>
+          <a:ln w="28575" cmpd="sng">
+            <a:solidFill>
+              <a:srgbClr val="F79646"/>
+            </a:solidFill>
+            <a:tailEnd type="arrow"/>
+          </a:ln>
+        </p:spPr>
+        <p:style>
+          <a:lnRef idx="1">
+            <a:schemeClr val="accent1"/>
+          </a:lnRef>
+          <a:fillRef idx="2">
+            <a:schemeClr val="accent1"/>
+          </a:fillRef>
+          <a:effectRef idx="1">
+            <a:schemeClr val="accent1"/>
+          </a:effectRef>
+          <a:fontRef idx="minor">
+            <a:schemeClr val="dk1"/>
+          </a:fontRef>
+        </p:style>
+      </p:cxnSp>
+      <p:sp>
+        <p:nvSpPr>
+          <p:cNvPr id="54" name="Rectangle 53"/>
+          <p:cNvSpPr/>
+          <p:nvPr/>
+        </p:nvSpPr>
+        <p:spPr>
+          <a:xfrm>
+            <a:off x="4461463" y="5806143"/>
+            <a:ext cx="748923" cy="307777"/>
+          </a:xfrm>
+          <a:prstGeom prst="rect">
+            <a:avLst/>
+          </a:prstGeom>
+        </p:spPr>
+        <p:style>
+          <a:lnRef idx="3">
+            <a:schemeClr val="lt1"/>
+          </a:lnRef>
+          <a:fillRef idx="1">
+            <a:schemeClr val="accent6"/>
+          </a:fillRef>
+          <a:effectRef idx="1">
+            <a:schemeClr val="accent6"/>
+          </a:effectRef>
+          <a:fontRef idx="minor">
+            <a:schemeClr val="lt1"/>
+          </a:fontRef>
+        </p:style>
+        <p:txBody>
+          <a:bodyPr wrap="none">
+            <a:spAutoFit/>
+          </a:bodyPr>
+          <a:lstStyle/>
+          <a:p>
+            <a:r>
+              <a:rPr lang="en-US" sz="1400" dirty="0" smtClean="0">
+                <a:solidFill>
+                  <a:schemeClr val="tx1"/>
+                </a:solidFill>
+              </a:rPr>
+              <a:t>Release</a:t>
+            </a:r>
+            <a:endParaRPr lang="en-US" sz="1400" dirty="0">
+              <a:solidFill>
+                <a:schemeClr val="tx1"/>
+              </a:solidFill>
+            </a:endParaRPr>
+          </a:p>
+        </p:txBody>
+      </p:sp>
+      <p:sp>
+        <p:nvSpPr>
+          <p:cNvPr id="55" name="Arc 54"/>
+          <p:cNvSpPr/>
+          <p:nvPr/>
+        </p:nvSpPr>
+        <p:spPr>
+          <a:xfrm>
+            <a:off x="3401810" y="4925680"/>
+            <a:ext cx="437473" cy="486139"/>
+          </a:xfrm>
+          <a:prstGeom prst="arc">
+            <a:avLst/>
+          </a:prstGeom>
+          <a:ln>
+            <a:solidFill>
+              <a:srgbClr val="F79646"/>
+            </a:solidFill>
+            <a:headEnd type="none"/>
+            <a:tailEnd type="triangle"/>
+          </a:ln>
+        </p:spPr>
+        <p:style>
+          <a:lnRef idx="2">
+            <a:schemeClr val="accent1"/>
+          </a:lnRef>
+          <a:fillRef idx="0">
+            <a:schemeClr val="accent1"/>
+          </a:fillRef>
+          <a:effectRef idx="1">
+            <a:schemeClr val="accent1"/>
+          </a:effectRef>
+          <a:fontRef idx="minor">
+            <a:schemeClr val="tx1"/>
+          </a:fontRef>
+        </p:style>
+        <p:txBody>
+          <a:bodyPr rtlCol="0" anchor="ctr"/>
+          <a:lstStyle/>
+          <a:p>
+            <a:pPr algn="ctr"/>
+            <a:endParaRPr lang="en-US"/>
+          </a:p>
+        </p:txBody>
+      </p:sp>
+      <p:sp>
+        <p:nvSpPr>
+          <p:cNvPr id="56" name="Arc 55"/>
+          <p:cNvSpPr/>
+          <p:nvPr/>
+        </p:nvSpPr>
+        <p:spPr>
+          <a:xfrm rot="16200000">
+            <a:off x="3288554" y="4936224"/>
+            <a:ext cx="480560" cy="442550"/>
+          </a:xfrm>
+          <a:prstGeom prst="arc">
+            <a:avLst/>
+          </a:prstGeom>
+          <a:ln>
+            <a:solidFill>
+              <a:srgbClr val="F79646"/>
+            </a:solidFill>
+            <a:headEnd type="none"/>
+            <a:tailEnd type="triangle"/>
+          </a:ln>
+        </p:spPr>
+        <p:style>
+          <a:lnRef idx="2">
+            <a:schemeClr val="accent1"/>
+          </a:lnRef>
+          <a:fillRef idx="0">
+            <a:schemeClr val="accent1"/>
+          </a:fillRef>
+          <a:effectRef idx="1">
+            <a:schemeClr val="accent1"/>
+          </a:effectRef>
+          <a:fontRef idx="minor">
+            <a:schemeClr val="tx1"/>
+          </a:fontRef>
+        </p:style>
+        <p:txBody>
+          <a:bodyPr rtlCol="0" anchor="ctr"/>
+          <a:lstStyle/>
+          <a:p>
+            <a:pPr algn="ctr"/>
+            <a:endParaRPr lang="en-US"/>
+          </a:p>
+        </p:txBody>
+      </p:sp>
+      <p:sp>
+        <p:nvSpPr>
+          <p:cNvPr id="57" name="Arc 56"/>
+          <p:cNvSpPr/>
+          <p:nvPr/>
+        </p:nvSpPr>
+        <p:spPr>
+          <a:xfrm flipV="1">
+            <a:off x="3394036" y="4997985"/>
+            <a:ext cx="437473" cy="486139"/>
+          </a:xfrm>
+          <a:prstGeom prst="arc">
+            <a:avLst/>
+          </a:prstGeom>
+          <a:ln>
+            <a:solidFill>
+              <a:srgbClr val="F79646"/>
+            </a:solidFill>
+            <a:headEnd type="triangle"/>
+            <a:tailEnd type="none"/>
+          </a:ln>
+        </p:spPr>
+        <p:style>
+          <a:lnRef idx="2">
+            <a:schemeClr val="accent1"/>
+          </a:lnRef>
+          <a:fillRef idx="0">
+            <a:schemeClr val="accent1"/>
+          </a:fillRef>
+          <a:effectRef idx="1">
+            <a:schemeClr val="accent1"/>
+          </a:effectRef>
+          <a:fontRef idx="minor">
+            <a:schemeClr val="tx1"/>
+          </a:fontRef>
+        </p:style>
+        <p:txBody>
+          <a:bodyPr rtlCol="0" anchor="ctr"/>
+          <a:lstStyle/>
+          <a:p>
+            <a:pPr algn="ctr"/>
+            <a:endParaRPr lang="en-US"/>
+          </a:p>
+        </p:txBody>
+      </p:sp>
+      <p:sp>
+        <p:nvSpPr>
+          <p:cNvPr id="58" name="Arc 57"/>
+          <p:cNvSpPr/>
+          <p:nvPr/>
+        </p:nvSpPr>
+        <p:spPr>
+          <a:xfrm rot="5400000" flipV="1">
+            <a:off x="3280781" y="5019973"/>
+            <a:ext cx="480558" cy="442551"/>
+          </a:xfrm>
+          <a:prstGeom prst="arc">
+            <a:avLst/>
+          </a:prstGeom>
+          <a:ln>
+            <a:solidFill>
+              <a:srgbClr val="F79646"/>
+            </a:solidFill>
+            <a:headEnd type="triangle"/>
+            <a:tailEnd type="none"/>
+          </a:ln>
+        </p:spPr>
+        <p:style>
+          <a:lnRef idx="2">
+            <a:schemeClr val="accent1"/>
+          </a:lnRef>
+          <a:fillRef idx="0">
+            <a:schemeClr val="accent1"/>
+          </a:fillRef>
+          <a:effectRef idx="1">
+            <a:schemeClr val="accent1"/>
+          </a:effectRef>
+          <a:fontRef idx="minor">
+            <a:schemeClr val="tx1"/>
+          </a:fontRef>
+        </p:style>
+        <p:txBody>
+          <a:bodyPr rtlCol="0" anchor="ctr"/>
+          <a:lstStyle/>
+          <a:p>
+            <a:pPr algn="ctr"/>
+            <a:endParaRPr lang="en-US"/>
+          </a:p>
+        </p:txBody>
+      </p:sp>
+      <p:sp>
+        <p:nvSpPr>
+          <p:cNvPr id="59" name="Rectangle 58"/>
+          <p:cNvSpPr/>
+          <p:nvPr/>
+        </p:nvSpPr>
+        <p:spPr>
+          <a:xfrm>
+            <a:off x="2562599" y="5553728"/>
+            <a:ext cx="766318" cy="954107"/>
+          </a:xfrm>
+          <a:prstGeom prst="rect">
+            <a:avLst/>
+          </a:prstGeom>
+        </p:spPr>
+        <p:txBody>
+          <a:bodyPr wrap="none">
+            <a:spAutoFit/>
+          </a:bodyPr>
+          <a:lstStyle/>
+          <a:p>
+            <a:r>
+              <a:rPr lang="en-US" sz="1400" dirty="0" smtClean="0"/>
+              <a:t>Sprints</a:t>
+            </a:r>
+          </a:p>
+          <a:p>
+            <a:endParaRPr lang="en-US" sz="1400" dirty="0" smtClean="0"/>
+          </a:p>
+          <a:p>
+            <a:r>
+              <a:rPr lang="en-US" sz="1400" dirty="0" smtClean="0"/>
+              <a:t>(days to</a:t>
+            </a:r>
+          </a:p>
+          <a:p>
+            <a:r>
+              <a:rPr lang="en-US" sz="1400" dirty="0"/>
+              <a:t>w</a:t>
+            </a:r>
+            <a:r>
+              <a:rPr lang="en-US" sz="1400" dirty="0" smtClean="0"/>
+              <a:t>eeks)</a:t>
+            </a:r>
+            <a:endParaRPr lang="en-US" sz="1400" dirty="0"/>
+          </a:p>
+        </p:txBody>
+      </p:sp>
+      <p:sp>
+        <p:nvSpPr>
+          <p:cNvPr id="60" name="Rectangle 59"/>
+          <p:cNvSpPr/>
+          <p:nvPr/>
+        </p:nvSpPr>
+        <p:spPr>
+          <a:xfrm>
+            <a:off x="3279124" y="5012411"/>
+            <a:ext cx="606281" cy="360099"/>
+          </a:xfrm>
+          <a:prstGeom prst="rect">
+            <a:avLst/>
+          </a:prstGeom>
+        </p:spPr>
+        <p:txBody>
+          <a:bodyPr wrap="none">
+            <a:spAutoFit/>
+          </a:bodyPr>
+          <a:lstStyle/>
+          <a:p>
+            <a:pPr algn="ctr">
+              <a:lnSpc>
+                <a:spcPct val="70000"/>
+              </a:lnSpc>
+            </a:pPr>
+            <a:r>
+              <a:rPr lang="en-US" sz="1200" dirty="0"/>
+              <a:t>d</a:t>
+            </a:r>
+            <a:r>
+              <a:rPr lang="en-US" sz="1200" dirty="0" smtClean="0"/>
+              <a:t>aily</a:t>
+            </a:r>
+          </a:p>
+          <a:p>
+            <a:pPr>
+              <a:lnSpc>
+                <a:spcPct val="70000"/>
+              </a:lnSpc>
+            </a:pPr>
+            <a:r>
+              <a:rPr lang="en-US" sz="1200" dirty="0" smtClean="0"/>
+              <a:t>review</a:t>
+            </a:r>
+            <a:endParaRPr lang="en-US" sz="1200" dirty="0"/>
+          </a:p>
+        </p:txBody>
+      </p:sp>
+      <p:cxnSp>
+        <p:nvCxnSpPr>
+          <p:cNvPr id="61" name="Straight Arrow Connector 60"/>
+          <p:cNvCxnSpPr/>
+          <p:nvPr/>
+        </p:nvCxnSpPr>
+        <p:spPr>
+          <a:xfrm flipH="1" flipV="1">
+            <a:off x="3974769" y="5331725"/>
+            <a:ext cx="440930" cy="392836"/>
+          </a:xfrm>
+          <a:prstGeom prst="straightConnector1">
+            <a:avLst/>
+          </a:prstGeom>
+          <a:ln w="28575" cmpd="sng">
+            <a:solidFill>
+              <a:srgbClr val="F79646"/>
+            </a:solidFill>
+            <a:tailEnd type="arrow"/>
+          </a:ln>
+        </p:spPr>
+        <p:style>
+          <a:lnRef idx="1">
+            <a:schemeClr val="accent1"/>
+          </a:lnRef>
+          <a:fillRef idx="2">
+            <a:schemeClr val="accent1"/>
+          </a:fillRef>
+          <a:effectRef idx="1">
+            <a:schemeClr val="accent1"/>
+          </a:effectRef>
+          <a:fontRef idx="minor">
+            <a:schemeClr val="dk1"/>
+          </a:fontRef>
+        </p:style>
+      </p:cxnSp>
+      <p:sp>
+        <p:nvSpPr>
+          <p:cNvPr id="62" name="Rectangle 61"/>
+          <p:cNvSpPr/>
+          <p:nvPr/>
+        </p:nvSpPr>
+        <p:spPr>
+          <a:xfrm>
+            <a:off x="4105300" y="5261340"/>
+            <a:ext cx="802755" cy="292388"/>
+          </a:xfrm>
+          <a:prstGeom prst="rect">
+            <a:avLst/>
+          </a:prstGeom>
+        </p:spPr>
+        <p:txBody>
+          <a:bodyPr wrap="none">
+            <a:spAutoFit/>
+          </a:bodyPr>
+          <a:lstStyle/>
+          <a:p>
+            <a:r>
+              <a:rPr lang="en-US" sz="1300" dirty="0" smtClean="0"/>
+              <a:t>feedback</a:t>
+            </a:r>
+            <a:endParaRPr lang="en-US" sz="1300" dirty="0"/>
+          </a:p>
+        </p:txBody>
+      </p:sp>
+      <p:sp>
+        <p:nvSpPr>
+          <p:cNvPr id="2" name="Rectangle 1"/>
+          <p:cNvSpPr/>
+          <p:nvPr/>
+        </p:nvSpPr>
+        <p:spPr>
+          <a:xfrm>
+            <a:off x="148408" y="4822309"/>
+            <a:ext cx="5133400" cy="1914827"/>
+          </a:xfrm>
+          <a:prstGeom prst="rect">
+            <a:avLst/>
+          </a:prstGeom>
+          <a:noFill/>
+          <a:ln>
+            <a:solidFill>
+              <a:srgbClr val="F79646"/>
+            </a:solidFill>
+          </a:ln>
+        </p:spPr>
+        <p:style>
+          <a:lnRef idx="1">
+            <a:schemeClr val="accent1"/>
+          </a:lnRef>
+          <a:fillRef idx="3">
+            <a:schemeClr val="accent1"/>
+          </a:fillRef>
+          <a:effectRef idx="2">
+            <a:schemeClr val="accent1"/>
+          </a:effectRef>
+          <a:fontRef idx="minor">
+            <a:schemeClr val="lt1"/>
+          </a:fontRef>
+        </p:style>
+        <p:txBody>
+          <a:bodyPr rtlCol="0" anchor="ctr"/>
+          <a:lstStyle/>
+          <a:p>
+            <a:pPr algn="ctr"/>
+            <a:endParaRPr lang="en-US"/>
+          </a:p>
+        </p:txBody>
+      </p:sp>
+      <p:sp>
+        <p:nvSpPr>
+          <p:cNvPr id="63" name="Rectangle 62"/>
+          <p:cNvSpPr/>
+          <p:nvPr/>
+        </p:nvSpPr>
+        <p:spPr>
+          <a:xfrm>
+            <a:off x="562323" y="4668420"/>
+            <a:ext cx="1142661" cy="307777"/>
+          </a:xfrm>
+          <a:prstGeom prst="rect">
+            <a:avLst/>
+          </a:prstGeom>
+        </p:spPr>
+        <p:style>
+          <a:lnRef idx="3">
+            <a:schemeClr val="lt1"/>
+          </a:lnRef>
+          <a:fillRef idx="1">
+            <a:schemeClr val="accent6"/>
+          </a:fillRef>
+          <a:effectRef idx="1">
+            <a:schemeClr val="accent6"/>
+          </a:effectRef>
+          <a:fontRef idx="minor">
+            <a:schemeClr val="lt1"/>
+          </a:fontRef>
+        </p:style>
+        <p:txBody>
+          <a:bodyPr wrap="none">
+            <a:spAutoFit/>
+          </a:bodyPr>
+          <a:lstStyle/>
+          <a:p>
+            <a:r>
+              <a:rPr lang="en-US" sz="1400" dirty="0" smtClean="0">
+                <a:solidFill>
+                  <a:schemeClr val="tx1"/>
+                </a:solidFill>
+              </a:rPr>
+              <a:t>Agile process</a:t>
+            </a:r>
+            <a:endParaRPr lang="en-US" sz="1400" dirty="0">
+              <a:solidFill>
+                <a:schemeClr val="tx1"/>
+              </a:solidFill>
+            </a:endParaRPr>
+          </a:p>
+        </p:txBody>
+      </p:sp>
+      <p:sp>
+        <p:nvSpPr>
+          <p:cNvPr id="3" name="TextBox 2"/>
+          <p:cNvSpPr txBox="1"/>
+          <p:nvPr/>
+        </p:nvSpPr>
+        <p:spPr>
+          <a:xfrm>
+            <a:off x="4695242" y="982283"/>
+            <a:ext cx="4353508" cy="1161600"/>
+          </a:xfrm>
+          <a:prstGeom prst="rect">
+            <a:avLst/>
+          </a:prstGeom>
+          <a:noFill/>
+        </p:spPr>
+        <p:txBody>
+          <a:bodyPr wrap="square" rtlCol="0">
+            <a:spAutoFit/>
+          </a:bodyPr>
+          <a:lstStyle/>
+          <a:p>
+            <a:pPr>
+              <a:lnSpc>
+                <a:spcPct val="90000"/>
+              </a:lnSpc>
+            </a:pPr>
+            <a:r>
+              <a:rPr lang="en-US" sz="1100" b="1" u="sng" dirty="0" smtClean="0"/>
+              <a:t>Abbreviations</a:t>
+            </a:r>
+            <a:r>
+              <a:rPr lang="en-US" sz="1100" dirty="0" smtClean="0"/>
+              <a:t>:</a:t>
+            </a:r>
+          </a:p>
+          <a:p>
+            <a:pPr marL="171450" indent="-171450">
+              <a:lnSpc>
+                <a:spcPct val="90000"/>
+              </a:lnSpc>
+              <a:buFont typeface="Arial"/>
+              <a:buChar char="•"/>
+            </a:pPr>
+            <a:r>
+              <a:rPr lang="en-US" sz="1100" dirty="0" smtClean="0"/>
+              <a:t>B4dev 	 = Before development</a:t>
+            </a:r>
+          </a:p>
+          <a:p>
+            <a:pPr marL="171450" indent="-171450">
+              <a:lnSpc>
+                <a:spcPct val="90000"/>
+              </a:lnSpc>
+              <a:buFont typeface="Arial"/>
+              <a:buChar char="•"/>
+            </a:pPr>
+            <a:r>
+              <a:rPr lang="en-US" sz="1100" dirty="0" smtClean="0"/>
+              <a:t>Reqts 	 = Requirements</a:t>
+            </a:r>
+          </a:p>
+          <a:p>
+            <a:pPr marL="171450" indent="-171450">
+              <a:lnSpc>
+                <a:spcPct val="90000"/>
+              </a:lnSpc>
+              <a:buFont typeface="Arial"/>
+              <a:buChar char="•"/>
+            </a:pPr>
+            <a:r>
+              <a:rPr lang="en-US" sz="1100" dirty="0" smtClean="0"/>
+              <a:t>HLD 		 = High-level design</a:t>
+            </a:r>
+          </a:p>
+          <a:p>
+            <a:pPr marL="171450" indent="-171450">
+              <a:lnSpc>
+                <a:spcPct val="90000"/>
+              </a:lnSpc>
+              <a:buFont typeface="Arial"/>
+              <a:buChar char="•"/>
+            </a:pPr>
+            <a:r>
+              <a:rPr lang="en-US" sz="1100" dirty="0" smtClean="0"/>
+              <a:t>IntTest 	 = Integration testing (with parts from other developers)</a:t>
+            </a:r>
+          </a:p>
+          <a:p>
+            <a:pPr marL="171450" indent="-171450">
+              <a:lnSpc>
+                <a:spcPct val="90000"/>
+              </a:lnSpc>
+              <a:buFont typeface="Arial"/>
+              <a:buChar char="•"/>
+            </a:pPr>
+            <a:r>
+              <a:rPr lang="en-US" sz="1100" dirty="0" smtClean="0"/>
+              <a:t>SysTest 	 = System test (e.g. load stress tests)</a:t>
+            </a:r>
+          </a:p>
+          <a:p>
+            <a:pPr marL="171450" indent="-171450">
+              <a:lnSpc>
+                <a:spcPct val="90000"/>
+              </a:lnSpc>
+              <a:buFont typeface="Arial"/>
+              <a:buChar char="•"/>
+            </a:pPr>
+            <a:r>
+              <a:rPr lang="en-US" sz="1100" dirty="0" smtClean="0"/>
+              <a:t>AccepTest 	 = Acceptance testing (with users)</a:t>
+            </a:r>
           </a:p>
         </p:txBody>
       </p:sp>

--- a/waterfall.pptx
+++ b/waterfall.pptx
@@ -289,7 +289,7 @@
           <a:p>
             <a:fld id="{15B879B8-E416-D442-B17F-05DE93910295}" type="datetimeFigureOut">
               <a:rPr lang="en-US" smtClean="0"/>
-              <a:t>3/4/15</a:t>
+              <a:t>2/22/15</a:t>
             </a:fld>
             <a:endParaRPr lang="en-US"/>
           </a:p>
@@ -459,7 +459,7 @@
           <a:p>
             <a:fld id="{15B879B8-E416-D442-B17F-05DE93910295}" type="datetimeFigureOut">
               <a:rPr lang="en-US" smtClean="0"/>
-              <a:t>3/4/15</a:t>
+              <a:t>2/22/15</a:t>
             </a:fld>
             <a:endParaRPr lang="en-US"/>
           </a:p>
@@ -639,7 +639,7 @@
           <a:p>
             <a:fld id="{15B879B8-E416-D442-B17F-05DE93910295}" type="datetimeFigureOut">
               <a:rPr lang="en-US" smtClean="0"/>
-              <a:t>3/4/15</a:t>
+              <a:t>2/22/15</a:t>
             </a:fld>
             <a:endParaRPr lang="en-US"/>
           </a:p>
@@ -809,7 +809,7 @@
           <a:p>
             <a:fld id="{15B879B8-E416-D442-B17F-05DE93910295}" type="datetimeFigureOut">
               <a:rPr lang="en-US" smtClean="0"/>
-              <a:t>3/4/15</a:t>
+              <a:t>2/22/15</a:t>
             </a:fld>
             <a:endParaRPr lang="en-US"/>
           </a:p>
@@ -1055,7 +1055,7 @@
           <a:p>
             <a:fld id="{15B879B8-E416-D442-B17F-05DE93910295}" type="datetimeFigureOut">
               <a:rPr lang="en-US" smtClean="0"/>
-              <a:t>3/4/15</a:t>
+              <a:t>2/22/15</a:t>
             </a:fld>
             <a:endParaRPr lang="en-US"/>
           </a:p>
@@ -1343,7 +1343,7 @@
           <a:p>
             <a:fld id="{15B879B8-E416-D442-B17F-05DE93910295}" type="datetimeFigureOut">
               <a:rPr lang="en-US" smtClean="0"/>
-              <a:t>3/4/15</a:t>
+              <a:t>2/22/15</a:t>
             </a:fld>
             <a:endParaRPr lang="en-US"/>
           </a:p>
@@ -1765,7 +1765,7 @@
           <a:p>
             <a:fld id="{15B879B8-E416-D442-B17F-05DE93910295}" type="datetimeFigureOut">
               <a:rPr lang="en-US" smtClean="0"/>
-              <a:t>3/4/15</a:t>
+              <a:t>2/22/15</a:t>
             </a:fld>
             <a:endParaRPr lang="en-US"/>
           </a:p>
@@ -1883,7 +1883,7 @@
           <a:p>
             <a:fld id="{15B879B8-E416-D442-B17F-05DE93910295}" type="datetimeFigureOut">
               <a:rPr lang="en-US" smtClean="0"/>
-              <a:t>3/4/15</a:t>
+              <a:t>2/22/15</a:t>
             </a:fld>
             <a:endParaRPr lang="en-US"/>
           </a:p>
@@ -1978,7 +1978,7 @@
           <a:p>
             <a:fld id="{15B879B8-E416-D442-B17F-05DE93910295}" type="datetimeFigureOut">
               <a:rPr lang="en-US" smtClean="0"/>
-              <a:t>3/4/15</a:t>
+              <a:t>2/22/15</a:t>
             </a:fld>
             <a:endParaRPr lang="en-US"/>
           </a:p>
@@ -2255,7 +2255,7 @@
           <a:p>
             <a:fld id="{15B879B8-E416-D442-B17F-05DE93910295}" type="datetimeFigureOut">
               <a:rPr lang="en-US" smtClean="0"/>
-              <a:t>3/4/15</a:t>
+              <a:t>2/22/15</a:t>
             </a:fld>
             <a:endParaRPr lang="en-US"/>
           </a:p>
@@ -2508,7 +2508,7 @@
           <a:p>
             <a:fld id="{15B879B8-E416-D442-B17F-05DE93910295}" type="datetimeFigureOut">
               <a:rPr lang="en-US" smtClean="0"/>
-              <a:t>3/4/15</a:t>
+              <a:t>2/22/15</a:t>
             </a:fld>
             <a:endParaRPr lang="en-US"/>
           </a:p>
@@ -2721,7 +2721,7 @@
           <a:p>
             <a:fld id="{15B879B8-E416-D442-B17F-05DE93910295}" type="datetimeFigureOut">
               <a:rPr lang="en-US" smtClean="0"/>
-              <a:t>3/4/15</a:t>
+              <a:t>2/22/15</a:t>
             </a:fld>
             <a:endParaRPr lang="en-US"/>
           </a:p>
@@ -3104,8 +3104,8 @@
         </p:nvSpPr>
         <p:spPr>
           <a:xfrm>
-            <a:off x="1109613" y="1021547"/>
-            <a:ext cx="638065" cy="307777"/>
+            <a:off x="220262" y="386547"/>
+            <a:ext cx="1660668" cy="307777"/>
           </a:xfrm>
           <a:prstGeom prst="rect">
             <a:avLst/>
@@ -3133,7 +3133,7 @@
           <a:p>
             <a:r>
               <a:rPr lang="en-US" sz="1400" dirty="0" smtClean="0"/>
-              <a:t>B4dev</a:t>
+              <a:t>BeforeDevelopment</a:t>
             </a:r>
             <a:endParaRPr lang="en-US" sz="1400" dirty="0"/>
           </a:p>
@@ -3147,7 +3147,7 @@
         </p:nvSpPr>
         <p:spPr>
           <a:xfrm>
-            <a:off x="4859299" y="3913296"/>
+            <a:off x="3969948" y="3278296"/>
             <a:ext cx="558729" cy="307777"/>
           </a:xfrm>
           <a:prstGeom prst="rect">
@@ -3190,7 +3190,7 @@
         </p:nvSpPr>
         <p:spPr>
           <a:xfrm>
-            <a:off x="5655797" y="3791917"/>
+            <a:off x="4766446" y="3156917"/>
             <a:ext cx="710902" cy="307777"/>
           </a:xfrm>
           <a:prstGeom prst="rect">
@@ -3219,7 +3219,7 @@
         </p:nvSpPr>
         <p:spPr>
           <a:xfrm>
-            <a:off x="5338953" y="3243505"/>
+            <a:off x="4449602" y="2608505"/>
             <a:ext cx="744565" cy="307777"/>
           </a:xfrm>
           <a:prstGeom prst="rect">
@@ -3248,8 +3248,8 @@
         </p:nvSpPr>
         <p:spPr>
           <a:xfrm>
-            <a:off x="5675973" y="4529006"/>
-            <a:ext cx="843287" cy="307777"/>
+            <a:off x="4786622" y="3894006"/>
+            <a:ext cx="491841" cy="307777"/>
           </a:xfrm>
           <a:prstGeom prst="rect">
             <a:avLst/>
@@ -3277,7 +3277,7 @@
           <a:p>
             <a:r>
               <a:rPr lang="en-US" sz="1400" dirty="0" smtClean="0"/>
-              <a:t>Unit Test</a:t>
+              <a:t>Test</a:t>
             </a:r>
             <a:endParaRPr lang="en-US" sz="1400" dirty="0"/>
           </a:p>
@@ -3291,7 +3291,7 @@
         </p:nvSpPr>
         <p:spPr>
           <a:xfrm>
-            <a:off x="6399261" y="5067018"/>
+            <a:off x="6309566" y="5020716"/>
             <a:ext cx="691540" cy="307777"/>
           </a:xfrm>
           <a:prstGeom prst="rect">
@@ -3334,7 +3334,7 @@
         </p:nvSpPr>
         <p:spPr>
           <a:xfrm>
-            <a:off x="7301315" y="5697925"/>
+            <a:off x="7211620" y="5651623"/>
             <a:ext cx="725817" cy="307777"/>
           </a:xfrm>
           <a:prstGeom prst="rect">
@@ -3377,7 +3377,7 @@
         </p:nvSpPr>
         <p:spPr>
           <a:xfrm>
-            <a:off x="1895667" y="1595643"/>
+            <a:off x="1006316" y="960643"/>
             <a:ext cx="813306" cy="307777"/>
           </a:xfrm>
           <a:prstGeom prst="rect">
@@ -3420,7 +3420,7 @@
         </p:nvSpPr>
         <p:spPr>
           <a:xfrm>
-            <a:off x="2597605" y="2124970"/>
+            <a:off x="1708254" y="1489970"/>
             <a:ext cx="596162" cy="307777"/>
           </a:xfrm>
           <a:prstGeom prst="rect">
@@ -3463,7 +3463,7 @@
         </p:nvSpPr>
         <p:spPr>
           <a:xfrm>
-            <a:off x="2220767" y="2896020"/>
+            <a:off x="1331416" y="2261020"/>
             <a:ext cx="710902" cy="307777"/>
           </a:xfrm>
           <a:prstGeom prst="rect">
@@ -3492,7 +3492,7 @@
         </p:nvSpPr>
         <p:spPr>
           <a:xfrm>
-            <a:off x="1654425" y="2477848"/>
+            <a:off x="765074" y="1842848"/>
             <a:ext cx="744565" cy="307777"/>
           </a:xfrm>
           <a:prstGeom prst="rect">
@@ -3521,7 +3521,7 @@
         </p:nvSpPr>
         <p:spPr>
           <a:xfrm>
-            <a:off x="3933741" y="3323739"/>
+            <a:off x="3044390" y="2688739"/>
             <a:ext cx="674709" cy="307777"/>
           </a:xfrm>
           <a:prstGeom prst="rect">
@@ -3564,7 +3564,7 @@
         </p:nvSpPr>
         <p:spPr>
           <a:xfrm>
-            <a:off x="3604459" y="4075461"/>
+            <a:off x="2715108" y="3440461"/>
             <a:ext cx="710902" cy="307777"/>
           </a:xfrm>
           <a:prstGeom prst="rect">
@@ -3593,7 +3593,7 @@
         </p:nvSpPr>
         <p:spPr>
           <a:xfrm>
-            <a:off x="2943953" y="3606683"/>
+            <a:off x="2054602" y="2971683"/>
             <a:ext cx="744565" cy="307777"/>
           </a:xfrm>
           <a:prstGeom prst="rect">
@@ -3622,7 +3622,7 @@
         </p:nvSpPr>
         <p:spPr>
           <a:xfrm>
-            <a:off x="3302350" y="2796065"/>
+            <a:off x="2412999" y="2161065"/>
             <a:ext cx="482461" cy="307777"/>
           </a:xfrm>
           <a:prstGeom prst="rect">
@@ -3665,7 +3665,7 @@
         </p:nvSpPr>
         <p:spPr>
           <a:xfrm>
-            <a:off x="3984340" y="2546776"/>
+            <a:off x="3094989" y="1911776"/>
             <a:ext cx="710902" cy="307777"/>
           </a:xfrm>
           <a:prstGeom prst="rect">
@@ -3694,7 +3694,7 @@
         </p:nvSpPr>
         <p:spPr>
           <a:xfrm>
-            <a:off x="3647557" y="2105437"/>
+            <a:off x="2758206" y="1470437"/>
             <a:ext cx="744565" cy="307777"/>
           </a:xfrm>
           <a:prstGeom prst="rect">
@@ -3723,7 +3723,7 @@
         </p:nvSpPr>
         <p:spPr>
           <a:xfrm>
-            <a:off x="7956903" y="6414723"/>
+            <a:off x="7892959" y="6368421"/>
             <a:ext cx="991352" cy="307777"/>
           </a:xfrm>
           <a:prstGeom prst="rect">
@@ -3753,6 +3753,49 @@
             <a:r>
               <a:rPr lang="en-US" sz="1400" dirty="0" smtClean="0"/>
               <a:t>AcceptTest</a:t>
+            </a:r>
+            <a:endParaRPr lang="en-US" sz="1400" dirty="0"/>
+          </a:p>
+        </p:txBody>
+      </p:sp>
+      <p:sp>
+        <p:nvSpPr>
+          <p:cNvPr id="22" name="Rectangle 21"/>
+          <p:cNvSpPr/>
+          <p:nvPr/>
+        </p:nvSpPr>
+        <p:spPr>
+          <a:xfrm>
+            <a:off x="5545316" y="4432018"/>
+            <a:ext cx="834170" cy="307777"/>
+          </a:xfrm>
+          <a:prstGeom prst="rect">
+            <a:avLst/>
+          </a:prstGeom>
+        </p:spPr>
+        <p:style>
+          <a:lnRef idx="1">
+            <a:schemeClr val="accent1"/>
+          </a:lnRef>
+          <a:fillRef idx="2">
+            <a:schemeClr val="accent1"/>
+          </a:fillRef>
+          <a:effectRef idx="1">
+            <a:schemeClr val="accent1"/>
+          </a:effectRef>
+          <a:fontRef idx="minor">
+            <a:schemeClr val="dk1"/>
+          </a:fontRef>
+        </p:style>
+        <p:txBody>
+          <a:bodyPr wrap="none">
+            <a:spAutoFit/>
+          </a:bodyPr>
+          <a:lstStyle/>
+          <a:p>
+            <a:r>
+              <a:rPr lang="en-US" sz="1400" dirty="0" smtClean="0"/>
+              <a:t>QualTest</a:t>
             </a:r>
             <a:endParaRPr lang="en-US" sz="1400" dirty="0"/>
           </a:p>
@@ -3766,7 +3809,7 @@
         </p:nvCxnSpPr>
         <p:spPr>
           <a:xfrm>
-            <a:off x="1590090" y="1358319"/>
+            <a:off x="700739" y="723319"/>
             <a:ext cx="268851" cy="204764"/>
           </a:xfrm>
           <a:prstGeom prst="straightConnector1">
@@ -3799,7 +3842,7 @@
         </p:nvCxnSpPr>
         <p:spPr>
           <a:xfrm>
-            <a:off x="2300970" y="1922126"/>
+            <a:off x="1411619" y="1287126"/>
             <a:ext cx="268851" cy="204764"/>
           </a:xfrm>
           <a:prstGeom prst="straightConnector1">
@@ -3832,7 +3875,7 @@
         </p:nvCxnSpPr>
         <p:spPr>
           <a:xfrm>
-            <a:off x="2966831" y="2465246"/>
+            <a:off x="2077480" y="1830246"/>
             <a:ext cx="335519" cy="263169"/>
           </a:xfrm>
           <a:prstGeom prst="straightConnector1">
@@ -3865,7 +3908,7 @@
         </p:nvCxnSpPr>
         <p:spPr>
           <a:xfrm>
-            <a:off x="3779185" y="3072240"/>
+            <a:off x="2889834" y="2437240"/>
             <a:ext cx="244532" cy="171265"/>
           </a:xfrm>
           <a:prstGeom prst="straightConnector1">
@@ -3898,7 +3941,7 @@
         </p:nvCxnSpPr>
         <p:spPr>
           <a:xfrm>
-            <a:off x="4510233" y="3634058"/>
+            <a:off x="3620882" y="2999058"/>
             <a:ext cx="316504" cy="256838"/>
           </a:xfrm>
           <a:prstGeom prst="straightConnector1">
@@ -3931,7 +3974,7 @@
         </p:nvCxnSpPr>
         <p:spPr>
           <a:xfrm>
-            <a:off x="5315383" y="4250068"/>
+            <a:off x="4426032" y="3615068"/>
             <a:ext cx="311747" cy="278938"/>
           </a:xfrm>
           <a:prstGeom prst="straightConnector1">
@@ -3964,8 +4007,41 @@
         </p:nvCxnSpPr>
         <p:spPr>
           <a:xfrm>
-            <a:off x="6162451" y="4833218"/>
+            <a:off x="5273100" y="4198218"/>
             <a:ext cx="236810" cy="233800"/>
+          </a:xfrm>
+          <a:prstGeom prst="straightConnector1">
+            <a:avLst/>
+          </a:prstGeom>
+          <a:ln>
+            <a:tailEnd type="arrow"/>
+          </a:ln>
+        </p:spPr>
+        <p:style>
+          <a:lnRef idx="2">
+            <a:schemeClr val="accent1"/>
+          </a:lnRef>
+          <a:fillRef idx="0">
+            <a:schemeClr val="accent1"/>
+          </a:fillRef>
+          <a:effectRef idx="1">
+            <a:schemeClr val="accent1"/>
+          </a:effectRef>
+          <a:fontRef idx="minor">
+            <a:schemeClr val="tx1"/>
+          </a:fontRef>
+        </p:style>
+      </p:cxnSp>
+      <p:cxnSp>
+        <p:nvCxnSpPr>
+          <p:cNvPr id="37" name="Straight Arrow Connector 36"/>
+          <p:cNvCxnSpPr/>
+          <p:nvPr/>
+        </p:nvCxnSpPr>
+        <p:spPr>
+          <a:xfrm>
+            <a:off x="5973837" y="4736230"/>
+            <a:ext cx="298283" cy="251926"/>
           </a:xfrm>
           <a:prstGeom prst="straightConnector1">
             <a:avLst/>
@@ -3997,7 +4073,7 @@
         </p:nvCxnSpPr>
         <p:spPr>
           <a:xfrm>
-            <a:off x="6883453" y="5407052"/>
+            <a:off x="6793758" y="5360750"/>
             <a:ext cx="387061" cy="290873"/>
           </a:xfrm>
           <a:prstGeom prst="straightConnector1">
@@ -4030,7 +4106,7 @@
         </p:nvCxnSpPr>
         <p:spPr>
           <a:xfrm>
-            <a:off x="7638250" y="6015292"/>
+            <a:off x="7548555" y="5968990"/>
             <a:ext cx="410961" cy="330819"/>
           </a:xfrm>
           <a:prstGeom prst="straightConnector1">
@@ -4063,7 +4139,7 @@
         </p:nvSpPr>
         <p:spPr>
           <a:xfrm>
-            <a:off x="2328575" y="2463211"/>
+            <a:off x="1439224" y="1828211"/>
             <a:ext cx="398072" cy="473442"/>
           </a:xfrm>
           <a:custGeom>
@@ -4154,7 +4230,7 @@
         </p:nvSpPr>
         <p:spPr>
           <a:xfrm>
-            <a:off x="3643955" y="3670293"/>
+            <a:off x="2754604" y="3035293"/>
             <a:ext cx="398072" cy="473442"/>
           </a:xfrm>
           <a:custGeom>
@@ -4245,7 +4321,7 @@
         </p:nvSpPr>
         <p:spPr>
           <a:xfrm flipV="1">
-            <a:off x="3574101" y="2446430"/>
+            <a:off x="2684750" y="1811430"/>
             <a:ext cx="449616" cy="460164"/>
           </a:xfrm>
           <a:custGeom>
@@ -4384,7 +4460,7 @@
         </p:nvSpPr>
         <p:spPr>
           <a:xfrm flipV="1">
-            <a:off x="5255226" y="3566655"/>
+            <a:off x="4365875" y="2931655"/>
             <a:ext cx="449616" cy="460164"/>
           </a:xfrm>
           <a:custGeom>
@@ -4512,1066 +4588,6 @@
           <a:p>
             <a:pPr algn="ctr"/>
             <a:endParaRPr lang="en-US" sz="1400"/>
-          </a:p>
-        </p:txBody>
-      </p:sp>
-      <p:cxnSp>
-        <p:nvCxnSpPr>
-          <p:cNvPr id="38" name="Straight Arrow Connector 37"/>
-          <p:cNvCxnSpPr/>
-          <p:nvPr/>
-        </p:nvCxnSpPr>
-        <p:spPr>
-          <a:xfrm>
-            <a:off x="1599929" y="5958543"/>
-            <a:ext cx="585418" cy="0"/>
-          </a:xfrm>
-          <a:prstGeom prst="straightConnector1">
-            <a:avLst/>
-          </a:prstGeom>
-          <a:ln w="28575" cmpd="sng">
-            <a:solidFill>
-              <a:srgbClr val="F79646"/>
-            </a:solidFill>
-            <a:tailEnd type="arrow"/>
-          </a:ln>
-        </p:spPr>
-        <p:style>
-          <a:lnRef idx="1">
-            <a:schemeClr val="accent1"/>
-          </a:lnRef>
-          <a:fillRef idx="2">
-            <a:schemeClr val="accent1"/>
-          </a:fillRef>
-          <a:effectRef idx="1">
-            <a:schemeClr val="accent1"/>
-          </a:effectRef>
-          <a:fontRef idx="minor">
-            <a:schemeClr val="dk1"/>
-          </a:fontRef>
-        </p:style>
-      </p:cxnSp>
-      <p:sp>
-        <p:nvSpPr>
-          <p:cNvPr id="45" name="Rectangle 44"/>
-          <p:cNvSpPr/>
-          <p:nvPr/>
-        </p:nvSpPr>
-        <p:spPr>
-          <a:xfrm>
-            <a:off x="246013" y="5345966"/>
-            <a:ext cx="757753" cy="307777"/>
-          </a:xfrm>
-          <a:prstGeom prst="rect">
-            <a:avLst/>
-          </a:prstGeom>
-        </p:spPr>
-        <p:style>
-          <a:lnRef idx="3">
-            <a:schemeClr val="lt1"/>
-          </a:lnRef>
-          <a:fillRef idx="1">
-            <a:schemeClr val="accent6"/>
-          </a:fillRef>
-          <a:effectRef idx="1">
-            <a:schemeClr val="accent6"/>
-          </a:effectRef>
-          <a:fontRef idx="minor">
-            <a:schemeClr val="lt1"/>
-          </a:fontRef>
-        </p:style>
-        <p:txBody>
-          <a:bodyPr wrap="square">
-            <a:spAutoFit/>
-          </a:bodyPr>
-          <a:lstStyle/>
-          <a:p>
-            <a:r>
-              <a:rPr lang="en-US" sz="1400" dirty="0" smtClean="0">
-                <a:solidFill>
-                  <a:schemeClr val="bg1"/>
-                </a:solidFill>
-              </a:rPr>
-              <a:t>     </a:t>
-            </a:r>
-            <a:endParaRPr lang="en-US" sz="1400" dirty="0">
-              <a:solidFill>
-                <a:schemeClr val="bg1"/>
-              </a:solidFill>
-            </a:endParaRPr>
-          </a:p>
-        </p:txBody>
-      </p:sp>
-      <p:sp>
-        <p:nvSpPr>
-          <p:cNvPr id="46" name="Rectangle 45"/>
-          <p:cNvSpPr/>
-          <p:nvPr/>
-        </p:nvSpPr>
-        <p:spPr>
-          <a:xfrm>
-            <a:off x="398413" y="5498366"/>
-            <a:ext cx="757753" cy="307777"/>
-          </a:xfrm>
-          <a:prstGeom prst="rect">
-            <a:avLst/>
-          </a:prstGeom>
-        </p:spPr>
-        <p:style>
-          <a:lnRef idx="3">
-            <a:schemeClr val="lt1"/>
-          </a:lnRef>
-          <a:fillRef idx="1">
-            <a:schemeClr val="accent6"/>
-          </a:fillRef>
-          <a:effectRef idx="1">
-            <a:schemeClr val="accent6"/>
-          </a:effectRef>
-          <a:fontRef idx="minor">
-            <a:schemeClr val="lt1"/>
-          </a:fontRef>
-        </p:style>
-        <p:txBody>
-          <a:bodyPr wrap="square">
-            <a:spAutoFit/>
-          </a:bodyPr>
-          <a:lstStyle/>
-          <a:p>
-            <a:r>
-              <a:rPr lang="en-US" sz="1400" dirty="0" smtClean="0">
-                <a:solidFill>
-                  <a:schemeClr val="bg1"/>
-                </a:solidFill>
-              </a:rPr>
-              <a:t>     </a:t>
-            </a:r>
-            <a:endParaRPr lang="en-US" sz="1400" dirty="0">
-              <a:solidFill>
-                <a:schemeClr val="bg1"/>
-              </a:solidFill>
-            </a:endParaRPr>
-          </a:p>
-        </p:txBody>
-      </p:sp>
-      <p:sp>
-        <p:nvSpPr>
-          <p:cNvPr id="47" name="Rectangle 46"/>
-          <p:cNvSpPr/>
-          <p:nvPr/>
-        </p:nvSpPr>
-        <p:spPr>
-          <a:xfrm>
-            <a:off x="550813" y="5650766"/>
-            <a:ext cx="757753" cy="307777"/>
-          </a:xfrm>
-          <a:prstGeom prst="rect">
-            <a:avLst/>
-          </a:prstGeom>
-        </p:spPr>
-        <p:style>
-          <a:lnRef idx="3">
-            <a:schemeClr val="lt1"/>
-          </a:lnRef>
-          <a:fillRef idx="1">
-            <a:schemeClr val="accent6"/>
-          </a:fillRef>
-          <a:effectRef idx="1">
-            <a:schemeClr val="accent6"/>
-          </a:effectRef>
-          <a:fontRef idx="minor">
-            <a:schemeClr val="lt1"/>
-          </a:fontRef>
-        </p:style>
-        <p:txBody>
-          <a:bodyPr wrap="square">
-            <a:spAutoFit/>
-          </a:bodyPr>
-          <a:lstStyle/>
-          <a:p>
-            <a:r>
-              <a:rPr lang="en-US" sz="1400" dirty="0" smtClean="0">
-                <a:solidFill>
-                  <a:schemeClr val="bg1"/>
-                </a:solidFill>
-              </a:rPr>
-              <a:t>     </a:t>
-            </a:r>
-            <a:endParaRPr lang="en-US" sz="1400" dirty="0">
-              <a:solidFill>
-                <a:schemeClr val="bg1"/>
-              </a:solidFill>
-            </a:endParaRPr>
-          </a:p>
-        </p:txBody>
-      </p:sp>
-      <p:sp>
-        <p:nvSpPr>
-          <p:cNvPr id="48" name="Rectangle 47"/>
-          <p:cNvSpPr/>
-          <p:nvPr/>
-        </p:nvSpPr>
-        <p:spPr>
-          <a:xfrm>
-            <a:off x="716447" y="5804654"/>
-            <a:ext cx="746243" cy="307777"/>
-          </a:xfrm>
-          <a:prstGeom prst="rect">
-            <a:avLst/>
-          </a:prstGeom>
-        </p:spPr>
-        <p:style>
-          <a:lnRef idx="3">
-            <a:schemeClr val="lt1"/>
-          </a:lnRef>
-          <a:fillRef idx="1">
-            <a:schemeClr val="accent6"/>
-          </a:fillRef>
-          <a:effectRef idx="1">
-            <a:schemeClr val="accent6"/>
-          </a:effectRef>
-          <a:fontRef idx="minor">
-            <a:schemeClr val="lt1"/>
-          </a:fontRef>
-        </p:style>
-        <p:txBody>
-          <a:bodyPr wrap="none">
-            <a:spAutoFit/>
-          </a:bodyPr>
-          <a:lstStyle/>
-          <a:p>
-            <a:r>
-              <a:rPr lang="en-US" sz="1400" dirty="0" smtClean="0">
-                <a:solidFill>
-                  <a:schemeClr val="tx1"/>
-                </a:solidFill>
-              </a:rPr>
-              <a:t>Backlog</a:t>
-            </a:r>
-            <a:endParaRPr lang="en-US" sz="1400" dirty="0">
-              <a:solidFill>
-                <a:schemeClr val="tx1"/>
-              </a:solidFill>
-            </a:endParaRPr>
-          </a:p>
-        </p:txBody>
-      </p:sp>
-      <p:sp>
-        <p:nvSpPr>
-          <p:cNvPr id="49" name="Arc 48"/>
-          <p:cNvSpPr/>
-          <p:nvPr/>
-        </p:nvSpPr>
-        <p:spPr>
-          <a:xfrm>
-            <a:off x="2407385" y="5380537"/>
-            <a:ext cx="1187985" cy="1201779"/>
-          </a:xfrm>
-          <a:prstGeom prst="arc">
-            <a:avLst/>
-          </a:prstGeom>
-          <a:ln>
-            <a:solidFill>
-              <a:schemeClr val="accent6"/>
-            </a:solidFill>
-            <a:headEnd type="none"/>
-            <a:tailEnd type="triangle"/>
-          </a:ln>
-        </p:spPr>
-        <p:style>
-          <a:lnRef idx="2">
-            <a:schemeClr val="accent1"/>
-          </a:lnRef>
-          <a:fillRef idx="0">
-            <a:schemeClr val="accent1"/>
-          </a:fillRef>
-          <a:effectRef idx="1">
-            <a:schemeClr val="accent1"/>
-          </a:effectRef>
-          <a:fontRef idx="minor">
-            <a:schemeClr val="tx1"/>
-          </a:fontRef>
-        </p:style>
-        <p:txBody>
-          <a:bodyPr rtlCol="0" anchor="ctr"/>
-          <a:lstStyle/>
-          <a:p>
-            <a:pPr algn="ctr"/>
-            <a:endParaRPr lang="en-US"/>
-          </a:p>
-        </p:txBody>
-      </p:sp>
-      <p:sp>
-        <p:nvSpPr>
-          <p:cNvPr id="50" name="Arc 49"/>
-          <p:cNvSpPr/>
-          <p:nvPr/>
-        </p:nvSpPr>
-        <p:spPr>
-          <a:xfrm rot="16200000">
-            <a:off x="2311313" y="5373395"/>
-            <a:ext cx="1187985" cy="1201779"/>
-          </a:xfrm>
-          <a:prstGeom prst="arc">
-            <a:avLst/>
-          </a:prstGeom>
-          <a:ln>
-            <a:solidFill>
-              <a:schemeClr val="accent6"/>
-            </a:solidFill>
-            <a:headEnd type="none"/>
-            <a:tailEnd type="triangle"/>
-          </a:ln>
-        </p:spPr>
-        <p:style>
-          <a:lnRef idx="2">
-            <a:schemeClr val="accent1"/>
-          </a:lnRef>
-          <a:fillRef idx="0">
-            <a:schemeClr val="accent1"/>
-          </a:fillRef>
-          <a:effectRef idx="1">
-            <a:schemeClr val="accent1"/>
-          </a:effectRef>
-          <a:fontRef idx="minor">
-            <a:schemeClr val="tx1"/>
-          </a:fontRef>
-        </p:style>
-        <p:txBody>
-          <a:bodyPr rtlCol="0" anchor="ctr"/>
-          <a:lstStyle/>
-          <a:p>
-            <a:pPr algn="ctr"/>
-            <a:endParaRPr lang="en-US"/>
-          </a:p>
-        </p:txBody>
-      </p:sp>
-      <p:sp>
-        <p:nvSpPr>
-          <p:cNvPr id="51" name="Arc 50"/>
-          <p:cNvSpPr/>
-          <p:nvPr/>
-        </p:nvSpPr>
-        <p:spPr>
-          <a:xfrm flipV="1">
-            <a:off x="2399611" y="5452843"/>
-            <a:ext cx="1187985" cy="1201779"/>
-          </a:xfrm>
-          <a:prstGeom prst="arc">
-            <a:avLst/>
-          </a:prstGeom>
-          <a:ln>
-            <a:solidFill>
-              <a:schemeClr val="accent6"/>
-            </a:solidFill>
-            <a:headEnd type="triangle"/>
-            <a:tailEnd type="none"/>
-          </a:ln>
-        </p:spPr>
-        <p:style>
-          <a:lnRef idx="2">
-            <a:schemeClr val="accent1"/>
-          </a:lnRef>
-          <a:fillRef idx="0">
-            <a:schemeClr val="accent1"/>
-          </a:fillRef>
-          <a:effectRef idx="1">
-            <a:schemeClr val="accent1"/>
-          </a:effectRef>
-          <a:fontRef idx="minor">
-            <a:schemeClr val="tx1"/>
-          </a:fontRef>
-        </p:style>
-        <p:txBody>
-          <a:bodyPr rtlCol="0" anchor="ctr"/>
-          <a:lstStyle/>
-          <a:p>
-            <a:pPr algn="ctr"/>
-            <a:endParaRPr lang="en-US"/>
-          </a:p>
-        </p:txBody>
-      </p:sp>
-      <p:sp>
-        <p:nvSpPr>
-          <p:cNvPr id="52" name="Arc 51"/>
-          <p:cNvSpPr/>
-          <p:nvPr/>
-        </p:nvSpPr>
-        <p:spPr>
-          <a:xfrm rot="5400000" flipV="1">
-            <a:off x="2303539" y="5457143"/>
-            <a:ext cx="1187985" cy="1201779"/>
-          </a:xfrm>
-          <a:prstGeom prst="arc">
-            <a:avLst/>
-          </a:prstGeom>
-          <a:ln>
-            <a:solidFill>
-              <a:srgbClr val="F79646"/>
-            </a:solidFill>
-            <a:headEnd type="triangle"/>
-            <a:tailEnd type="none"/>
-          </a:ln>
-        </p:spPr>
-        <p:style>
-          <a:lnRef idx="2">
-            <a:schemeClr val="accent1"/>
-          </a:lnRef>
-          <a:fillRef idx="0">
-            <a:schemeClr val="accent1"/>
-          </a:fillRef>
-          <a:effectRef idx="1">
-            <a:schemeClr val="accent1"/>
-          </a:effectRef>
-          <a:fontRef idx="minor">
-            <a:schemeClr val="tx1"/>
-          </a:fontRef>
-        </p:style>
-        <p:txBody>
-          <a:bodyPr rtlCol="0" anchor="ctr"/>
-          <a:lstStyle/>
-          <a:p>
-            <a:pPr algn="ctr"/>
-            <a:endParaRPr lang="en-US"/>
-          </a:p>
-        </p:txBody>
-      </p:sp>
-      <p:cxnSp>
-        <p:nvCxnSpPr>
-          <p:cNvPr id="53" name="Straight Arrow Connector 52"/>
-          <p:cNvCxnSpPr/>
-          <p:nvPr/>
-        </p:nvCxnSpPr>
-        <p:spPr>
-          <a:xfrm>
-            <a:off x="3738679" y="5958543"/>
-            <a:ext cx="585418" cy="0"/>
-          </a:xfrm>
-          <a:prstGeom prst="straightConnector1">
-            <a:avLst/>
-          </a:prstGeom>
-          <a:ln w="28575" cmpd="sng">
-            <a:solidFill>
-              <a:srgbClr val="F79646"/>
-            </a:solidFill>
-            <a:tailEnd type="arrow"/>
-          </a:ln>
-        </p:spPr>
-        <p:style>
-          <a:lnRef idx="1">
-            <a:schemeClr val="accent1"/>
-          </a:lnRef>
-          <a:fillRef idx="2">
-            <a:schemeClr val="accent1"/>
-          </a:fillRef>
-          <a:effectRef idx="1">
-            <a:schemeClr val="accent1"/>
-          </a:effectRef>
-          <a:fontRef idx="minor">
-            <a:schemeClr val="dk1"/>
-          </a:fontRef>
-        </p:style>
-      </p:cxnSp>
-      <p:sp>
-        <p:nvSpPr>
-          <p:cNvPr id="54" name="Rectangle 53"/>
-          <p:cNvSpPr/>
-          <p:nvPr/>
-        </p:nvSpPr>
-        <p:spPr>
-          <a:xfrm>
-            <a:off x="4461463" y="5806143"/>
-            <a:ext cx="748923" cy="307777"/>
-          </a:xfrm>
-          <a:prstGeom prst="rect">
-            <a:avLst/>
-          </a:prstGeom>
-        </p:spPr>
-        <p:style>
-          <a:lnRef idx="3">
-            <a:schemeClr val="lt1"/>
-          </a:lnRef>
-          <a:fillRef idx="1">
-            <a:schemeClr val="accent6"/>
-          </a:fillRef>
-          <a:effectRef idx="1">
-            <a:schemeClr val="accent6"/>
-          </a:effectRef>
-          <a:fontRef idx="minor">
-            <a:schemeClr val="lt1"/>
-          </a:fontRef>
-        </p:style>
-        <p:txBody>
-          <a:bodyPr wrap="none">
-            <a:spAutoFit/>
-          </a:bodyPr>
-          <a:lstStyle/>
-          <a:p>
-            <a:r>
-              <a:rPr lang="en-US" sz="1400" dirty="0" smtClean="0">
-                <a:solidFill>
-                  <a:schemeClr val="tx1"/>
-                </a:solidFill>
-              </a:rPr>
-              <a:t>Release</a:t>
-            </a:r>
-            <a:endParaRPr lang="en-US" sz="1400" dirty="0">
-              <a:solidFill>
-                <a:schemeClr val="tx1"/>
-              </a:solidFill>
-            </a:endParaRPr>
-          </a:p>
-        </p:txBody>
-      </p:sp>
-      <p:sp>
-        <p:nvSpPr>
-          <p:cNvPr id="55" name="Arc 54"/>
-          <p:cNvSpPr/>
-          <p:nvPr/>
-        </p:nvSpPr>
-        <p:spPr>
-          <a:xfrm>
-            <a:off x="3401810" y="4925680"/>
-            <a:ext cx="437473" cy="486139"/>
-          </a:xfrm>
-          <a:prstGeom prst="arc">
-            <a:avLst/>
-          </a:prstGeom>
-          <a:ln>
-            <a:solidFill>
-              <a:srgbClr val="F79646"/>
-            </a:solidFill>
-            <a:headEnd type="none"/>
-            <a:tailEnd type="triangle"/>
-          </a:ln>
-        </p:spPr>
-        <p:style>
-          <a:lnRef idx="2">
-            <a:schemeClr val="accent1"/>
-          </a:lnRef>
-          <a:fillRef idx="0">
-            <a:schemeClr val="accent1"/>
-          </a:fillRef>
-          <a:effectRef idx="1">
-            <a:schemeClr val="accent1"/>
-          </a:effectRef>
-          <a:fontRef idx="minor">
-            <a:schemeClr val="tx1"/>
-          </a:fontRef>
-        </p:style>
-        <p:txBody>
-          <a:bodyPr rtlCol="0" anchor="ctr"/>
-          <a:lstStyle/>
-          <a:p>
-            <a:pPr algn="ctr"/>
-            <a:endParaRPr lang="en-US"/>
-          </a:p>
-        </p:txBody>
-      </p:sp>
-      <p:sp>
-        <p:nvSpPr>
-          <p:cNvPr id="56" name="Arc 55"/>
-          <p:cNvSpPr/>
-          <p:nvPr/>
-        </p:nvSpPr>
-        <p:spPr>
-          <a:xfrm rot="16200000">
-            <a:off x="3288554" y="4936224"/>
-            <a:ext cx="480560" cy="442550"/>
-          </a:xfrm>
-          <a:prstGeom prst="arc">
-            <a:avLst/>
-          </a:prstGeom>
-          <a:ln>
-            <a:solidFill>
-              <a:srgbClr val="F79646"/>
-            </a:solidFill>
-            <a:headEnd type="none"/>
-            <a:tailEnd type="triangle"/>
-          </a:ln>
-        </p:spPr>
-        <p:style>
-          <a:lnRef idx="2">
-            <a:schemeClr val="accent1"/>
-          </a:lnRef>
-          <a:fillRef idx="0">
-            <a:schemeClr val="accent1"/>
-          </a:fillRef>
-          <a:effectRef idx="1">
-            <a:schemeClr val="accent1"/>
-          </a:effectRef>
-          <a:fontRef idx="minor">
-            <a:schemeClr val="tx1"/>
-          </a:fontRef>
-        </p:style>
-        <p:txBody>
-          <a:bodyPr rtlCol="0" anchor="ctr"/>
-          <a:lstStyle/>
-          <a:p>
-            <a:pPr algn="ctr"/>
-            <a:endParaRPr lang="en-US"/>
-          </a:p>
-        </p:txBody>
-      </p:sp>
-      <p:sp>
-        <p:nvSpPr>
-          <p:cNvPr id="57" name="Arc 56"/>
-          <p:cNvSpPr/>
-          <p:nvPr/>
-        </p:nvSpPr>
-        <p:spPr>
-          <a:xfrm flipV="1">
-            <a:off x="3394036" y="4997985"/>
-            <a:ext cx="437473" cy="486139"/>
-          </a:xfrm>
-          <a:prstGeom prst="arc">
-            <a:avLst/>
-          </a:prstGeom>
-          <a:ln>
-            <a:solidFill>
-              <a:srgbClr val="F79646"/>
-            </a:solidFill>
-            <a:headEnd type="triangle"/>
-            <a:tailEnd type="none"/>
-          </a:ln>
-        </p:spPr>
-        <p:style>
-          <a:lnRef idx="2">
-            <a:schemeClr val="accent1"/>
-          </a:lnRef>
-          <a:fillRef idx="0">
-            <a:schemeClr val="accent1"/>
-          </a:fillRef>
-          <a:effectRef idx="1">
-            <a:schemeClr val="accent1"/>
-          </a:effectRef>
-          <a:fontRef idx="minor">
-            <a:schemeClr val="tx1"/>
-          </a:fontRef>
-        </p:style>
-        <p:txBody>
-          <a:bodyPr rtlCol="0" anchor="ctr"/>
-          <a:lstStyle/>
-          <a:p>
-            <a:pPr algn="ctr"/>
-            <a:endParaRPr lang="en-US"/>
-          </a:p>
-        </p:txBody>
-      </p:sp>
-      <p:sp>
-        <p:nvSpPr>
-          <p:cNvPr id="58" name="Arc 57"/>
-          <p:cNvSpPr/>
-          <p:nvPr/>
-        </p:nvSpPr>
-        <p:spPr>
-          <a:xfrm rot="5400000" flipV="1">
-            <a:off x="3280781" y="5019973"/>
-            <a:ext cx="480558" cy="442551"/>
-          </a:xfrm>
-          <a:prstGeom prst="arc">
-            <a:avLst/>
-          </a:prstGeom>
-          <a:ln>
-            <a:solidFill>
-              <a:srgbClr val="F79646"/>
-            </a:solidFill>
-            <a:headEnd type="triangle"/>
-            <a:tailEnd type="none"/>
-          </a:ln>
-        </p:spPr>
-        <p:style>
-          <a:lnRef idx="2">
-            <a:schemeClr val="accent1"/>
-          </a:lnRef>
-          <a:fillRef idx="0">
-            <a:schemeClr val="accent1"/>
-          </a:fillRef>
-          <a:effectRef idx="1">
-            <a:schemeClr val="accent1"/>
-          </a:effectRef>
-          <a:fontRef idx="minor">
-            <a:schemeClr val="tx1"/>
-          </a:fontRef>
-        </p:style>
-        <p:txBody>
-          <a:bodyPr rtlCol="0" anchor="ctr"/>
-          <a:lstStyle/>
-          <a:p>
-            <a:pPr algn="ctr"/>
-            <a:endParaRPr lang="en-US"/>
-          </a:p>
-        </p:txBody>
-      </p:sp>
-      <p:sp>
-        <p:nvSpPr>
-          <p:cNvPr id="59" name="Rectangle 58"/>
-          <p:cNvSpPr/>
-          <p:nvPr/>
-        </p:nvSpPr>
-        <p:spPr>
-          <a:xfrm>
-            <a:off x="2562599" y="5553728"/>
-            <a:ext cx="766318" cy="954107"/>
-          </a:xfrm>
-          <a:prstGeom prst="rect">
-            <a:avLst/>
-          </a:prstGeom>
-        </p:spPr>
-        <p:txBody>
-          <a:bodyPr wrap="none">
-            <a:spAutoFit/>
-          </a:bodyPr>
-          <a:lstStyle/>
-          <a:p>
-            <a:r>
-              <a:rPr lang="en-US" sz="1400" dirty="0" smtClean="0"/>
-              <a:t>Sprints</a:t>
-            </a:r>
-          </a:p>
-          <a:p>
-            <a:endParaRPr lang="en-US" sz="1400" dirty="0" smtClean="0"/>
-          </a:p>
-          <a:p>
-            <a:r>
-              <a:rPr lang="en-US" sz="1400" dirty="0" smtClean="0"/>
-              <a:t>(days to</a:t>
-            </a:r>
-          </a:p>
-          <a:p>
-            <a:r>
-              <a:rPr lang="en-US" sz="1400" dirty="0"/>
-              <a:t>w</a:t>
-            </a:r>
-            <a:r>
-              <a:rPr lang="en-US" sz="1400" dirty="0" smtClean="0"/>
-              <a:t>eeks)</a:t>
-            </a:r>
-            <a:endParaRPr lang="en-US" sz="1400" dirty="0"/>
-          </a:p>
-        </p:txBody>
-      </p:sp>
-      <p:sp>
-        <p:nvSpPr>
-          <p:cNvPr id="60" name="Rectangle 59"/>
-          <p:cNvSpPr/>
-          <p:nvPr/>
-        </p:nvSpPr>
-        <p:spPr>
-          <a:xfrm>
-            <a:off x="3279124" y="5012411"/>
-            <a:ext cx="606281" cy="360099"/>
-          </a:xfrm>
-          <a:prstGeom prst="rect">
-            <a:avLst/>
-          </a:prstGeom>
-        </p:spPr>
-        <p:txBody>
-          <a:bodyPr wrap="none">
-            <a:spAutoFit/>
-          </a:bodyPr>
-          <a:lstStyle/>
-          <a:p>
-            <a:pPr algn="ctr">
-              <a:lnSpc>
-                <a:spcPct val="70000"/>
-              </a:lnSpc>
-            </a:pPr>
-            <a:r>
-              <a:rPr lang="en-US" sz="1200" dirty="0"/>
-              <a:t>d</a:t>
-            </a:r>
-            <a:r>
-              <a:rPr lang="en-US" sz="1200" dirty="0" smtClean="0"/>
-              <a:t>aily</a:t>
-            </a:r>
-          </a:p>
-          <a:p>
-            <a:pPr>
-              <a:lnSpc>
-                <a:spcPct val="70000"/>
-              </a:lnSpc>
-            </a:pPr>
-            <a:r>
-              <a:rPr lang="en-US" sz="1200" dirty="0" smtClean="0"/>
-              <a:t>review</a:t>
-            </a:r>
-            <a:endParaRPr lang="en-US" sz="1200" dirty="0"/>
-          </a:p>
-        </p:txBody>
-      </p:sp>
-      <p:cxnSp>
-        <p:nvCxnSpPr>
-          <p:cNvPr id="61" name="Straight Arrow Connector 60"/>
-          <p:cNvCxnSpPr/>
-          <p:nvPr/>
-        </p:nvCxnSpPr>
-        <p:spPr>
-          <a:xfrm flipH="1" flipV="1">
-            <a:off x="3974769" y="5331725"/>
-            <a:ext cx="440930" cy="392836"/>
-          </a:xfrm>
-          <a:prstGeom prst="straightConnector1">
-            <a:avLst/>
-          </a:prstGeom>
-          <a:ln w="28575" cmpd="sng">
-            <a:solidFill>
-              <a:srgbClr val="F79646"/>
-            </a:solidFill>
-            <a:tailEnd type="arrow"/>
-          </a:ln>
-        </p:spPr>
-        <p:style>
-          <a:lnRef idx="1">
-            <a:schemeClr val="accent1"/>
-          </a:lnRef>
-          <a:fillRef idx="2">
-            <a:schemeClr val="accent1"/>
-          </a:fillRef>
-          <a:effectRef idx="1">
-            <a:schemeClr val="accent1"/>
-          </a:effectRef>
-          <a:fontRef idx="minor">
-            <a:schemeClr val="dk1"/>
-          </a:fontRef>
-        </p:style>
-      </p:cxnSp>
-      <p:sp>
-        <p:nvSpPr>
-          <p:cNvPr id="62" name="Rectangle 61"/>
-          <p:cNvSpPr/>
-          <p:nvPr/>
-        </p:nvSpPr>
-        <p:spPr>
-          <a:xfrm>
-            <a:off x="4105300" y="5261340"/>
-            <a:ext cx="802755" cy="292388"/>
-          </a:xfrm>
-          <a:prstGeom prst="rect">
-            <a:avLst/>
-          </a:prstGeom>
-        </p:spPr>
-        <p:txBody>
-          <a:bodyPr wrap="none">
-            <a:spAutoFit/>
-          </a:bodyPr>
-          <a:lstStyle/>
-          <a:p>
-            <a:r>
-              <a:rPr lang="en-US" sz="1300" dirty="0" smtClean="0"/>
-              <a:t>feedback</a:t>
-            </a:r>
-            <a:endParaRPr lang="en-US" sz="1300" dirty="0"/>
-          </a:p>
-        </p:txBody>
-      </p:sp>
-      <p:sp>
-        <p:nvSpPr>
-          <p:cNvPr id="2" name="Rectangle 1"/>
-          <p:cNvSpPr/>
-          <p:nvPr/>
-        </p:nvSpPr>
-        <p:spPr>
-          <a:xfrm>
-            <a:off x="148408" y="4822309"/>
-            <a:ext cx="5133400" cy="1914827"/>
-          </a:xfrm>
-          <a:prstGeom prst="rect">
-            <a:avLst/>
-          </a:prstGeom>
-          <a:noFill/>
-          <a:ln>
-            <a:solidFill>
-              <a:srgbClr val="F79646"/>
-            </a:solidFill>
-          </a:ln>
-        </p:spPr>
-        <p:style>
-          <a:lnRef idx="1">
-            <a:schemeClr val="accent1"/>
-          </a:lnRef>
-          <a:fillRef idx="3">
-            <a:schemeClr val="accent1"/>
-          </a:fillRef>
-          <a:effectRef idx="2">
-            <a:schemeClr val="accent1"/>
-          </a:effectRef>
-          <a:fontRef idx="minor">
-            <a:schemeClr val="lt1"/>
-          </a:fontRef>
-        </p:style>
-        <p:txBody>
-          <a:bodyPr rtlCol="0" anchor="ctr"/>
-          <a:lstStyle/>
-          <a:p>
-            <a:pPr algn="ctr"/>
-            <a:endParaRPr lang="en-US"/>
-          </a:p>
-        </p:txBody>
-      </p:sp>
-      <p:sp>
-        <p:nvSpPr>
-          <p:cNvPr id="63" name="Rectangle 62"/>
-          <p:cNvSpPr/>
-          <p:nvPr/>
-        </p:nvSpPr>
-        <p:spPr>
-          <a:xfrm>
-            <a:off x="562323" y="4668420"/>
-            <a:ext cx="1142661" cy="307777"/>
-          </a:xfrm>
-          <a:prstGeom prst="rect">
-            <a:avLst/>
-          </a:prstGeom>
-        </p:spPr>
-        <p:style>
-          <a:lnRef idx="3">
-            <a:schemeClr val="lt1"/>
-          </a:lnRef>
-          <a:fillRef idx="1">
-            <a:schemeClr val="accent6"/>
-          </a:fillRef>
-          <a:effectRef idx="1">
-            <a:schemeClr val="accent6"/>
-          </a:effectRef>
-          <a:fontRef idx="minor">
-            <a:schemeClr val="lt1"/>
-          </a:fontRef>
-        </p:style>
-        <p:txBody>
-          <a:bodyPr wrap="none">
-            <a:spAutoFit/>
-          </a:bodyPr>
-          <a:lstStyle/>
-          <a:p>
-            <a:r>
-              <a:rPr lang="en-US" sz="1400" dirty="0" smtClean="0">
-                <a:solidFill>
-                  <a:schemeClr val="tx1"/>
-                </a:solidFill>
-              </a:rPr>
-              <a:t>Agile process</a:t>
-            </a:r>
-            <a:endParaRPr lang="en-US" sz="1400" dirty="0">
-              <a:solidFill>
-                <a:schemeClr val="tx1"/>
-              </a:solidFill>
-            </a:endParaRPr>
-          </a:p>
-        </p:txBody>
-      </p:sp>
-      <p:sp>
-        <p:nvSpPr>
-          <p:cNvPr id="3" name="TextBox 2"/>
-          <p:cNvSpPr txBox="1"/>
-          <p:nvPr/>
-        </p:nvSpPr>
-        <p:spPr>
-          <a:xfrm>
-            <a:off x="4695242" y="982283"/>
-            <a:ext cx="4353508" cy="1161600"/>
-          </a:xfrm>
-          <a:prstGeom prst="rect">
-            <a:avLst/>
-          </a:prstGeom>
-          <a:noFill/>
-        </p:spPr>
-        <p:txBody>
-          <a:bodyPr wrap="square" rtlCol="0">
-            <a:spAutoFit/>
-          </a:bodyPr>
-          <a:lstStyle/>
-          <a:p>
-            <a:pPr>
-              <a:lnSpc>
-                <a:spcPct val="90000"/>
-              </a:lnSpc>
-            </a:pPr>
-            <a:r>
-              <a:rPr lang="en-US" sz="1100" b="1" u="sng" dirty="0" smtClean="0"/>
-              <a:t>Abbreviations</a:t>
-            </a:r>
-            <a:r>
-              <a:rPr lang="en-US" sz="1100" dirty="0" smtClean="0"/>
-              <a:t>:</a:t>
-            </a:r>
-          </a:p>
-          <a:p>
-            <a:pPr marL="171450" indent="-171450">
-              <a:lnSpc>
-                <a:spcPct val="90000"/>
-              </a:lnSpc>
-              <a:buFont typeface="Arial"/>
-              <a:buChar char="•"/>
-            </a:pPr>
-            <a:r>
-              <a:rPr lang="en-US" sz="1100" dirty="0" smtClean="0"/>
-              <a:t>B4dev 	 = Before development</a:t>
-            </a:r>
-          </a:p>
-          <a:p>
-            <a:pPr marL="171450" indent="-171450">
-              <a:lnSpc>
-                <a:spcPct val="90000"/>
-              </a:lnSpc>
-              <a:buFont typeface="Arial"/>
-              <a:buChar char="•"/>
-            </a:pPr>
-            <a:r>
-              <a:rPr lang="en-US" sz="1100" dirty="0" smtClean="0"/>
-              <a:t>Reqts 	 = Requirements</a:t>
-            </a:r>
-          </a:p>
-          <a:p>
-            <a:pPr marL="171450" indent="-171450">
-              <a:lnSpc>
-                <a:spcPct val="90000"/>
-              </a:lnSpc>
-              <a:buFont typeface="Arial"/>
-              <a:buChar char="•"/>
-            </a:pPr>
-            <a:r>
-              <a:rPr lang="en-US" sz="1100" dirty="0" smtClean="0"/>
-              <a:t>HLD 		 = High-level design</a:t>
-            </a:r>
-          </a:p>
-          <a:p>
-            <a:pPr marL="171450" indent="-171450">
-              <a:lnSpc>
-                <a:spcPct val="90000"/>
-              </a:lnSpc>
-              <a:buFont typeface="Arial"/>
-              <a:buChar char="•"/>
-            </a:pPr>
-            <a:r>
-              <a:rPr lang="en-US" sz="1100" dirty="0" smtClean="0"/>
-              <a:t>IntTest 	 = Integration testing (with parts from other developers)</a:t>
-            </a:r>
-          </a:p>
-          <a:p>
-            <a:pPr marL="171450" indent="-171450">
-              <a:lnSpc>
-                <a:spcPct val="90000"/>
-              </a:lnSpc>
-              <a:buFont typeface="Arial"/>
-              <a:buChar char="•"/>
-            </a:pPr>
-            <a:r>
-              <a:rPr lang="en-US" sz="1100" dirty="0" smtClean="0"/>
-              <a:t>SysTest 	 = System test (e.g. load stress tests)</a:t>
-            </a:r>
-          </a:p>
-          <a:p>
-            <a:pPr marL="171450" indent="-171450">
-              <a:lnSpc>
-                <a:spcPct val="90000"/>
-              </a:lnSpc>
-              <a:buFont typeface="Arial"/>
-              <a:buChar char="•"/>
-            </a:pPr>
-            <a:r>
-              <a:rPr lang="en-US" sz="1100" dirty="0" smtClean="0"/>
-              <a:t>AccepTest 	 = Acceptance testing (with users)</a:t>
-            </a:r>
           </a:p>
         </p:txBody>
       </p:sp>

--- a/waterfall.pptx
+++ b/waterfall.pptx
@@ -289,7 +289,7 @@
           <a:p>
             <a:fld id="{15B879B8-E416-D442-B17F-05DE93910295}" type="datetimeFigureOut">
               <a:rPr lang="en-US" smtClean="0"/>
-              <a:t>2/22/15</a:t>
+              <a:t>3/16/15</a:t>
             </a:fld>
             <a:endParaRPr lang="en-US"/>
           </a:p>
@@ -459,7 +459,7 @@
           <a:p>
             <a:fld id="{15B879B8-E416-D442-B17F-05DE93910295}" type="datetimeFigureOut">
               <a:rPr lang="en-US" smtClean="0"/>
-              <a:t>2/22/15</a:t>
+              <a:t>3/16/15</a:t>
             </a:fld>
             <a:endParaRPr lang="en-US"/>
           </a:p>
@@ -639,7 +639,7 @@
           <a:p>
             <a:fld id="{15B879B8-E416-D442-B17F-05DE93910295}" type="datetimeFigureOut">
               <a:rPr lang="en-US" smtClean="0"/>
-              <a:t>2/22/15</a:t>
+              <a:t>3/16/15</a:t>
             </a:fld>
             <a:endParaRPr lang="en-US"/>
           </a:p>
@@ -809,7 +809,7 @@
           <a:p>
             <a:fld id="{15B879B8-E416-D442-B17F-05DE93910295}" type="datetimeFigureOut">
               <a:rPr lang="en-US" smtClean="0"/>
-              <a:t>2/22/15</a:t>
+              <a:t>3/16/15</a:t>
             </a:fld>
             <a:endParaRPr lang="en-US"/>
           </a:p>
@@ -1055,7 +1055,7 @@
           <a:p>
             <a:fld id="{15B879B8-E416-D442-B17F-05DE93910295}" type="datetimeFigureOut">
               <a:rPr lang="en-US" smtClean="0"/>
-              <a:t>2/22/15</a:t>
+              <a:t>3/16/15</a:t>
             </a:fld>
             <a:endParaRPr lang="en-US"/>
           </a:p>
@@ -1343,7 +1343,7 @@
           <a:p>
             <a:fld id="{15B879B8-E416-D442-B17F-05DE93910295}" type="datetimeFigureOut">
               <a:rPr lang="en-US" smtClean="0"/>
-              <a:t>2/22/15</a:t>
+              <a:t>3/16/15</a:t>
             </a:fld>
             <a:endParaRPr lang="en-US"/>
           </a:p>
@@ -1765,7 +1765,7 @@
           <a:p>
             <a:fld id="{15B879B8-E416-D442-B17F-05DE93910295}" type="datetimeFigureOut">
               <a:rPr lang="en-US" smtClean="0"/>
-              <a:t>2/22/15</a:t>
+              <a:t>3/16/15</a:t>
             </a:fld>
             <a:endParaRPr lang="en-US"/>
           </a:p>
@@ -1883,7 +1883,7 @@
           <a:p>
             <a:fld id="{15B879B8-E416-D442-B17F-05DE93910295}" type="datetimeFigureOut">
               <a:rPr lang="en-US" smtClean="0"/>
-              <a:t>2/22/15</a:t>
+              <a:t>3/16/15</a:t>
             </a:fld>
             <a:endParaRPr lang="en-US"/>
           </a:p>
@@ -1978,7 +1978,7 @@
           <a:p>
             <a:fld id="{15B879B8-E416-D442-B17F-05DE93910295}" type="datetimeFigureOut">
               <a:rPr lang="en-US" smtClean="0"/>
-              <a:t>2/22/15</a:t>
+              <a:t>3/16/15</a:t>
             </a:fld>
             <a:endParaRPr lang="en-US"/>
           </a:p>
@@ -2255,7 +2255,7 @@
           <a:p>
             <a:fld id="{15B879B8-E416-D442-B17F-05DE93910295}" type="datetimeFigureOut">
               <a:rPr lang="en-US" smtClean="0"/>
-              <a:t>2/22/15</a:t>
+              <a:t>3/16/15</a:t>
             </a:fld>
             <a:endParaRPr lang="en-US"/>
           </a:p>
@@ -2508,7 +2508,7 @@
           <a:p>
             <a:fld id="{15B879B8-E416-D442-B17F-05DE93910295}" type="datetimeFigureOut">
               <a:rPr lang="en-US" smtClean="0"/>
-              <a:t>2/22/15</a:t>
+              <a:t>3/16/15</a:t>
             </a:fld>
             <a:endParaRPr lang="en-US"/>
           </a:p>
@@ -2721,7 +2721,7 @@
           <a:p>
             <a:fld id="{15B879B8-E416-D442-B17F-05DE93910295}" type="datetimeFigureOut">
               <a:rPr lang="en-US" smtClean="0"/>
-              <a:t>2/22/15</a:t>
+              <a:t>3/16/15</a:t>
             </a:fld>
             <a:endParaRPr lang="en-US"/>
           </a:p>
@@ -3105,7 +3105,7 @@
         <p:spPr>
           <a:xfrm>
             <a:off x="220262" y="386547"/>
-            <a:ext cx="1660668" cy="307777"/>
+            <a:ext cx="671979" cy="307777"/>
           </a:xfrm>
           <a:prstGeom prst="rect">
             <a:avLst/>
@@ -3133,7 +3133,7 @@
           <a:p>
             <a:r>
               <a:rPr lang="en-US" sz="1400" dirty="0" smtClean="0"/>
-              <a:t>BeforeDevelopment</a:t>
+              <a:t>Before</a:t>
             </a:r>
             <a:endParaRPr lang="en-US" sz="1400" dirty="0"/>
           </a:p>
@@ -3249,7 +3249,7 @@
         <p:spPr>
           <a:xfrm>
             <a:off x="4786622" y="3894006"/>
-            <a:ext cx="491841" cy="307777"/>
+            <a:ext cx="802699" cy="307777"/>
           </a:xfrm>
           <a:prstGeom prst="rect">
             <a:avLst/>
@@ -3277,7 +3277,7 @@
           <a:p>
             <a:r>
               <a:rPr lang="en-US" sz="1400" dirty="0" smtClean="0"/>
-              <a:t>Test</a:t>
+              <a:t>UnitTest</a:t>
             </a:r>
             <a:endParaRPr lang="en-US" sz="1400" dirty="0"/>
           </a:p>
@@ -4588,6 +4588,95 @@
           <a:p>
             <a:pPr algn="ctr"/>
             <a:endParaRPr lang="en-US" sz="1400"/>
+          </a:p>
+        </p:txBody>
+      </p:sp>
+      <p:sp>
+        <p:nvSpPr>
+          <p:cNvPr id="2" name="TextBox 1"/>
+          <p:cNvSpPr txBox="1"/>
+          <p:nvPr/>
+        </p:nvSpPr>
+        <p:spPr>
+          <a:xfrm>
+            <a:off x="212574" y="4429429"/>
+            <a:ext cx="5173186" cy="2246769"/>
+          </a:xfrm>
+          <a:prstGeom prst="rect">
+            <a:avLst/>
+          </a:prstGeom>
+          <a:noFill/>
+        </p:spPr>
+        <p:txBody>
+          <a:bodyPr wrap="none" rtlCol="0">
+            <a:spAutoFit/>
+          </a:bodyPr>
+          <a:lstStyle/>
+          <a:p>
+            <a:r>
+              <a:rPr lang="en-US" sz="1400" b="1" u="sng" dirty="0" smtClean="0"/>
+              <a:t>Abbreviations:</a:t>
+            </a:r>
+            <a:br>
+              <a:rPr lang="en-US" sz="1400" b="1" u="sng" dirty="0" smtClean="0"/>
+            </a:br>
+            <a:endParaRPr lang="en-US" sz="1400" b="1" u="sng" dirty="0" smtClean="0"/>
+          </a:p>
+          <a:p>
+            <a:r>
+              <a:rPr lang="en-US" sz="1400" dirty="0" smtClean="0"/>
+              <a:t>Before 	= before development</a:t>
+            </a:r>
+          </a:p>
+          <a:p>
+            <a:r>
+              <a:rPr lang="en-US" sz="1400" dirty="0" smtClean="0"/>
+              <a:t>Reqts		= requirements</a:t>
+            </a:r>
+          </a:p>
+          <a:p>
+            <a:r>
+              <a:rPr lang="en-US" sz="1400" dirty="0" smtClean="0"/>
+              <a:t>HLD		= high-level design</a:t>
+            </a:r>
+          </a:p>
+          <a:p>
+            <a:r>
+              <a:rPr lang="en-US" sz="1400" dirty="0" smtClean="0"/>
+              <a:t>IntTest</a:t>
+            </a:r>
+            <a:r>
+              <a:rPr lang="en-US" sz="1400" dirty="0"/>
+              <a:t> </a:t>
+            </a:r>
+            <a:r>
+              <a:rPr lang="en-US" sz="1400" dirty="0" smtClean="0"/>
+              <a:t>	= Integration testing (with parts from other developers)</a:t>
+            </a:r>
+          </a:p>
+          <a:p>
+            <a:r>
+              <a:rPr lang="en-US" sz="1400" dirty="0" smtClean="0"/>
+              <a:t>SysTest 	= system test (e.g. load stress tests)</a:t>
+            </a:r>
+          </a:p>
+          <a:p>
+            <a:r>
+              <a:rPr lang="en-US" sz="1400" dirty="0" smtClean="0"/>
+              <a:t>AcceptTest 	= acceptance testing (with users)</a:t>
+            </a:r>
+          </a:p>
+          <a:p>
+            <a:r>
+              <a:rPr lang="en-US" sz="1400" dirty="0" smtClean="0"/>
+              <a:t>Review 	= private activity</a:t>
+            </a:r>
+          </a:p>
+          <a:p>
+            <a:r>
+              <a:rPr lang="en-US" sz="1400" dirty="0" smtClean="0"/>
+              <a:t>Inspect 	= group activity</a:t>
+            </a:r>
           </a:p>
         </p:txBody>
       </p:sp>

--- a/waterfall.pptx
+++ b/waterfall.pptx
@@ -289,7 +289,7 @@
           <a:p>
             <a:fld id="{15B879B8-E416-D442-B17F-05DE93910295}" type="datetimeFigureOut">
               <a:rPr lang="en-US" smtClean="0"/>
-              <a:t>3/16/15</a:t>
+              <a:t>7/28/15</a:t>
             </a:fld>
             <a:endParaRPr lang="en-US"/>
           </a:p>
@@ -459,7 +459,7 @@
           <a:p>
             <a:fld id="{15B879B8-E416-D442-B17F-05DE93910295}" type="datetimeFigureOut">
               <a:rPr lang="en-US" smtClean="0"/>
-              <a:t>3/16/15</a:t>
+              <a:t>7/28/15</a:t>
             </a:fld>
             <a:endParaRPr lang="en-US"/>
           </a:p>
@@ -639,7 +639,7 @@
           <a:p>
             <a:fld id="{15B879B8-E416-D442-B17F-05DE93910295}" type="datetimeFigureOut">
               <a:rPr lang="en-US" smtClean="0"/>
-              <a:t>3/16/15</a:t>
+              <a:t>7/28/15</a:t>
             </a:fld>
             <a:endParaRPr lang="en-US"/>
           </a:p>
@@ -809,7 +809,7 @@
           <a:p>
             <a:fld id="{15B879B8-E416-D442-B17F-05DE93910295}" type="datetimeFigureOut">
               <a:rPr lang="en-US" smtClean="0"/>
-              <a:t>3/16/15</a:t>
+              <a:t>7/28/15</a:t>
             </a:fld>
             <a:endParaRPr lang="en-US"/>
           </a:p>
@@ -1055,7 +1055,7 @@
           <a:p>
             <a:fld id="{15B879B8-E416-D442-B17F-05DE93910295}" type="datetimeFigureOut">
               <a:rPr lang="en-US" smtClean="0"/>
-              <a:t>3/16/15</a:t>
+              <a:t>7/28/15</a:t>
             </a:fld>
             <a:endParaRPr lang="en-US"/>
           </a:p>
@@ -1343,7 +1343,7 @@
           <a:p>
             <a:fld id="{15B879B8-E416-D442-B17F-05DE93910295}" type="datetimeFigureOut">
               <a:rPr lang="en-US" smtClean="0"/>
-              <a:t>3/16/15</a:t>
+              <a:t>7/28/15</a:t>
             </a:fld>
             <a:endParaRPr lang="en-US"/>
           </a:p>
@@ -1765,7 +1765,7 @@
           <a:p>
             <a:fld id="{15B879B8-E416-D442-B17F-05DE93910295}" type="datetimeFigureOut">
               <a:rPr lang="en-US" smtClean="0"/>
-              <a:t>3/16/15</a:t>
+              <a:t>7/28/15</a:t>
             </a:fld>
             <a:endParaRPr lang="en-US"/>
           </a:p>
@@ -1883,7 +1883,7 @@
           <a:p>
             <a:fld id="{15B879B8-E416-D442-B17F-05DE93910295}" type="datetimeFigureOut">
               <a:rPr lang="en-US" smtClean="0"/>
-              <a:t>3/16/15</a:t>
+              <a:t>7/28/15</a:t>
             </a:fld>
             <a:endParaRPr lang="en-US"/>
           </a:p>
@@ -1978,7 +1978,7 @@
           <a:p>
             <a:fld id="{15B879B8-E416-D442-B17F-05DE93910295}" type="datetimeFigureOut">
               <a:rPr lang="en-US" smtClean="0"/>
-              <a:t>3/16/15</a:t>
+              <a:t>7/28/15</a:t>
             </a:fld>
             <a:endParaRPr lang="en-US"/>
           </a:p>
@@ -2255,7 +2255,7 @@
           <a:p>
             <a:fld id="{15B879B8-E416-D442-B17F-05DE93910295}" type="datetimeFigureOut">
               <a:rPr lang="en-US" smtClean="0"/>
-              <a:t>3/16/15</a:t>
+              <a:t>7/28/15</a:t>
             </a:fld>
             <a:endParaRPr lang="en-US"/>
           </a:p>
@@ -2508,7 +2508,7 @@
           <a:p>
             <a:fld id="{15B879B8-E416-D442-B17F-05DE93910295}" type="datetimeFigureOut">
               <a:rPr lang="en-US" smtClean="0"/>
-              <a:t>3/16/15</a:t>
+              <a:t>7/28/15</a:t>
             </a:fld>
             <a:endParaRPr lang="en-US"/>
           </a:p>
@@ -2721,7 +2721,7 @@
           <a:p>
             <a:fld id="{15B879B8-E416-D442-B17F-05DE93910295}" type="datetimeFigureOut">
               <a:rPr lang="en-US" smtClean="0"/>
-              <a:t>3/16/15</a:t>
+              <a:t>7/28/15</a:t>
             </a:fld>
             <a:endParaRPr lang="en-US"/>
           </a:p>
@@ -3098,18 +3098,204 @@
       </p:grpSpPr>
       <p:sp>
         <p:nvSpPr>
+          <p:cNvPr id="2" name="TextBox 1"/>
+          <p:cNvSpPr txBox="1"/>
+          <p:nvPr/>
+        </p:nvSpPr>
+        <p:spPr>
+          <a:xfrm>
+            <a:off x="165783" y="4461171"/>
+            <a:ext cx="4001504" cy="2246769"/>
+          </a:xfrm>
+          <a:prstGeom prst="rect">
+            <a:avLst/>
+          </a:prstGeom>
+          <a:noFill/>
+        </p:spPr>
+        <p:txBody>
+          <a:bodyPr wrap="none" rtlCol="0">
+            <a:spAutoFit/>
+          </a:bodyPr>
+          <a:lstStyle/>
+          <a:p>
+            <a:r>
+              <a:rPr lang="en-US" sz="1400" b="1" u="sng" dirty="0" smtClean="0"/>
+              <a:t>Abbreviations:</a:t>
+            </a:r>
+            <a:br>
+              <a:rPr lang="en-US" sz="1400" b="1" u="sng" dirty="0" smtClean="0"/>
+            </a:br>
+            <a:endParaRPr lang="en-US" sz="1400" b="1" u="sng" dirty="0" smtClean="0"/>
+          </a:p>
+          <a:p>
+            <a:r>
+              <a:rPr lang="en-US" sz="1400" dirty="0" smtClean="0"/>
+              <a:t>Before </a:t>
+            </a:r>
+            <a:r>
+              <a:rPr lang="en-US" sz="1400" dirty="0" smtClean="0"/>
+              <a:t>= </a:t>
+            </a:r>
+            <a:r>
+              <a:rPr lang="en-US" sz="1400" dirty="0" smtClean="0"/>
+              <a:t>before development</a:t>
+            </a:r>
+          </a:p>
+          <a:p>
+            <a:r>
+              <a:rPr lang="en-US" sz="1400" dirty="0" smtClean="0"/>
+              <a:t>Reqts	</a:t>
+            </a:r>
+            <a:r>
+              <a:rPr lang="en-US" sz="1400" dirty="0" smtClean="0"/>
+              <a:t>  = </a:t>
+            </a:r>
+            <a:r>
+              <a:rPr lang="en-US" sz="1400" dirty="0" smtClean="0"/>
+              <a:t>requirements</a:t>
+            </a:r>
+          </a:p>
+          <a:p>
+            <a:r>
+              <a:rPr lang="en-US" sz="1400" dirty="0" smtClean="0"/>
+              <a:t>HLD	</a:t>
+            </a:r>
+            <a:r>
+              <a:rPr lang="en-US" sz="1400" dirty="0" smtClean="0"/>
+              <a:t>  = </a:t>
+            </a:r>
+            <a:r>
+              <a:rPr lang="en-US" sz="1400" dirty="0" smtClean="0"/>
+              <a:t>high-level design</a:t>
+            </a:r>
+          </a:p>
+          <a:p>
+            <a:r>
+              <a:rPr lang="en-US" sz="1400" dirty="0" smtClean="0"/>
+              <a:t>IntTest = </a:t>
+            </a:r>
+            <a:r>
+              <a:rPr lang="en-US" sz="1400" dirty="0" smtClean="0"/>
+              <a:t>Integration testing (with </a:t>
+            </a:r>
+            <a:r>
+              <a:rPr lang="en-US" sz="1400" dirty="0" smtClean="0"/>
+              <a:t>code from others)</a:t>
+            </a:r>
+            <a:endParaRPr lang="en-US" sz="1400" dirty="0" smtClean="0"/>
+          </a:p>
+          <a:p>
+            <a:r>
+              <a:rPr lang="en-US" sz="1400" dirty="0" smtClean="0"/>
+              <a:t>SysTest </a:t>
+            </a:r>
+            <a:r>
+              <a:rPr lang="en-US" sz="1400" dirty="0" smtClean="0"/>
+              <a:t>= </a:t>
+            </a:r>
+            <a:r>
+              <a:rPr lang="en-US" sz="1400" dirty="0" smtClean="0"/>
+              <a:t>system test (e.g. load stress tests)</a:t>
+            </a:r>
+          </a:p>
+          <a:p>
+            <a:r>
+              <a:rPr lang="en-US" sz="1400" dirty="0" smtClean="0"/>
+              <a:t>AcceptTest </a:t>
+            </a:r>
+            <a:r>
+              <a:rPr lang="en-US" sz="1400" dirty="0" smtClean="0"/>
+              <a:t> = </a:t>
+            </a:r>
+            <a:r>
+              <a:rPr lang="en-US" sz="1400" dirty="0" smtClean="0"/>
+              <a:t>acceptance testing (with users)</a:t>
+            </a:r>
+          </a:p>
+          <a:p>
+            <a:r>
+              <a:rPr lang="en-US" sz="1400" dirty="0" smtClean="0"/>
+              <a:t>Review </a:t>
+            </a:r>
+            <a:r>
+              <a:rPr lang="en-US" sz="1400" dirty="0" smtClean="0"/>
+              <a:t>       = </a:t>
+            </a:r>
+            <a:r>
+              <a:rPr lang="en-US" sz="1400" dirty="0" smtClean="0"/>
+              <a:t>private activity</a:t>
+            </a:r>
+          </a:p>
+          <a:p>
+            <a:r>
+              <a:rPr lang="en-US" sz="1400" dirty="0" smtClean="0"/>
+              <a:t>Inspect        = </a:t>
+            </a:r>
+            <a:r>
+              <a:rPr lang="en-US" sz="1400" dirty="0" smtClean="0"/>
+              <a:t>group activity</a:t>
+            </a:r>
+          </a:p>
+        </p:txBody>
+      </p:sp>
+      <p:cxnSp>
+        <p:nvCxnSpPr>
+          <p:cNvPr id="33" name="Straight Arrow Connector 32"/>
+          <p:cNvCxnSpPr/>
+          <p:nvPr/>
+        </p:nvCxnSpPr>
+        <p:spPr>
+          <a:xfrm>
+            <a:off x="1642238" y="2481035"/>
+            <a:ext cx="178532" cy="207704"/>
+          </a:xfrm>
+          <a:prstGeom prst="straightConnector1">
+            <a:avLst/>
+          </a:prstGeom>
+          <a:ln>
+            <a:solidFill>
+              <a:schemeClr val="tx1"/>
+            </a:solidFill>
+            <a:tailEnd type="arrow"/>
+          </a:ln>
+        </p:spPr>
+        <p:style>
+          <a:lnRef idx="2">
+            <a:schemeClr val="accent1"/>
+          </a:lnRef>
+          <a:fillRef idx="0">
+            <a:schemeClr val="accent1"/>
+          </a:fillRef>
+          <a:effectRef idx="1">
+            <a:schemeClr val="accent1"/>
+          </a:effectRef>
+          <a:fontRef idx="minor">
+            <a:schemeClr val="tx1"/>
+          </a:fontRef>
+        </p:style>
+      </p:cxnSp>
+      <p:sp>
+        <p:nvSpPr>
           <p:cNvPr id="4" name="Rectangle 3"/>
           <p:cNvSpPr/>
           <p:nvPr/>
         </p:nvSpPr>
         <p:spPr>
           <a:xfrm>
-            <a:off x="220262" y="386547"/>
+            <a:off x="271748" y="489519"/>
             <a:ext cx="671979" cy="307777"/>
           </a:xfrm>
           <a:prstGeom prst="rect">
             <a:avLst/>
           </a:prstGeom>
+          <a:solidFill>
+            <a:schemeClr val="bg1">
+              <a:lumMod val="50000"/>
+            </a:schemeClr>
+          </a:solidFill>
+          <a:ln>
+            <a:noFill/>
+          </a:ln>
         </p:spPr>
         <p:style>
           <a:lnRef idx="1">
@@ -3132,10 +3318,18 @@
           <a:lstStyle/>
           <a:p>
             <a:r>
-              <a:rPr lang="en-US" sz="1400" dirty="0" smtClean="0"/>
+              <a:rPr lang="en-US" sz="1400" dirty="0" smtClean="0">
+                <a:solidFill>
+                  <a:schemeClr val="bg1"/>
+                </a:solidFill>
+              </a:rPr>
               <a:t>Before</a:t>
             </a:r>
-            <a:endParaRPr lang="en-US" sz="1400" dirty="0"/>
+            <a:endParaRPr lang="en-US" sz="1400" dirty="0">
+              <a:solidFill>
+                <a:schemeClr val="bg1"/>
+              </a:solidFill>
+            </a:endParaRPr>
           </a:p>
         </p:txBody>
       </p:sp>
@@ -3147,12 +3341,20 @@
         </p:nvSpPr>
         <p:spPr>
           <a:xfrm>
-            <a:off x="3969948" y="3278296"/>
+            <a:off x="1990414" y="3287055"/>
             <a:ext cx="558729" cy="307777"/>
           </a:xfrm>
           <a:prstGeom prst="rect">
             <a:avLst/>
           </a:prstGeom>
+          <a:solidFill>
+            <a:schemeClr val="accent3">
+              <a:lumMod val="75000"/>
+            </a:schemeClr>
+          </a:solidFill>
+          <a:ln>
+            <a:noFill/>
+          </a:ln>
         </p:spPr>
         <p:style>
           <a:lnRef idx="1">
@@ -3175,10 +3377,18 @@
           <a:lstStyle/>
           <a:p>
             <a:r>
-              <a:rPr lang="en-US" sz="1400" dirty="0" smtClean="0"/>
+              <a:rPr lang="en-US" sz="1400" dirty="0" smtClean="0">
+                <a:solidFill>
+                  <a:schemeClr val="bg1"/>
+                </a:solidFill>
+              </a:rPr>
               <a:t>Code</a:t>
             </a:r>
-            <a:endParaRPr lang="en-US" sz="1400" dirty="0"/>
+            <a:endParaRPr lang="en-US" sz="1400" dirty="0">
+              <a:solidFill>
+                <a:schemeClr val="bg1"/>
+              </a:solidFill>
+            </a:endParaRPr>
           </a:p>
         </p:txBody>
       </p:sp>
@@ -3190,8 +3400,8 @@
         </p:nvSpPr>
         <p:spPr>
           <a:xfrm>
-            <a:off x="4766446" y="3156917"/>
-            <a:ext cx="710902" cy="307777"/>
+            <a:off x="2859182" y="3259710"/>
+            <a:ext cx="730013" cy="307777"/>
           </a:xfrm>
           <a:prstGeom prst="rect">
             <a:avLst/>
@@ -3204,10 +3414,22 @@
           <a:lstStyle/>
           <a:p>
             <a:r>
-              <a:rPr lang="en-US" sz="1400" i="1" dirty="0" smtClean="0"/>
+              <a:rPr lang="en-US" sz="1400" b="1" i="1" dirty="0" smtClean="0">
+                <a:solidFill>
+                  <a:schemeClr val="accent3">
+                    <a:lumMod val="50000"/>
+                  </a:schemeClr>
+                </a:solidFill>
+              </a:rPr>
               <a:t>review</a:t>
             </a:r>
-            <a:endParaRPr lang="en-US" sz="1400" i="1" dirty="0"/>
+            <a:endParaRPr lang="en-US" sz="1400" b="1" i="1" dirty="0">
+              <a:solidFill>
+                <a:schemeClr val="accent3">
+                  <a:lumMod val="50000"/>
+                </a:schemeClr>
+              </a:solidFill>
+            </a:endParaRPr>
           </a:p>
         </p:txBody>
       </p:sp>
@@ -3219,8 +3441,8 @@
         </p:nvSpPr>
         <p:spPr>
           <a:xfrm>
-            <a:off x="4449602" y="2608505"/>
-            <a:ext cx="744565" cy="307777"/>
+            <a:off x="2713805" y="2738775"/>
+            <a:ext cx="756925" cy="307777"/>
           </a:xfrm>
           <a:prstGeom prst="rect">
             <a:avLst/>
@@ -3233,10 +3455,22 @@
           <a:lstStyle/>
           <a:p>
             <a:r>
-              <a:rPr lang="en-US" sz="1400" i="1" dirty="0" smtClean="0"/>
+              <a:rPr lang="en-US" sz="1400" b="1" i="1" dirty="0" smtClean="0">
+                <a:solidFill>
+                  <a:schemeClr val="accent3">
+                    <a:lumMod val="50000"/>
+                  </a:schemeClr>
+                </a:solidFill>
+              </a:rPr>
               <a:t>inspect</a:t>
             </a:r>
-            <a:endParaRPr lang="en-US" sz="1400" i="1" dirty="0"/>
+            <a:endParaRPr lang="en-US" sz="1400" b="1" i="1" dirty="0">
+              <a:solidFill>
+                <a:schemeClr val="accent3">
+                  <a:lumMod val="50000"/>
+                </a:schemeClr>
+              </a:solidFill>
+            </a:endParaRPr>
           </a:p>
         </p:txBody>
       </p:sp>
@@ -3248,12 +3482,18 @@
         </p:nvSpPr>
         <p:spPr>
           <a:xfrm>
-            <a:off x="4786622" y="3894006"/>
+            <a:off x="2283389" y="3886861"/>
             <a:ext cx="802699" cy="307777"/>
           </a:xfrm>
           <a:prstGeom prst="rect">
             <a:avLst/>
           </a:prstGeom>
+          <a:solidFill>
+            <a:schemeClr val="tx1"/>
+          </a:solidFill>
+          <a:ln>
+            <a:noFill/>
+          </a:ln>
         </p:spPr>
         <p:style>
           <a:lnRef idx="1">
@@ -3276,10 +3516,18 @@
           <a:lstStyle/>
           <a:p>
             <a:r>
-              <a:rPr lang="en-US" sz="1400" dirty="0" smtClean="0"/>
+              <a:rPr lang="en-US" sz="1400" dirty="0" smtClean="0">
+                <a:solidFill>
+                  <a:schemeClr val="bg1"/>
+                </a:solidFill>
+              </a:rPr>
               <a:t>UnitTest</a:t>
             </a:r>
-            <a:endParaRPr lang="en-US" sz="1400" dirty="0"/>
+            <a:endParaRPr lang="en-US" sz="1400" dirty="0">
+              <a:solidFill>
+                <a:schemeClr val="bg1"/>
+              </a:solidFill>
+            </a:endParaRPr>
           </a:p>
         </p:txBody>
       </p:sp>
@@ -3291,12 +3539,18 @@
         </p:nvSpPr>
         <p:spPr>
           <a:xfrm>
-            <a:off x="6309566" y="5020716"/>
+            <a:off x="3751744" y="4441114"/>
             <a:ext cx="691540" cy="307777"/>
           </a:xfrm>
           <a:prstGeom prst="rect">
             <a:avLst/>
           </a:prstGeom>
+          <a:solidFill>
+            <a:schemeClr val="tx1"/>
+          </a:solidFill>
+          <a:ln>
+            <a:noFill/>
+          </a:ln>
         </p:spPr>
         <p:style>
           <a:lnRef idx="1">
@@ -3319,10 +3573,18 @@
           <a:lstStyle/>
           <a:p>
             <a:r>
-              <a:rPr lang="en-US" sz="1400" dirty="0" smtClean="0"/>
+              <a:rPr lang="en-US" sz="1400" dirty="0" smtClean="0">
+                <a:solidFill>
+                  <a:schemeClr val="bg1"/>
+                </a:solidFill>
+              </a:rPr>
               <a:t>IntTest</a:t>
             </a:r>
-            <a:endParaRPr lang="en-US" sz="1400" dirty="0"/>
+            <a:endParaRPr lang="en-US" sz="1400" dirty="0">
+              <a:solidFill>
+                <a:schemeClr val="bg1"/>
+              </a:solidFill>
+            </a:endParaRPr>
           </a:p>
         </p:txBody>
       </p:sp>
@@ -3334,12 +3596,18 @@
         </p:nvSpPr>
         <p:spPr>
           <a:xfrm>
-            <a:off x="7211620" y="5651623"/>
+            <a:off x="3836276" y="5024909"/>
             <a:ext cx="725817" cy="307777"/>
           </a:xfrm>
           <a:prstGeom prst="rect">
             <a:avLst/>
           </a:prstGeom>
+          <a:solidFill>
+            <a:schemeClr val="tx1"/>
+          </a:solidFill>
+          <a:ln>
+            <a:noFill/>
+          </a:ln>
         </p:spPr>
         <p:style>
           <a:lnRef idx="1">
@@ -3362,10 +3630,18 @@
           <a:lstStyle/>
           <a:p>
             <a:r>
-              <a:rPr lang="en-US" sz="1400" dirty="0" smtClean="0"/>
+              <a:rPr lang="en-US" sz="1400" dirty="0" smtClean="0">
+                <a:solidFill>
+                  <a:schemeClr val="bg1"/>
+                </a:solidFill>
+              </a:rPr>
               <a:t>SysTest</a:t>
             </a:r>
-            <a:endParaRPr lang="en-US" sz="1400" dirty="0"/>
+            <a:endParaRPr lang="en-US" sz="1400" dirty="0">
+              <a:solidFill>
+                <a:schemeClr val="bg1"/>
+              </a:solidFill>
+            </a:endParaRPr>
           </a:p>
         </p:txBody>
       </p:sp>
@@ -3377,12 +3653,20 @@
         </p:nvSpPr>
         <p:spPr>
           <a:xfrm>
-            <a:off x="1006316" y="960643"/>
+            <a:off x="523503" y="1063615"/>
             <a:ext cx="813306" cy="307777"/>
           </a:xfrm>
           <a:prstGeom prst="rect">
             <a:avLst/>
           </a:prstGeom>
+          <a:solidFill>
+            <a:schemeClr val="bg1">
+              <a:lumMod val="50000"/>
+            </a:schemeClr>
+          </a:solidFill>
+          <a:ln>
+            <a:noFill/>
+          </a:ln>
         </p:spPr>
         <p:style>
           <a:lnRef idx="1">
@@ -3405,10 +3689,18 @@
           <a:lstStyle/>
           <a:p>
             <a:r>
-              <a:rPr lang="en-US" sz="1400" dirty="0" smtClean="0"/>
+              <a:rPr lang="en-US" sz="1400" dirty="0" smtClean="0">
+                <a:solidFill>
+                  <a:schemeClr val="bg1"/>
+                </a:solidFill>
+              </a:rPr>
               <a:t>Planning</a:t>
             </a:r>
-            <a:endParaRPr lang="en-US" sz="1400" dirty="0"/>
+            <a:endParaRPr lang="en-US" sz="1400" dirty="0">
+              <a:solidFill>
+                <a:schemeClr val="bg1"/>
+              </a:solidFill>
+            </a:endParaRPr>
           </a:p>
         </p:txBody>
       </p:sp>
@@ -3420,12 +3712,18 @@
         </p:nvSpPr>
         <p:spPr>
           <a:xfrm>
-            <a:off x="1708254" y="1489970"/>
+            <a:off x="1067779" y="1592942"/>
             <a:ext cx="596162" cy="307777"/>
           </a:xfrm>
           <a:prstGeom prst="rect">
             <a:avLst/>
           </a:prstGeom>
+          <a:solidFill>
+            <a:schemeClr val="accent2"/>
+          </a:solidFill>
+          <a:ln>
+            <a:noFill/>
+          </a:ln>
         </p:spPr>
         <p:style>
           <a:lnRef idx="1">
@@ -3448,10 +3746,18 @@
           <a:lstStyle/>
           <a:p>
             <a:r>
-              <a:rPr lang="en-US" sz="1400" dirty="0" smtClean="0"/>
+              <a:rPr lang="en-US" sz="1400" dirty="0" smtClean="0">
+                <a:solidFill>
+                  <a:schemeClr val="bg1"/>
+                </a:solidFill>
+              </a:rPr>
               <a:t>Reqts</a:t>
             </a:r>
-            <a:endParaRPr lang="en-US" sz="1400" dirty="0"/>
+            <a:endParaRPr lang="en-US" sz="1400" dirty="0">
+              <a:solidFill>
+                <a:schemeClr val="bg1"/>
+              </a:solidFill>
+            </a:endParaRPr>
           </a:p>
         </p:txBody>
       </p:sp>
@@ -3463,12 +3769,15 @@
         </p:nvSpPr>
         <p:spPr>
           <a:xfrm>
-            <a:off x="1331416" y="2261020"/>
-            <a:ext cx="710902" cy="307777"/>
+            <a:off x="397692" y="2007176"/>
+            <a:ext cx="730013" cy="307777"/>
           </a:xfrm>
           <a:prstGeom prst="rect">
             <a:avLst/>
           </a:prstGeom>
+          <a:ln>
+            <a:noFill/>
+          </a:ln>
         </p:spPr>
         <p:txBody>
           <a:bodyPr wrap="none">
@@ -3477,10 +3786,18 @@
           <a:lstStyle/>
           <a:p>
             <a:r>
-              <a:rPr lang="en-US" sz="1400" i="1" dirty="0" smtClean="0"/>
+              <a:rPr lang="en-US" sz="1400" b="1" i="1" dirty="0" smtClean="0">
+                <a:solidFill>
+                  <a:srgbClr val="800000"/>
+                </a:solidFill>
+              </a:rPr>
               <a:t>review</a:t>
             </a:r>
-            <a:endParaRPr lang="en-US" sz="1400" i="1" dirty="0"/>
+            <a:endParaRPr lang="en-US" sz="1400" b="1" i="1" dirty="0">
+              <a:solidFill>
+                <a:srgbClr val="800000"/>
+              </a:solidFill>
+            </a:endParaRPr>
           </a:p>
         </p:txBody>
       </p:sp>
@@ -3492,12 +3809,15 @@
         </p:nvSpPr>
         <p:spPr>
           <a:xfrm>
-            <a:off x="765074" y="1842848"/>
-            <a:ext cx="744565" cy="307777"/>
+            <a:off x="242957" y="1561437"/>
+            <a:ext cx="756925" cy="307777"/>
           </a:xfrm>
           <a:prstGeom prst="rect">
             <a:avLst/>
           </a:prstGeom>
+          <a:ln>
+            <a:noFill/>
+          </a:ln>
         </p:spPr>
         <p:txBody>
           <a:bodyPr wrap="none">
@@ -3506,10 +3826,18 @@
           <a:lstStyle/>
           <a:p>
             <a:r>
-              <a:rPr lang="en-US" sz="1400" i="1" dirty="0" smtClean="0"/>
+              <a:rPr lang="en-US" sz="1400" b="1" i="1" dirty="0" smtClean="0">
+                <a:solidFill>
+                  <a:srgbClr val="800000"/>
+                </a:solidFill>
+              </a:rPr>
               <a:t>inspect</a:t>
             </a:r>
-            <a:endParaRPr lang="en-US" sz="1400" i="1" dirty="0"/>
+            <a:endParaRPr lang="en-US" sz="1400" b="1" i="1" dirty="0">
+              <a:solidFill>
+                <a:srgbClr val="800000"/>
+              </a:solidFill>
+            </a:endParaRPr>
           </a:p>
         </p:txBody>
       </p:sp>
@@ -3521,12 +3849,18 @@
         </p:nvSpPr>
         <p:spPr>
           <a:xfrm>
-            <a:off x="3044390" y="2688739"/>
+            <a:off x="1530685" y="2688739"/>
             <a:ext cx="674709" cy="307777"/>
           </a:xfrm>
           <a:prstGeom prst="rect">
             <a:avLst/>
           </a:prstGeom>
+          <a:solidFill>
+            <a:schemeClr val="accent4"/>
+          </a:solidFill>
+          <a:ln>
+            <a:noFill/>
+          </a:ln>
         </p:spPr>
         <p:style>
           <a:lnRef idx="1">
@@ -3549,10 +3883,18 @@
           <a:lstStyle/>
           <a:p>
             <a:r>
-              <a:rPr lang="en-US" sz="1400" dirty="0" smtClean="0"/>
+              <a:rPr lang="en-US" sz="1400" dirty="0" smtClean="0">
+                <a:solidFill>
+                  <a:schemeClr val="bg1"/>
+                </a:solidFill>
+              </a:rPr>
               <a:t>Design</a:t>
             </a:r>
-            <a:endParaRPr lang="en-US" sz="1400" dirty="0"/>
+            <a:endParaRPr lang="en-US" sz="1400" dirty="0">
+              <a:solidFill>
+                <a:schemeClr val="bg1"/>
+              </a:solidFill>
+            </a:endParaRPr>
           </a:p>
         </p:txBody>
       </p:sp>
@@ -3564,8 +3906,8 @@
         </p:nvSpPr>
         <p:spPr>
           <a:xfrm>
-            <a:off x="2715108" y="3440461"/>
-            <a:ext cx="710902" cy="307777"/>
+            <a:off x="835127" y="3133166"/>
+            <a:ext cx="730013" cy="307777"/>
           </a:xfrm>
           <a:prstGeom prst="rect">
             <a:avLst/>
@@ -3578,10 +3920,22 @@
           <a:lstStyle/>
           <a:p>
             <a:r>
-              <a:rPr lang="en-US" sz="1400" i="1" dirty="0" smtClean="0"/>
+              <a:rPr lang="en-US" sz="1400" b="1" i="1" dirty="0" smtClean="0">
+                <a:solidFill>
+                  <a:schemeClr val="accent4">
+                    <a:lumMod val="75000"/>
+                  </a:schemeClr>
+                </a:solidFill>
+              </a:rPr>
               <a:t>review</a:t>
             </a:r>
-            <a:endParaRPr lang="en-US" sz="1400" i="1" dirty="0"/>
+            <a:endParaRPr lang="en-US" sz="1400" b="1" i="1" dirty="0">
+              <a:solidFill>
+                <a:schemeClr val="accent4">
+                  <a:lumMod val="75000"/>
+                </a:schemeClr>
+              </a:solidFill>
+            </a:endParaRPr>
           </a:p>
         </p:txBody>
       </p:sp>
@@ -3593,8 +3947,8 @@
         </p:nvSpPr>
         <p:spPr>
           <a:xfrm>
-            <a:off x="2054602" y="2971683"/>
-            <a:ext cx="744565" cy="307777"/>
+            <a:off x="551262" y="2735190"/>
+            <a:ext cx="756925" cy="307777"/>
           </a:xfrm>
           <a:prstGeom prst="rect">
             <a:avLst/>
@@ -3607,10 +3961,22 @@
           <a:lstStyle/>
           <a:p>
             <a:r>
-              <a:rPr lang="en-US" sz="1400" i="1" dirty="0" smtClean="0"/>
+              <a:rPr lang="en-US" sz="1400" b="1" i="1" dirty="0" smtClean="0">
+                <a:solidFill>
+                  <a:schemeClr val="accent4">
+                    <a:lumMod val="75000"/>
+                  </a:schemeClr>
+                </a:solidFill>
+              </a:rPr>
               <a:t>inspect</a:t>
             </a:r>
-            <a:endParaRPr lang="en-US" sz="1400" i="1" dirty="0"/>
+            <a:endParaRPr lang="en-US" sz="1400" b="1" i="1" dirty="0">
+              <a:solidFill>
+                <a:schemeClr val="accent4">
+                  <a:lumMod val="75000"/>
+                </a:schemeClr>
+              </a:solidFill>
+            </a:endParaRPr>
           </a:p>
         </p:txBody>
       </p:sp>
@@ -3622,12 +3988,20 @@
         </p:nvSpPr>
         <p:spPr>
           <a:xfrm>
-            <a:off x="2412999" y="2161065"/>
+            <a:off x="1484545" y="2161065"/>
             <a:ext cx="482461" cy="307777"/>
           </a:xfrm>
           <a:prstGeom prst="rect">
             <a:avLst/>
           </a:prstGeom>
+          <a:solidFill>
+            <a:schemeClr val="accent5">
+              <a:lumMod val="75000"/>
+            </a:schemeClr>
+          </a:solidFill>
+          <a:ln>
+            <a:noFill/>
+          </a:ln>
         </p:spPr>
         <p:style>
           <a:lnRef idx="1">
@@ -3650,10 +4024,18 @@
           <a:lstStyle/>
           <a:p>
             <a:r>
-              <a:rPr lang="en-US" sz="1400" dirty="0" smtClean="0"/>
+              <a:rPr lang="en-US" sz="1400" dirty="0" smtClean="0">
+                <a:solidFill>
+                  <a:schemeClr val="bg1"/>
+                </a:solidFill>
+              </a:rPr>
               <a:t>HLD</a:t>
             </a:r>
-            <a:endParaRPr lang="en-US" sz="1400" dirty="0"/>
+            <a:endParaRPr lang="en-US" sz="1400" dirty="0">
+              <a:solidFill>
+                <a:schemeClr val="bg1"/>
+              </a:solidFill>
+            </a:endParaRPr>
           </a:p>
         </p:txBody>
       </p:sp>
@@ -3665,12 +4047,15 @@
         </p:nvSpPr>
         <p:spPr>
           <a:xfrm>
-            <a:off x="3094989" y="1911776"/>
-            <a:ext cx="710902" cy="307777"/>
+            <a:off x="2117287" y="2047440"/>
+            <a:ext cx="730013" cy="307777"/>
           </a:xfrm>
           <a:prstGeom prst="rect">
             <a:avLst/>
           </a:prstGeom>
+          <a:ln>
+            <a:noFill/>
+          </a:ln>
         </p:spPr>
         <p:txBody>
           <a:bodyPr wrap="none">
@@ -3679,10 +4064,22 @@
           <a:lstStyle/>
           <a:p>
             <a:r>
-              <a:rPr lang="en-US" sz="1400" i="1" dirty="0" smtClean="0"/>
+              <a:rPr lang="en-US" sz="1400" b="1" i="1" dirty="0" smtClean="0">
+                <a:solidFill>
+                  <a:schemeClr val="accent5">
+                    <a:lumMod val="75000"/>
+                  </a:schemeClr>
+                </a:solidFill>
+              </a:rPr>
               <a:t>review</a:t>
             </a:r>
-            <a:endParaRPr lang="en-US" sz="1400" i="1" dirty="0"/>
+            <a:endParaRPr lang="en-US" sz="1400" b="1" i="1" dirty="0">
+              <a:solidFill>
+                <a:schemeClr val="accent5">
+                  <a:lumMod val="75000"/>
+                </a:schemeClr>
+              </a:solidFill>
+            </a:endParaRPr>
           </a:p>
         </p:txBody>
       </p:sp>
@@ -3694,12 +4091,15 @@
         </p:nvSpPr>
         <p:spPr>
           <a:xfrm>
-            <a:off x="2758206" y="1470437"/>
-            <a:ext cx="744565" cy="307777"/>
+            <a:off x="2170680" y="1689859"/>
+            <a:ext cx="756925" cy="307777"/>
           </a:xfrm>
           <a:prstGeom prst="rect">
             <a:avLst/>
           </a:prstGeom>
+          <a:ln>
+            <a:noFill/>
+          </a:ln>
         </p:spPr>
         <p:txBody>
           <a:bodyPr wrap="none">
@@ -3708,10 +4108,22 @@
           <a:lstStyle/>
           <a:p>
             <a:r>
-              <a:rPr lang="en-US" sz="1400" i="1" dirty="0" smtClean="0"/>
+              <a:rPr lang="en-US" sz="1400" b="1" i="1" dirty="0" smtClean="0">
+                <a:solidFill>
+                  <a:schemeClr val="accent5">
+                    <a:lumMod val="75000"/>
+                  </a:schemeClr>
+                </a:solidFill>
+              </a:rPr>
               <a:t>inspect</a:t>
             </a:r>
-            <a:endParaRPr lang="en-US" sz="1400" i="1" dirty="0"/>
+            <a:endParaRPr lang="en-US" sz="1400" b="1" i="1" dirty="0">
+              <a:solidFill>
+                <a:schemeClr val="accent5">
+                  <a:lumMod val="75000"/>
+                </a:schemeClr>
+              </a:solidFill>
+            </a:endParaRPr>
           </a:p>
         </p:txBody>
       </p:sp>
@@ -3723,12 +4135,18 @@
         </p:nvSpPr>
         <p:spPr>
           <a:xfrm>
-            <a:off x="7892959" y="6368421"/>
+            <a:off x="4142373" y="5685247"/>
             <a:ext cx="991352" cy="307777"/>
           </a:xfrm>
           <a:prstGeom prst="rect">
             <a:avLst/>
           </a:prstGeom>
+          <a:solidFill>
+            <a:schemeClr val="tx1"/>
+          </a:solidFill>
+          <a:ln>
+            <a:noFill/>
+          </a:ln>
         </p:spPr>
         <p:style>
           <a:lnRef idx="1">
@@ -3751,10 +4169,18 @@
           <a:lstStyle/>
           <a:p>
             <a:r>
-              <a:rPr lang="en-US" sz="1400" dirty="0" smtClean="0"/>
+              <a:rPr lang="en-US" sz="1400" dirty="0" smtClean="0">
+                <a:solidFill>
+                  <a:schemeClr val="bg1"/>
+                </a:solidFill>
+              </a:rPr>
               <a:t>AcceptTest</a:t>
             </a:r>
-            <a:endParaRPr lang="en-US" sz="1400" dirty="0"/>
+            <a:endParaRPr lang="en-US" sz="1400" dirty="0">
+              <a:solidFill>
+                <a:schemeClr val="bg1"/>
+              </a:solidFill>
+            </a:endParaRPr>
           </a:p>
         </p:txBody>
       </p:sp>
@@ -3766,12 +4192,18 @@
         </p:nvSpPr>
         <p:spPr>
           <a:xfrm>
-            <a:off x="5545316" y="4432018"/>
+            <a:off x="2508823" y="4428453"/>
             <a:ext cx="834170" cy="307777"/>
           </a:xfrm>
           <a:prstGeom prst="rect">
             <a:avLst/>
           </a:prstGeom>
+          <a:solidFill>
+            <a:schemeClr val="tx1"/>
+          </a:solidFill>
+          <a:ln>
+            <a:noFill/>
+          </a:ln>
         </p:spPr>
         <p:style>
           <a:lnRef idx="1">
@@ -3794,28 +4226,41 @@
           <a:lstStyle/>
           <a:p>
             <a:r>
-              <a:rPr lang="en-US" sz="1400" dirty="0" smtClean="0"/>
+              <a:rPr lang="en-US" sz="1400" dirty="0" smtClean="0">
+                <a:solidFill>
+                  <a:schemeClr val="bg1"/>
+                </a:solidFill>
+              </a:rPr>
               <a:t>QualTest</a:t>
             </a:r>
-            <a:endParaRPr lang="en-US" sz="1400" dirty="0"/>
+            <a:endParaRPr lang="en-US" sz="1400" dirty="0">
+              <a:solidFill>
+                <a:schemeClr val="bg1"/>
+              </a:solidFill>
+            </a:endParaRPr>
           </a:p>
         </p:txBody>
       </p:sp>
       <p:cxnSp>
         <p:nvCxnSpPr>
           <p:cNvPr id="24" name="Straight Arrow Connector 23"/>
-          <p:cNvCxnSpPr/>
+          <p:cNvCxnSpPr>
+            <a:endCxn id="11" idx="0"/>
+          </p:cNvCxnSpPr>
           <p:nvPr/>
         </p:nvCxnSpPr>
         <p:spPr>
           <a:xfrm>
-            <a:off x="700739" y="723319"/>
-            <a:ext cx="268851" cy="204764"/>
+            <a:off x="728448" y="808773"/>
+            <a:ext cx="201708" cy="254842"/>
           </a:xfrm>
           <a:prstGeom prst="straightConnector1">
             <a:avLst/>
           </a:prstGeom>
           <a:ln>
+            <a:solidFill>
+              <a:schemeClr val="tx1"/>
+            </a:solidFill>
             <a:tailEnd type="arrow"/>
           </a:ln>
         </p:spPr>
@@ -3842,13 +4287,16 @@
         </p:nvCxnSpPr>
         <p:spPr>
           <a:xfrm>
-            <a:off x="1411619" y="1287126"/>
-            <a:ext cx="268851" cy="204764"/>
+            <a:off x="1067779" y="1371392"/>
+            <a:ext cx="164914" cy="205952"/>
           </a:xfrm>
           <a:prstGeom prst="straightConnector1">
             <a:avLst/>
           </a:prstGeom>
           <a:ln>
+            <a:solidFill>
+              <a:schemeClr val="tx1"/>
+            </a:solidFill>
             <a:tailEnd type="arrow"/>
           </a:ln>
         </p:spPr>
@@ -3870,51 +4318,23 @@
       <p:cxnSp>
         <p:nvCxnSpPr>
           <p:cNvPr id="26" name="Straight Arrow Connector 25"/>
-          <p:cNvCxnSpPr/>
+          <p:cNvCxnSpPr>
+            <a:stCxn id="12" idx="2"/>
+          </p:cNvCxnSpPr>
           <p:nvPr/>
         </p:nvCxnSpPr>
         <p:spPr>
           <a:xfrm>
-            <a:off x="2077480" y="1830246"/>
-            <a:ext cx="335519" cy="263169"/>
+            <a:off x="1365860" y="1900719"/>
+            <a:ext cx="170171" cy="209429"/>
           </a:xfrm>
           <a:prstGeom prst="straightConnector1">
             <a:avLst/>
           </a:prstGeom>
           <a:ln>
-            <a:tailEnd type="arrow"/>
-          </a:ln>
-        </p:spPr>
-        <p:style>
-          <a:lnRef idx="2">
-            <a:schemeClr val="accent1"/>
-          </a:lnRef>
-          <a:fillRef idx="0">
-            <a:schemeClr val="accent1"/>
-          </a:fillRef>
-          <a:effectRef idx="1">
-            <a:schemeClr val="accent1"/>
-          </a:effectRef>
-          <a:fontRef idx="minor">
-            <a:schemeClr val="tx1"/>
-          </a:fontRef>
-        </p:style>
-      </p:cxnSp>
-      <p:cxnSp>
-        <p:nvCxnSpPr>
-          <p:cNvPr id="33" name="Straight Arrow Connector 32"/>
-          <p:cNvCxnSpPr/>
-          <p:nvPr/>
-        </p:nvCxnSpPr>
-        <p:spPr>
-          <a:xfrm>
-            <a:off x="2889834" y="2437240"/>
-            <a:ext cx="244532" cy="171265"/>
-          </a:xfrm>
-          <a:prstGeom prst="straightConnector1">
-            <a:avLst/>
-          </a:prstGeom>
-          <a:ln>
+            <a:solidFill>
+              <a:schemeClr val="tx1"/>
+            </a:solidFill>
             <a:tailEnd type="arrow"/>
           </a:ln>
         </p:spPr>
@@ -3941,13 +4361,16 @@
         </p:nvCxnSpPr>
         <p:spPr>
           <a:xfrm>
-            <a:off x="3620882" y="2999058"/>
-            <a:ext cx="316504" cy="256838"/>
+            <a:off x="1962431" y="2996516"/>
+            <a:ext cx="221266" cy="259380"/>
           </a:xfrm>
           <a:prstGeom prst="straightConnector1">
             <a:avLst/>
           </a:prstGeom>
           <a:ln>
+            <a:solidFill>
+              <a:schemeClr val="tx1"/>
+            </a:solidFill>
             <a:tailEnd type="arrow"/>
           </a:ln>
         </p:spPr>
@@ -3974,13 +4397,16 @@
         </p:nvCxnSpPr>
         <p:spPr>
           <a:xfrm>
-            <a:off x="4426032" y="3615068"/>
+            <a:off x="2335362" y="3599164"/>
             <a:ext cx="311747" cy="278938"/>
           </a:xfrm>
           <a:prstGeom prst="straightConnector1">
             <a:avLst/>
           </a:prstGeom>
           <a:ln w="28575" cmpd="sng">
+            <a:solidFill>
+              <a:schemeClr val="tx1"/>
+            </a:solidFill>
             <a:tailEnd type="arrow"/>
           </a:ln>
         </p:spPr>
@@ -4007,13 +4433,16 @@
         </p:nvCxnSpPr>
         <p:spPr>
           <a:xfrm>
-            <a:off x="5273100" y="4198218"/>
+            <a:off x="2849381" y="4194653"/>
             <a:ext cx="236810" cy="233800"/>
           </a:xfrm>
           <a:prstGeom prst="straightConnector1">
             <a:avLst/>
           </a:prstGeom>
           <a:ln>
+            <a:solidFill>
+              <a:schemeClr val="tx1"/>
+            </a:solidFill>
             <a:tailEnd type="arrow"/>
           </a:ln>
         </p:spPr>
@@ -4040,13 +4469,16 @@
         </p:nvCxnSpPr>
         <p:spPr>
           <a:xfrm>
-            <a:off x="5973837" y="4736230"/>
-            <a:ext cx="298283" cy="251926"/>
+            <a:off x="3342993" y="4610267"/>
+            <a:ext cx="361904" cy="0"/>
           </a:xfrm>
           <a:prstGeom prst="straightConnector1">
             <a:avLst/>
           </a:prstGeom>
           <a:ln>
+            <a:solidFill>
+              <a:schemeClr val="tx1"/>
+            </a:solidFill>
             <a:tailEnd type="arrow"/>
           </a:ln>
         </p:spPr>
@@ -4073,13 +4505,16 @@
         </p:nvCxnSpPr>
         <p:spPr>
           <a:xfrm>
-            <a:off x="6793758" y="5360750"/>
-            <a:ext cx="387061" cy="290873"/>
+            <a:off x="3985172" y="4722614"/>
+            <a:ext cx="214013" cy="276018"/>
           </a:xfrm>
           <a:prstGeom prst="straightConnector1">
             <a:avLst/>
           </a:prstGeom>
           <a:ln>
+            <a:solidFill>
+              <a:schemeClr val="tx1"/>
+            </a:solidFill>
             <a:tailEnd type="arrow"/>
           </a:ln>
         </p:spPr>
@@ -4101,18 +4536,23 @@
       <p:cxnSp>
         <p:nvCxnSpPr>
           <p:cNvPr id="40" name="Straight Arrow Connector 39"/>
-          <p:cNvCxnSpPr/>
+          <p:cNvCxnSpPr>
+            <a:endCxn id="21" idx="0"/>
+          </p:cNvCxnSpPr>
           <p:nvPr/>
         </p:nvCxnSpPr>
         <p:spPr>
           <a:xfrm>
-            <a:off x="7548555" y="5968990"/>
-            <a:ext cx="410961" cy="330819"/>
+            <a:off x="4318000" y="5332686"/>
+            <a:ext cx="320049" cy="352561"/>
           </a:xfrm>
           <a:prstGeom prst="straightConnector1">
             <a:avLst/>
           </a:prstGeom>
           <a:ln>
+            <a:solidFill>
+              <a:schemeClr val="tx1"/>
+            </a:solidFill>
             <a:tailEnd type="arrow"/>
           </a:ln>
         </p:spPr>
@@ -4139,8 +4579,8 @@
         </p:nvSpPr>
         <p:spPr>
           <a:xfrm>
-            <a:off x="1439224" y="1828211"/>
-            <a:ext cx="398072" cy="473442"/>
+            <a:off x="799362" y="1782286"/>
+            <a:ext cx="332327" cy="250165"/>
           </a:xfrm>
           <a:custGeom>
             <a:avLst/>
@@ -4153,6 +4593,86 @@
               <a:gd name="connsiteY2" fmla="*/ 162802 h 473442"/>
               <a:gd name="connsiteX3" fmla="*/ 197270 w 398072"/>
               <a:gd name="connsiteY3" fmla="*/ 0 h 473442"/>
+              <a:gd name="connsiteX0" fmla="*/ 392402 w 397828"/>
+              <a:gd name="connsiteY0" fmla="*/ 181457 h 622338"/>
+              <a:gd name="connsiteX1" fmla="*/ 343558 w 397828"/>
+              <a:gd name="connsiteY1" fmla="*/ 621020 h 622338"/>
+              <a:gd name="connsiteX2" fmla="*/ 1650 w 397828"/>
+              <a:gd name="connsiteY2" fmla="*/ 311698 h 622338"/>
+              <a:gd name="connsiteX3" fmla="*/ 232060 w 397828"/>
+              <a:gd name="connsiteY3" fmla="*/ 0 h 622338"/>
+              <a:gd name="connsiteX0" fmla="*/ 505775 w 516454"/>
+              <a:gd name="connsiteY0" fmla="*/ 181457 h 621345"/>
+              <a:gd name="connsiteX1" fmla="*/ 456931 w 516454"/>
+              <a:gd name="connsiteY1" fmla="*/ 621020 h 621345"/>
+              <a:gd name="connsiteX2" fmla="*/ 1161 w 516454"/>
+              <a:gd name="connsiteY2" fmla="*/ 119008 h 621345"/>
+              <a:gd name="connsiteX3" fmla="*/ 345433 w 516454"/>
+              <a:gd name="connsiteY3" fmla="*/ 0 h 621345"/>
+              <a:gd name="connsiteX0" fmla="*/ 505775 w 505922"/>
+              <a:gd name="connsiteY0" fmla="*/ 181457 h 507751"/>
+              <a:gd name="connsiteX1" fmla="*/ 97827 w 505922"/>
+              <a:gd name="connsiteY1" fmla="*/ 507158 h 507751"/>
+              <a:gd name="connsiteX2" fmla="*/ 1161 w 505922"/>
+              <a:gd name="connsiteY2" fmla="*/ 119008 h 507751"/>
+              <a:gd name="connsiteX3" fmla="*/ 345433 w 505922"/>
+              <a:gd name="connsiteY3" fmla="*/ 0 h 507751"/>
+              <a:gd name="connsiteX0" fmla="*/ 505775 w 505939"/>
+              <a:gd name="connsiteY0" fmla="*/ 181457 h 395802"/>
+              <a:gd name="connsiteX1" fmla="*/ 132861 w 505939"/>
+              <a:gd name="connsiteY1" fmla="*/ 393295 h 395802"/>
+              <a:gd name="connsiteX2" fmla="*/ 1161 w 505939"/>
+              <a:gd name="connsiteY2" fmla="*/ 119008 h 395802"/>
+              <a:gd name="connsiteX3" fmla="*/ 345433 w 505939"/>
+              <a:gd name="connsiteY3" fmla="*/ 0 h 395802"/>
+              <a:gd name="connsiteX0" fmla="*/ 418531 w 418687"/>
+              <a:gd name="connsiteY0" fmla="*/ 181457 h 393300"/>
+              <a:gd name="connsiteX1" fmla="*/ 45617 w 418687"/>
+              <a:gd name="connsiteY1" fmla="*/ 393295 h 393300"/>
+              <a:gd name="connsiteX2" fmla="*/ 1504 w 418687"/>
+              <a:gd name="connsiteY2" fmla="*/ 180319 h 393300"/>
+              <a:gd name="connsiteX3" fmla="*/ 258189 w 418687"/>
+              <a:gd name="connsiteY3" fmla="*/ 0 h 393300"/>
+              <a:gd name="connsiteX0" fmla="*/ 356809 w 356995"/>
+              <a:gd name="connsiteY0" fmla="*/ 181457 h 393300"/>
+              <a:gd name="connsiteX1" fmla="*/ 45617 w 356995"/>
+              <a:gd name="connsiteY1" fmla="*/ 393295 h 393300"/>
+              <a:gd name="connsiteX2" fmla="*/ 1504 w 356995"/>
+              <a:gd name="connsiteY2" fmla="*/ 180319 h 393300"/>
+              <a:gd name="connsiteX3" fmla="*/ 258189 w 356995"/>
+              <a:gd name="connsiteY3" fmla="*/ 0 h 393300"/>
+              <a:gd name="connsiteX0" fmla="*/ 356532 w 356718"/>
+              <a:gd name="connsiteY0" fmla="*/ 194184 h 406027"/>
+              <a:gd name="connsiteX1" fmla="*/ 45340 w 356718"/>
+              <a:gd name="connsiteY1" fmla="*/ 406022 h 406027"/>
+              <a:gd name="connsiteX2" fmla="*/ 1227 w 356718"/>
+              <a:gd name="connsiteY2" fmla="*/ 193046 h 406027"/>
+              <a:gd name="connsiteX3" fmla="*/ 325245 w 356718"/>
+              <a:gd name="connsiteY3" fmla="*/ 0 h 406027"/>
+              <a:gd name="connsiteX0" fmla="*/ 322239 w 322416"/>
+              <a:gd name="connsiteY0" fmla="*/ 194184 h 409344"/>
+              <a:gd name="connsiteX1" fmla="*/ 11047 w 322416"/>
+              <a:gd name="connsiteY1" fmla="*/ 406022 h 409344"/>
+              <a:gd name="connsiteX2" fmla="*/ 51100 w 322416"/>
+              <a:gd name="connsiteY2" fmla="*/ 116682 h 409344"/>
+              <a:gd name="connsiteX3" fmla="*/ 290952 w 322416"/>
+              <a:gd name="connsiteY3" fmla="*/ 0 h 409344"/>
+              <a:gd name="connsiteX0" fmla="*/ 272734 w 273040"/>
+              <a:gd name="connsiteY0" fmla="*/ 194184 h 375630"/>
+              <a:gd name="connsiteX1" fmla="*/ 79375 w 273040"/>
+              <a:gd name="connsiteY1" fmla="*/ 367839 h 375630"/>
+              <a:gd name="connsiteX2" fmla="*/ 1595 w 273040"/>
+              <a:gd name="connsiteY2" fmla="*/ 116682 h 375630"/>
+              <a:gd name="connsiteX3" fmla="*/ 241447 w 273040"/>
+              <a:gd name="connsiteY3" fmla="*/ 0 h 375630"/>
+              <a:gd name="connsiteX0" fmla="*/ 217021 w 217310"/>
+              <a:gd name="connsiteY0" fmla="*/ 194184 h 371067"/>
+              <a:gd name="connsiteX1" fmla="*/ 23662 w 217310"/>
+              <a:gd name="connsiteY1" fmla="*/ 367839 h 371067"/>
+              <a:gd name="connsiteX2" fmla="*/ 1993 w 217310"/>
+              <a:gd name="connsiteY2" fmla="*/ 180319 h 371067"/>
+              <a:gd name="connsiteX3" fmla="*/ 185734 w 217310"/>
+              <a:gd name="connsiteY3" fmla="*/ 0 h 371067"/>
             </a:gdLst>
             <a:ahLst/>
             <a:cxnLst>
@@ -4171,30 +4691,33 @@
             </a:cxnLst>
             <a:rect l="l" t="t" r="r" b="b"/>
             <a:pathLst>
-              <a:path w="398072" h="473442">
+              <a:path w="217310" h="371067">
                 <a:moveTo>
-                  <a:pt x="392646" y="32561"/>
+                  <a:pt x="217021" y="194184"/>
                 </a:moveTo>
                 <a:cubicBezTo>
-                  <a:pt x="400786" y="241489"/>
-                  <a:pt x="408927" y="450417"/>
-                  <a:pt x="343802" y="472124"/>
+                  <a:pt x="225161" y="403112"/>
+                  <a:pt x="59500" y="370150"/>
+                  <a:pt x="23662" y="367839"/>
                 </a:cubicBezTo>
                 <a:cubicBezTo>
-                  <a:pt x="278677" y="493831"/>
-                  <a:pt x="26316" y="241489"/>
-                  <a:pt x="1894" y="162802"/>
+                  <a:pt x="-12176" y="365528"/>
+                  <a:pt x="26415" y="259006"/>
+                  <a:pt x="1993" y="180319"/>
                 </a:cubicBezTo>
                 <a:cubicBezTo>
-                  <a:pt x="-22528" y="84115"/>
-                  <a:pt x="197270" y="0"/>
-                  <a:pt x="197270" y="0"/>
+                  <a:pt x="-22429" y="101632"/>
+                  <a:pt x="185734" y="0"/>
+                  <a:pt x="185734" y="0"/>
                 </a:cubicBezTo>
               </a:path>
             </a:pathLst>
           </a:custGeom>
           <a:ln w="28575" cmpd="sng">
-            <a:prstDash val="dash"/>
+            <a:solidFill>
+              <a:srgbClr val="800000"/>
+            </a:solidFill>
+            <a:prstDash val="solid"/>
             <a:headEnd type="none"/>
             <a:tailEnd type="triangle"/>
           </a:ln>
@@ -4230,8 +4753,8 @@
         </p:nvSpPr>
         <p:spPr>
           <a:xfrm>
-            <a:off x="2754604" y="3035293"/>
-            <a:ext cx="398072" cy="473442"/>
+            <a:off x="1127705" y="2868879"/>
+            <a:ext cx="510304" cy="401144"/>
           </a:xfrm>
           <a:custGeom>
             <a:avLst/>
@@ -4244,6 +4767,30 @@
               <a:gd name="connsiteY2" fmla="*/ 162802 h 473442"/>
               <a:gd name="connsiteX3" fmla="*/ 197270 w 398072"/>
               <a:gd name="connsiteY3" fmla="*/ 0 h 473442"/>
+              <a:gd name="connsiteX0" fmla="*/ 391915 w 397341"/>
+              <a:gd name="connsiteY0" fmla="*/ 338255 h 779136"/>
+              <a:gd name="connsiteX1" fmla="*/ 343071 w 397341"/>
+              <a:gd name="connsiteY1" fmla="*/ 777818 h 779136"/>
+              <a:gd name="connsiteX2" fmla="*/ 1163 w 397341"/>
+              <a:gd name="connsiteY2" fmla="*/ 468496 h 779136"/>
+              <a:gd name="connsiteX3" fmla="*/ 345068 w 397341"/>
+              <a:gd name="connsiteY3" fmla="*/ 0 h 779136"/>
+              <a:gd name="connsiteX0" fmla="*/ 278417 w 280891"/>
+              <a:gd name="connsiteY0" fmla="*/ 338255 h 778073"/>
+              <a:gd name="connsiteX1" fmla="*/ 229573 w 280891"/>
+              <a:gd name="connsiteY1" fmla="*/ 777818 h 778073"/>
+              <a:gd name="connsiteX2" fmla="*/ 1653 w 280891"/>
+              <a:gd name="connsiteY2" fmla="*/ 400564 h 778073"/>
+              <a:gd name="connsiteX3" fmla="*/ 231570 w 280891"/>
+              <a:gd name="connsiteY3" fmla="*/ 0 h 778073"/>
+              <a:gd name="connsiteX0" fmla="*/ 199658 w 201250"/>
+              <a:gd name="connsiteY0" fmla="*/ 338255 h 777821"/>
+              <a:gd name="connsiteX1" fmla="*/ 150814 w 201250"/>
+              <a:gd name="connsiteY1" fmla="*/ 777818 h 777821"/>
+              <a:gd name="connsiteX2" fmla="*/ 2339 w 201250"/>
+              <a:gd name="connsiteY2" fmla="*/ 332631 h 777821"/>
+              <a:gd name="connsiteX3" fmla="*/ 152811 w 201250"/>
+              <a:gd name="connsiteY3" fmla="*/ 0 h 777821"/>
             </a:gdLst>
             <a:ahLst/>
             <a:cxnLst>
@@ -4262,30 +4809,35 @@
             </a:cxnLst>
             <a:rect l="l" t="t" r="r" b="b"/>
             <a:pathLst>
-              <a:path w="398072" h="473442">
+              <a:path w="201250" h="777821">
                 <a:moveTo>
-                  <a:pt x="392646" y="32561"/>
+                  <a:pt x="199658" y="338255"/>
                 </a:moveTo>
                 <a:cubicBezTo>
-                  <a:pt x="400786" y="241489"/>
-                  <a:pt x="408927" y="450417"/>
-                  <a:pt x="343802" y="472124"/>
+                  <a:pt x="207798" y="547183"/>
+                  <a:pt x="183700" y="778755"/>
+                  <a:pt x="150814" y="777818"/>
                 </a:cubicBezTo>
                 <a:cubicBezTo>
-                  <a:pt x="278677" y="493831"/>
-                  <a:pt x="26316" y="241489"/>
-                  <a:pt x="1894" y="162802"/>
+                  <a:pt x="117928" y="776881"/>
+                  <a:pt x="26761" y="411318"/>
+                  <a:pt x="2339" y="332631"/>
                 </a:cubicBezTo>
                 <a:cubicBezTo>
-                  <a:pt x="-22528" y="84115"/>
-                  <a:pt x="197270" y="0"/>
-                  <a:pt x="197270" y="0"/>
+                  <a:pt x="-22083" y="253944"/>
+                  <a:pt x="152811" y="0"/>
+                  <a:pt x="152811" y="0"/>
                 </a:cubicBezTo>
               </a:path>
             </a:pathLst>
           </a:custGeom>
           <a:ln w="28575" cmpd="sng">
-            <a:prstDash val="dash"/>
+            <a:solidFill>
+              <a:schemeClr val="accent4">
+                <a:lumMod val="75000"/>
+              </a:schemeClr>
+            </a:solidFill>
+            <a:prstDash val="solid"/>
             <a:headEnd type="none"/>
             <a:tailEnd type="triangle"/>
           </a:ln>
@@ -4321,8 +4873,8 @@
         </p:nvSpPr>
         <p:spPr>
           <a:xfrm flipV="1">
-            <a:off x="2684750" y="1811430"/>
-            <a:ext cx="449616" cy="460164"/>
+            <a:off x="1726379" y="1939197"/>
+            <a:ext cx="548916" cy="326061"/>
           </a:xfrm>
           <a:custGeom>
             <a:avLst/>
@@ -4383,6 +4935,22 @@
               <a:gd name="connsiteY2" fmla="*/ 439562 h 460164"/>
               <a:gd name="connsiteX3" fmla="*/ 30150 w 449616"/>
               <a:gd name="connsiteY3" fmla="*/ 162800 h 460164"/>
+              <a:gd name="connsiteX0" fmla="*/ 227939 w 410730"/>
+              <a:gd name="connsiteY0" fmla="*/ 0 h 432508"/>
+              <a:gd name="connsiteX1" fmla="*/ 407033 w 410730"/>
+              <a:gd name="connsiteY1" fmla="*/ 390722 h 432508"/>
+              <a:gd name="connsiteX2" fmla="*/ 140138 w 410730"/>
+              <a:gd name="connsiteY2" fmla="*/ 395769 h 432508"/>
+              <a:gd name="connsiteX3" fmla="*/ 0 w 410730"/>
+              <a:gd name="connsiteY3" fmla="*/ 162800 h 432508"/>
+              <a:gd name="connsiteX0" fmla="*/ 227939 w 452788"/>
+              <a:gd name="connsiteY0" fmla="*/ 0 h 427846"/>
+              <a:gd name="connsiteX1" fmla="*/ 450827 w 452788"/>
+              <a:gd name="connsiteY1" fmla="*/ 381963 h 427846"/>
+              <a:gd name="connsiteX2" fmla="*/ 140138 w 452788"/>
+              <a:gd name="connsiteY2" fmla="*/ 395769 h 427846"/>
+              <a:gd name="connsiteX3" fmla="*/ 0 w 452788"/>
+              <a:gd name="connsiteY3" fmla="*/ 162800 h 427846"/>
             </a:gdLst>
             <a:ahLst/>
             <a:cxnLst>
@@ -4401,30 +4969,35 @@
             </a:cxnLst>
             <a:rect l="l" t="t" r="r" b="b"/>
             <a:pathLst>
-              <a:path w="449616" h="460164">
+              <a:path w="452788" h="427846">
                 <a:moveTo>
-                  <a:pt x="258089" y="0"/>
+                  <a:pt x="227939" y="0"/>
                 </a:moveTo>
                 <a:cubicBezTo>
-                  <a:pt x="429042" y="111248"/>
-                  <a:pt x="475173" y="317462"/>
-                  <a:pt x="437183" y="390722"/>
+                  <a:pt x="398892" y="111248"/>
+                  <a:pt x="465460" y="316002"/>
+                  <a:pt x="450827" y="381963"/>
                 </a:cubicBezTo>
                 <a:cubicBezTo>
-                  <a:pt x="399193" y="463982"/>
-                  <a:pt x="97989" y="477549"/>
-                  <a:pt x="30150" y="439562"/>
+                  <a:pt x="436194" y="447924"/>
+                  <a:pt x="207977" y="433756"/>
+                  <a:pt x="140138" y="395769"/>
                 </a:cubicBezTo>
                 <a:cubicBezTo>
-                  <a:pt x="-37689" y="401575"/>
-                  <a:pt x="30150" y="162800"/>
-                  <a:pt x="30150" y="162800"/>
+                  <a:pt x="72299" y="357782"/>
+                  <a:pt x="0" y="162800"/>
+                  <a:pt x="0" y="162800"/>
                 </a:cubicBezTo>
               </a:path>
             </a:pathLst>
           </a:custGeom>
           <a:ln w="28575" cmpd="sng">
-            <a:prstDash val="dash"/>
+            <a:solidFill>
+              <a:schemeClr val="accent5">
+                <a:lumMod val="75000"/>
+              </a:schemeClr>
+            </a:solidFill>
+            <a:prstDash val="solid"/>
             <a:headEnd type="none"/>
             <a:tailEnd type="triangle"/>
           </a:ln>
@@ -4460,8 +5033,8 @@
         </p:nvSpPr>
         <p:spPr>
           <a:xfrm flipV="1">
-            <a:off x="4365875" y="2931655"/>
-            <a:ext cx="449616" cy="460164"/>
+            <a:off x="2309111" y="3002488"/>
+            <a:ext cx="593330" cy="389864"/>
           </a:xfrm>
           <a:custGeom>
             <a:avLst/>
@@ -4522,6 +5095,22 @@
               <a:gd name="connsiteY2" fmla="*/ 439562 h 460164"/>
               <a:gd name="connsiteX3" fmla="*/ 30150 w 449616"/>
               <a:gd name="connsiteY3" fmla="*/ 162800 h 460164"/>
+              <a:gd name="connsiteX0" fmla="*/ 129721 w 438418"/>
+              <a:gd name="connsiteY0" fmla="*/ 0 h 482621"/>
+              <a:gd name="connsiteX1" fmla="*/ 437183 w 438418"/>
+              <a:gd name="connsiteY1" fmla="*/ 412272 h 482621"/>
+              <a:gd name="connsiteX2" fmla="*/ 30150 w 438418"/>
+              <a:gd name="connsiteY2" fmla="*/ 461112 h 482621"/>
+              <a:gd name="connsiteX3" fmla="*/ 30150 w 438418"/>
+              <a:gd name="connsiteY3" fmla="*/ 184350 h 482621"/>
+              <a:gd name="connsiteX0" fmla="*/ 129721 w 322073"/>
+              <a:gd name="connsiteY0" fmla="*/ 0 h 479627"/>
+              <a:gd name="connsiteX1" fmla="*/ 318323 w 322073"/>
+              <a:gd name="connsiteY1" fmla="*/ 401496 h 479627"/>
+              <a:gd name="connsiteX2" fmla="*/ 30150 w 322073"/>
+              <a:gd name="connsiteY2" fmla="*/ 461112 h 479627"/>
+              <a:gd name="connsiteX3" fmla="*/ 30150 w 322073"/>
+              <a:gd name="connsiteY3" fmla="*/ 184350 h 479627"/>
             </a:gdLst>
             <a:ahLst/>
             <a:cxnLst>
@@ -4540,30 +5129,33 @@
             </a:cxnLst>
             <a:rect l="l" t="t" r="r" b="b"/>
             <a:pathLst>
-              <a:path w="449616" h="460164">
+              <a:path w="322073" h="479627">
                 <a:moveTo>
-                  <a:pt x="258089" y="0"/>
+                  <a:pt x="129721" y="0"/>
                 </a:moveTo>
                 <a:cubicBezTo>
-                  <a:pt x="429042" y="111248"/>
-                  <a:pt x="475173" y="317462"/>
-                  <a:pt x="437183" y="390722"/>
+                  <a:pt x="300674" y="111248"/>
+                  <a:pt x="334918" y="324644"/>
+                  <a:pt x="318323" y="401496"/>
                 </a:cubicBezTo>
                 <a:cubicBezTo>
-                  <a:pt x="399193" y="463982"/>
-                  <a:pt x="97989" y="477549"/>
-                  <a:pt x="30150" y="439562"/>
+                  <a:pt x="301728" y="478348"/>
+                  <a:pt x="97989" y="499099"/>
+                  <a:pt x="30150" y="461112"/>
                 </a:cubicBezTo>
                 <a:cubicBezTo>
-                  <a:pt x="-37689" y="401575"/>
-                  <a:pt x="30150" y="162800"/>
-                  <a:pt x="30150" y="162800"/>
+                  <a:pt x="-37689" y="423125"/>
+                  <a:pt x="30150" y="184350"/>
+                  <a:pt x="30150" y="184350"/>
                 </a:cubicBezTo>
               </a:path>
             </a:pathLst>
           </a:custGeom>
           <a:ln w="28575" cmpd="sng">
-            <a:prstDash val="dash"/>
+            <a:solidFill>
+              <a:schemeClr val="accent3"/>
+            </a:solidFill>
+            <a:prstDash val="solid"/>
             <a:headEnd type="none"/>
             <a:tailEnd type="triangle"/>
           </a:ln>
@@ -4588,95 +5180,6 @@
           <a:p>
             <a:pPr algn="ctr"/>
             <a:endParaRPr lang="en-US" sz="1400"/>
-          </a:p>
-        </p:txBody>
-      </p:sp>
-      <p:sp>
-        <p:nvSpPr>
-          <p:cNvPr id="2" name="TextBox 1"/>
-          <p:cNvSpPr txBox="1"/>
-          <p:nvPr/>
-        </p:nvSpPr>
-        <p:spPr>
-          <a:xfrm>
-            <a:off x="212574" y="4429429"/>
-            <a:ext cx="5173186" cy="2246769"/>
-          </a:xfrm>
-          <a:prstGeom prst="rect">
-            <a:avLst/>
-          </a:prstGeom>
-          <a:noFill/>
-        </p:spPr>
-        <p:txBody>
-          <a:bodyPr wrap="none" rtlCol="0">
-            <a:spAutoFit/>
-          </a:bodyPr>
-          <a:lstStyle/>
-          <a:p>
-            <a:r>
-              <a:rPr lang="en-US" sz="1400" b="1" u="sng" dirty="0" smtClean="0"/>
-              <a:t>Abbreviations:</a:t>
-            </a:r>
-            <a:br>
-              <a:rPr lang="en-US" sz="1400" b="1" u="sng" dirty="0" smtClean="0"/>
-            </a:br>
-            <a:endParaRPr lang="en-US" sz="1400" b="1" u="sng" dirty="0" smtClean="0"/>
-          </a:p>
-          <a:p>
-            <a:r>
-              <a:rPr lang="en-US" sz="1400" dirty="0" smtClean="0"/>
-              <a:t>Before 	= before development</a:t>
-            </a:r>
-          </a:p>
-          <a:p>
-            <a:r>
-              <a:rPr lang="en-US" sz="1400" dirty="0" smtClean="0"/>
-              <a:t>Reqts		= requirements</a:t>
-            </a:r>
-          </a:p>
-          <a:p>
-            <a:r>
-              <a:rPr lang="en-US" sz="1400" dirty="0" smtClean="0"/>
-              <a:t>HLD		= high-level design</a:t>
-            </a:r>
-          </a:p>
-          <a:p>
-            <a:r>
-              <a:rPr lang="en-US" sz="1400" dirty="0" smtClean="0"/>
-              <a:t>IntTest</a:t>
-            </a:r>
-            <a:r>
-              <a:rPr lang="en-US" sz="1400" dirty="0"/>
-              <a:t> </a:t>
-            </a:r>
-            <a:r>
-              <a:rPr lang="en-US" sz="1400" dirty="0" smtClean="0"/>
-              <a:t>	= Integration testing (with parts from other developers)</a:t>
-            </a:r>
-          </a:p>
-          <a:p>
-            <a:r>
-              <a:rPr lang="en-US" sz="1400" dirty="0" smtClean="0"/>
-              <a:t>SysTest 	= system test (e.g. load stress tests)</a:t>
-            </a:r>
-          </a:p>
-          <a:p>
-            <a:r>
-              <a:rPr lang="en-US" sz="1400" dirty="0" smtClean="0"/>
-              <a:t>AcceptTest 	= acceptance testing (with users)</a:t>
-            </a:r>
-          </a:p>
-          <a:p>
-            <a:r>
-              <a:rPr lang="en-US" sz="1400" dirty="0" smtClean="0"/>
-              <a:t>Review 	= private activity</a:t>
-            </a:r>
-          </a:p>
-          <a:p>
-            <a:r>
-              <a:rPr lang="en-US" sz="1400" dirty="0" smtClean="0"/>
-              <a:t>Inspect 	= group activity</a:t>
-            </a:r>
           </a:p>
         </p:txBody>
       </p:sp>

--- a/waterfall.pptx
+++ b/waterfall.pptx
@@ -3104,8 +3104,8 @@
         </p:nvSpPr>
         <p:spPr>
           <a:xfrm>
-            <a:off x="165783" y="4461171"/>
-            <a:ext cx="4001504" cy="2246769"/>
+            <a:off x="5434448" y="1939197"/>
+            <a:ext cx="4001504" cy="2031325"/>
           </a:xfrm>
           <a:prstGeom prst="rect">
             <a:avLst/>
@@ -3120,11 +3120,12 @@
           <a:p>
             <a:r>
               <a:rPr lang="en-US" sz="1400" b="1" u="sng" dirty="0" smtClean="0"/>
-              <a:t>Abbreviations:</a:t>
-            </a:r>
-            <a:br>
+              <a:t>Abbreviations</a:t>
+            </a:r>
+            <a:r>
               <a:rPr lang="en-US" sz="1400" b="1" u="sng" dirty="0" smtClean="0"/>
-            </a:br>
+              <a:t>:</a:t>
+            </a:r>
             <a:endParaRPr lang="en-US" sz="1400" b="1" u="sng" dirty="0" smtClean="0"/>
           </a:p>
           <a:p>
@@ -3246,8 +3247,8 @@
         </p:nvCxnSpPr>
         <p:spPr>
           <a:xfrm>
-            <a:off x="1642238" y="2481035"/>
-            <a:ext cx="178532" cy="207704"/>
+            <a:off x="1607202" y="2481035"/>
+            <a:ext cx="0" cy="207704"/>
           </a:xfrm>
           <a:prstGeom prst="straightConnector1">
             <a:avLst/>
@@ -3282,7 +3283,7 @@
         </p:nvSpPr>
         <p:spPr>
           <a:xfrm>
-            <a:off x="271748" y="489519"/>
+            <a:off x="1479244" y="500996"/>
             <a:ext cx="671979" cy="307777"/>
           </a:xfrm>
           <a:prstGeom prst="rect">
@@ -3341,7 +3342,7 @@
         </p:nvSpPr>
         <p:spPr>
           <a:xfrm>
-            <a:off x="1990414" y="3287055"/>
+            <a:off x="1518852" y="3287055"/>
             <a:ext cx="558729" cy="307777"/>
           </a:xfrm>
           <a:prstGeom prst="rect">
@@ -3400,8 +3401,8 @@
         </p:nvSpPr>
         <p:spPr>
           <a:xfrm>
-            <a:off x="2859182" y="3259710"/>
-            <a:ext cx="730013" cy="307777"/>
+            <a:off x="2197592" y="3241594"/>
+            <a:ext cx="650639" cy="276999"/>
           </a:xfrm>
           <a:prstGeom prst="rect">
             <a:avLst/>
@@ -3414,19 +3415,19 @@
           <a:lstStyle/>
           <a:p>
             <a:r>
-              <a:rPr lang="en-US" sz="1400" b="1" i="1" dirty="0" smtClean="0">
+              <a:rPr lang="en-US" sz="1200" b="1" i="1" dirty="0" smtClean="0">
                 <a:solidFill>
                   <a:schemeClr val="accent3">
-                    <a:lumMod val="50000"/>
+                    <a:lumMod val="75000"/>
                   </a:schemeClr>
                 </a:solidFill>
               </a:rPr>
               <a:t>review</a:t>
             </a:r>
-            <a:endParaRPr lang="en-US" sz="1400" b="1" i="1" dirty="0">
+            <a:endParaRPr lang="en-US" sz="1200" b="1" i="1" dirty="0">
               <a:solidFill>
                 <a:schemeClr val="accent3">
-                  <a:lumMod val="50000"/>
+                  <a:lumMod val="75000"/>
                 </a:schemeClr>
               </a:solidFill>
             </a:endParaRPr>
@@ -3441,8 +3442,8 @@
         </p:nvSpPr>
         <p:spPr>
           <a:xfrm>
-            <a:off x="2713805" y="2738775"/>
-            <a:ext cx="756925" cy="307777"/>
+            <a:off x="2175546" y="2821569"/>
+            <a:ext cx="673707" cy="276999"/>
           </a:xfrm>
           <a:prstGeom prst="rect">
             <a:avLst/>
@@ -3455,19 +3456,19 @@
           <a:lstStyle/>
           <a:p>
             <a:r>
-              <a:rPr lang="en-US" sz="1400" b="1" i="1" dirty="0" smtClean="0">
+              <a:rPr lang="en-US" sz="1200" b="1" i="1" dirty="0" smtClean="0">
                 <a:solidFill>
                   <a:schemeClr val="accent3">
-                    <a:lumMod val="50000"/>
+                    <a:lumMod val="75000"/>
                   </a:schemeClr>
                 </a:solidFill>
               </a:rPr>
               <a:t>inspect</a:t>
             </a:r>
-            <a:endParaRPr lang="en-US" sz="1400" b="1" i="1" dirty="0">
+            <a:endParaRPr lang="en-US" sz="1200" b="1" i="1" dirty="0">
               <a:solidFill>
                 <a:schemeClr val="accent3">
-                  <a:lumMod val="50000"/>
+                  <a:lumMod val="75000"/>
                 </a:schemeClr>
               </a:solidFill>
             </a:endParaRPr>
@@ -3482,7 +3483,7 @@
         </p:nvSpPr>
         <p:spPr>
           <a:xfrm>
-            <a:off x="2283389" y="3886861"/>
+            <a:off x="629782" y="3970522"/>
             <a:ext cx="802699" cy="307777"/>
           </a:xfrm>
           <a:prstGeom prst="rect">
@@ -3539,7 +3540,7 @@
         </p:nvSpPr>
         <p:spPr>
           <a:xfrm>
-            <a:off x="3751744" y="4441114"/>
+            <a:off x="629782" y="4569697"/>
             <a:ext cx="691540" cy="307777"/>
           </a:xfrm>
           <a:prstGeom prst="rect">
@@ -3596,7 +3597,7 @@
         </p:nvSpPr>
         <p:spPr>
           <a:xfrm>
-            <a:off x="3836276" y="5024909"/>
+            <a:off x="2990114" y="4568972"/>
             <a:ext cx="725817" cy="307777"/>
           </a:xfrm>
           <a:prstGeom prst="rect">
@@ -3653,7 +3654,7 @@
         </p:nvSpPr>
         <p:spPr>
           <a:xfrm>
-            <a:off x="523503" y="1063615"/>
+            <a:off x="1485569" y="1063615"/>
             <a:ext cx="813306" cy="307777"/>
           </a:xfrm>
           <a:prstGeom prst="rect">
@@ -3712,7 +3713,7 @@
         </p:nvSpPr>
         <p:spPr>
           <a:xfrm>
-            <a:off x="1067779" y="1592942"/>
+            <a:off x="1137851" y="1592942"/>
             <a:ext cx="596162" cy="307777"/>
           </a:xfrm>
           <a:prstGeom prst="rect">
@@ -3763,93 +3764,13 @@
       </p:sp>
       <p:sp>
         <p:nvSpPr>
-          <p:cNvPr id="13" name="Rectangle 12"/>
-          <p:cNvSpPr/>
-          <p:nvPr/>
-        </p:nvSpPr>
-        <p:spPr>
-          <a:xfrm>
-            <a:off x="397692" y="2007176"/>
-            <a:ext cx="730013" cy="307777"/>
-          </a:xfrm>
-          <a:prstGeom prst="rect">
-            <a:avLst/>
-          </a:prstGeom>
-          <a:ln>
-            <a:noFill/>
-          </a:ln>
-        </p:spPr>
-        <p:txBody>
-          <a:bodyPr wrap="none">
-            <a:spAutoFit/>
-          </a:bodyPr>
-          <a:lstStyle/>
-          <a:p>
-            <a:r>
-              <a:rPr lang="en-US" sz="1400" b="1" i="1" dirty="0" smtClean="0">
-                <a:solidFill>
-                  <a:srgbClr val="800000"/>
-                </a:solidFill>
-              </a:rPr>
-              <a:t>review</a:t>
-            </a:r>
-            <a:endParaRPr lang="en-US" sz="1400" b="1" i="1" dirty="0">
-              <a:solidFill>
-                <a:srgbClr val="800000"/>
-              </a:solidFill>
-            </a:endParaRPr>
-          </a:p>
-        </p:txBody>
-      </p:sp>
-      <p:sp>
-        <p:nvSpPr>
-          <p:cNvPr id="14" name="Rectangle 13"/>
-          <p:cNvSpPr/>
-          <p:nvPr/>
-        </p:nvSpPr>
-        <p:spPr>
-          <a:xfrm>
-            <a:off x="242957" y="1561437"/>
-            <a:ext cx="756925" cy="307777"/>
-          </a:xfrm>
-          <a:prstGeom prst="rect">
-            <a:avLst/>
-          </a:prstGeom>
-          <a:ln>
-            <a:noFill/>
-          </a:ln>
-        </p:spPr>
-        <p:txBody>
-          <a:bodyPr wrap="none">
-            <a:spAutoFit/>
-          </a:bodyPr>
-          <a:lstStyle/>
-          <a:p>
-            <a:r>
-              <a:rPr lang="en-US" sz="1400" b="1" i="1" dirty="0" smtClean="0">
-                <a:solidFill>
-                  <a:srgbClr val="800000"/>
-                </a:solidFill>
-              </a:rPr>
-              <a:t>inspect</a:t>
-            </a:r>
-            <a:endParaRPr lang="en-US" sz="1400" b="1" i="1" dirty="0">
-              <a:solidFill>
-                <a:srgbClr val="800000"/>
-              </a:solidFill>
-            </a:endParaRPr>
-          </a:p>
-        </p:txBody>
-      </p:sp>
-      <p:sp>
-        <p:nvSpPr>
           <p:cNvPr id="15" name="Rectangle 14"/>
           <p:cNvSpPr/>
           <p:nvPr/>
         </p:nvSpPr>
         <p:spPr>
           <a:xfrm>
-            <a:off x="1530685" y="2688739"/>
+            <a:off x="1232879" y="2688739"/>
             <a:ext cx="674709" cy="307777"/>
           </a:xfrm>
           <a:prstGeom prst="rect">
@@ -3900,95 +3821,13 @@
       </p:sp>
       <p:sp>
         <p:nvSpPr>
-          <p:cNvPr id="16" name="Rectangle 15"/>
-          <p:cNvSpPr/>
-          <p:nvPr/>
-        </p:nvSpPr>
-        <p:spPr>
-          <a:xfrm>
-            <a:off x="835127" y="3133166"/>
-            <a:ext cx="730013" cy="307777"/>
-          </a:xfrm>
-          <a:prstGeom prst="rect">
-            <a:avLst/>
-          </a:prstGeom>
-        </p:spPr>
-        <p:txBody>
-          <a:bodyPr wrap="none">
-            <a:spAutoFit/>
-          </a:bodyPr>
-          <a:lstStyle/>
-          <a:p>
-            <a:r>
-              <a:rPr lang="en-US" sz="1400" b="1" i="1" dirty="0" smtClean="0">
-                <a:solidFill>
-                  <a:schemeClr val="accent4">
-                    <a:lumMod val="75000"/>
-                  </a:schemeClr>
-                </a:solidFill>
-              </a:rPr>
-              <a:t>review</a:t>
-            </a:r>
-            <a:endParaRPr lang="en-US" sz="1400" b="1" i="1" dirty="0">
-              <a:solidFill>
-                <a:schemeClr val="accent4">
-                  <a:lumMod val="75000"/>
-                </a:schemeClr>
-              </a:solidFill>
-            </a:endParaRPr>
-          </a:p>
-        </p:txBody>
-      </p:sp>
-      <p:sp>
-        <p:nvSpPr>
-          <p:cNvPr id="17" name="Rectangle 16"/>
-          <p:cNvSpPr/>
-          <p:nvPr/>
-        </p:nvSpPr>
-        <p:spPr>
-          <a:xfrm>
-            <a:off x="551262" y="2735190"/>
-            <a:ext cx="756925" cy="307777"/>
-          </a:xfrm>
-          <a:prstGeom prst="rect">
-            <a:avLst/>
-          </a:prstGeom>
-        </p:spPr>
-        <p:txBody>
-          <a:bodyPr wrap="none">
-            <a:spAutoFit/>
-          </a:bodyPr>
-          <a:lstStyle/>
-          <a:p>
-            <a:r>
-              <a:rPr lang="en-US" sz="1400" b="1" i="1" dirty="0" smtClean="0">
-                <a:solidFill>
-                  <a:schemeClr val="accent4">
-                    <a:lumMod val="75000"/>
-                  </a:schemeClr>
-                </a:solidFill>
-              </a:rPr>
-              <a:t>inspect</a:t>
-            </a:r>
-            <a:endParaRPr lang="en-US" sz="1400" b="1" i="1" dirty="0">
-              <a:solidFill>
-                <a:schemeClr val="accent4">
-                  <a:lumMod val="75000"/>
-                </a:schemeClr>
-              </a:solidFill>
-            </a:endParaRPr>
-          </a:p>
-        </p:txBody>
-      </p:sp>
-      <p:sp>
-        <p:nvSpPr>
           <p:cNvPr id="18" name="Rectangle 17"/>
           <p:cNvSpPr/>
           <p:nvPr/>
         </p:nvSpPr>
         <p:spPr>
           <a:xfrm>
-            <a:off x="1484545" y="2161065"/>
+            <a:off x="1528340" y="2161065"/>
             <a:ext cx="482461" cy="307777"/>
           </a:xfrm>
           <a:prstGeom prst="rect">
@@ -4041,101 +3880,13 @@
       </p:sp>
       <p:sp>
         <p:nvSpPr>
-          <p:cNvPr id="19" name="Rectangle 18"/>
-          <p:cNvSpPr/>
-          <p:nvPr/>
-        </p:nvSpPr>
-        <p:spPr>
-          <a:xfrm>
-            <a:off x="2117287" y="2047440"/>
-            <a:ext cx="730013" cy="307777"/>
-          </a:xfrm>
-          <a:prstGeom prst="rect">
-            <a:avLst/>
-          </a:prstGeom>
-          <a:ln>
-            <a:noFill/>
-          </a:ln>
-        </p:spPr>
-        <p:txBody>
-          <a:bodyPr wrap="none">
-            <a:spAutoFit/>
-          </a:bodyPr>
-          <a:lstStyle/>
-          <a:p>
-            <a:r>
-              <a:rPr lang="en-US" sz="1400" b="1" i="1" dirty="0" smtClean="0">
-                <a:solidFill>
-                  <a:schemeClr val="accent5">
-                    <a:lumMod val="75000"/>
-                  </a:schemeClr>
-                </a:solidFill>
-              </a:rPr>
-              <a:t>review</a:t>
-            </a:r>
-            <a:endParaRPr lang="en-US" sz="1400" b="1" i="1" dirty="0">
-              <a:solidFill>
-                <a:schemeClr val="accent5">
-                  <a:lumMod val="75000"/>
-                </a:schemeClr>
-              </a:solidFill>
-            </a:endParaRPr>
-          </a:p>
-        </p:txBody>
-      </p:sp>
-      <p:sp>
-        <p:nvSpPr>
-          <p:cNvPr id="20" name="Rectangle 19"/>
-          <p:cNvSpPr/>
-          <p:nvPr/>
-        </p:nvSpPr>
-        <p:spPr>
-          <a:xfrm>
-            <a:off x="2170680" y="1689859"/>
-            <a:ext cx="756925" cy="307777"/>
-          </a:xfrm>
-          <a:prstGeom prst="rect">
-            <a:avLst/>
-          </a:prstGeom>
-          <a:ln>
-            <a:noFill/>
-          </a:ln>
-        </p:spPr>
-        <p:txBody>
-          <a:bodyPr wrap="none">
-            <a:spAutoFit/>
-          </a:bodyPr>
-          <a:lstStyle/>
-          <a:p>
-            <a:r>
-              <a:rPr lang="en-US" sz="1400" b="1" i="1" dirty="0" smtClean="0">
-                <a:solidFill>
-                  <a:schemeClr val="accent5">
-                    <a:lumMod val="75000"/>
-                  </a:schemeClr>
-                </a:solidFill>
-              </a:rPr>
-              <a:t>inspect</a:t>
-            </a:r>
-            <a:endParaRPr lang="en-US" sz="1400" b="1" i="1" dirty="0">
-              <a:solidFill>
-                <a:schemeClr val="accent5">
-                  <a:lumMod val="75000"/>
-                </a:schemeClr>
-              </a:solidFill>
-            </a:endParaRPr>
-          </a:p>
-        </p:txBody>
-      </p:sp>
-      <p:sp>
-        <p:nvSpPr>
           <p:cNvPr id="21" name="Rectangle 20"/>
           <p:cNvSpPr/>
           <p:nvPr/>
         </p:nvSpPr>
         <p:spPr>
           <a:xfrm>
-            <a:off x="4142373" y="5685247"/>
+            <a:off x="1665008" y="4569697"/>
             <a:ext cx="991352" cy="307777"/>
           </a:xfrm>
           <a:prstGeom prst="rect">
@@ -4192,7 +3943,7 @@
         </p:nvSpPr>
         <p:spPr>
           <a:xfrm>
-            <a:off x="2508823" y="4428453"/>
+            <a:off x="1820770" y="3958900"/>
             <a:ext cx="834170" cy="307777"/>
           </a:xfrm>
           <a:prstGeom prst="rect">
@@ -4243,126 +3994,14 @@
       </p:sp>
       <p:cxnSp>
         <p:nvCxnSpPr>
-          <p:cNvPr id="24" name="Straight Arrow Connector 23"/>
-          <p:cNvCxnSpPr>
-            <a:endCxn id="11" idx="0"/>
-          </p:cNvCxnSpPr>
-          <p:nvPr/>
-        </p:nvCxnSpPr>
-        <p:spPr>
-          <a:xfrm>
-            <a:off x="728448" y="808773"/>
-            <a:ext cx="201708" cy="254842"/>
-          </a:xfrm>
-          <a:prstGeom prst="straightConnector1">
-            <a:avLst/>
-          </a:prstGeom>
-          <a:ln>
-            <a:solidFill>
-              <a:schemeClr val="tx1"/>
-            </a:solidFill>
-            <a:tailEnd type="arrow"/>
-          </a:ln>
-        </p:spPr>
-        <p:style>
-          <a:lnRef idx="2">
-            <a:schemeClr val="accent1"/>
-          </a:lnRef>
-          <a:fillRef idx="0">
-            <a:schemeClr val="accent1"/>
-          </a:fillRef>
-          <a:effectRef idx="1">
-            <a:schemeClr val="accent1"/>
-          </a:effectRef>
-          <a:fontRef idx="minor">
-            <a:schemeClr val="tx1"/>
-          </a:fontRef>
-        </p:style>
-      </p:cxnSp>
-      <p:cxnSp>
-        <p:nvCxnSpPr>
-          <p:cNvPr id="25" name="Straight Arrow Connector 24"/>
-          <p:cNvCxnSpPr/>
-          <p:nvPr/>
-        </p:nvCxnSpPr>
-        <p:spPr>
-          <a:xfrm>
-            <a:off x="1067779" y="1371392"/>
-            <a:ext cx="164914" cy="205952"/>
-          </a:xfrm>
-          <a:prstGeom prst="straightConnector1">
-            <a:avLst/>
-          </a:prstGeom>
-          <a:ln>
-            <a:solidFill>
-              <a:schemeClr val="tx1"/>
-            </a:solidFill>
-            <a:tailEnd type="arrow"/>
-          </a:ln>
-        </p:spPr>
-        <p:style>
-          <a:lnRef idx="2">
-            <a:schemeClr val="accent1"/>
-          </a:lnRef>
-          <a:fillRef idx="0">
-            <a:schemeClr val="accent1"/>
-          </a:fillRef>
-          <a:effectRef idx="1">
-            <a:schemeClr val="accent1"/>
-          </a:effectRef>
-          <a:fontRef idx="minor">
-            <a:schemeClr val="tx1"/>
-          </a:fontRef>
-        </p:style>
-      </p:cxnSp>
-      <p:cxnSp>
-        <p:nvCxnSpPr>
-          <p:cNvPr id="26" name="Straight Arrow Connector 25"/>
-          <p:cNvCxnSpPr>
-            <a:stCxn id="12" idx="2"/>
-          </p:cNvCxnSpPr>
-          <p:nvPr/>
-        </p:nvCxnSpPr>
-        <p:spPr>
-          <a:xfrm>
-            <a:off x="1365860" y="1900719"/>
-            <a:ext cx="170171" cy="209429"/>
-          </a:xfrm>
-          <a:prstGeom prst="straightConnector1">
-            <a:avLst/>
-          </a:prstGeom>
-          <a:ln>
-            <a:solidFill>
-              <a:schemeClr val="tx1"/>
-            </a:solidFill>
-            <a:tailEnd type="arrow"/>
-          </a:ln>
-        </p:spPr>
-        <p:style>
-          <a:lnRef idx="2">
-            <a:schemeClr val="accent1"/>
-          </a:lnRef>
-          <a:fillRef idx="0">
-            <a:schemeClr val="accent1"/>
-          </a:fillRef>
-          <a:effectRef idx="1">
-            <a:schemeClr val="accent1"/>
-          </a:effectRef>
-          <a:fontRef idx="minor">
-            <a:schemeClr val="tx1"/>
-          </a:fontRef>
-        </p:style>
-      </p:cxnSp>
-      <p:cxnSp>
-        <p:nvCxnSpPr>
           <p:cNvPr id="34" name="Straight Arrow Connector 33"/>
           <p:cNvCxnSpPr/>
           <p:nvPr/>
         </p:nvCxnSpPr>
         <p:spPr>
           <a:xfrm>
-            <a:off x="1962431" y="2996516"/>
-            <a:ext cx="221266" cy="259380"/>
+            <a:off x="1612512" y="3002488"/>
+            <a:ext cx="0" cy="284567"/>
           </a:xfrm>
           <a:prstGeom prst="straightConnector1">
             <a:avLst/>
@@ -4396,9 +4035,9 @@
           <p:nvPr/>
         </p:nvCxnSpPr>
         <p:spPr>
-          <a:xfrm>
-            <a:off x="2335362" y="3599164"/>
-            <a:ext cx="311747" cy="278938"/>
+          <a:xfrm flipH="1">
+            <a:off x="1295438" y="3599164"/>
+            <a:ext cx="234179" cy="354334"/>
           </a:xfrm>
           <a:prstGeom prst="straightConnector1">
             <a:avLst/>
@@ -4433,8 +4072,8 @@
         </p:nvCxnSpPr>
         <p:spPr>
           <a:xfrm>
-            <a:off x="2849381" y="4194653"/>
-            <a:ext cx="236810" cy="233800"/>
+            <a:off x="1447986" y="4112789"/>
+            <a:ext cx="372784" cy="0"/>
           </a:xfrm>
           <a:prstGeom prst="straightConnector1">
             <a:avLst/>
@@ -4468,9 +4107,9 @@
           <p:nvPr/>
         </p:nvCxnSpPr>
         <p:spPr>
-          <a:xfrm>
-            <a:off x="3342993" y="4610267"/>
-            <a:ext cx="361904" cy="0"/>
+          <a:xfrm flipH="1">
+            <a:off x="1321322" y="4266677"/>
+            <a:ext cx="499448" cy="276018"/>
           </a:xfrm>
           <a:prstGeom prst="straightConnector1">
             <a:avLst/>
@@ -4497,374 +4136,6 @@
           </a:fontRef>
         </p:style>
       </p:cxnSp>
-      <p:cxnSp>
-        <p:nvCxnSpPr>
-          <p:cNvPr id="39" name="Straight Arrow Connector 38"/>
-          <p:cNvCxnSpPr/>
-          <p:nvPr/>
-        </p:nvCxnSpPr>
-        <p:spPr>
-          <a:xfrm>
-            <a:off x="3985172" y="4722614"/>
-            <a:ext cx="214013" cy="276018"/>
-          </a:xfrm>
-          <a:prstGeom prst="straightConnector1">
-            <a:avLst/>
-          </a:prstGeom>
-          <a:ln>
-            <a:solidFill>
-              <a:schemeClr val="tx1"/>
-            </a:solidFill>
-            <a:tailEnd type="arrow"/>
-          </a:ln>
-        </p:spPr>
-        <p:style>
-          <a:lnRef idx="2">
-            <a:schemeClr val="accent1"/>
-          </a:lnRef>
-          <a:fillRef idx="0">
-            <a:schemeClr val="accent1"/>
-          </a:fillRef>
-          <a:effectRef idx="1">
-            <a:schemeClr val="accent1"/>
-          </a:effectRef>
-          <a:fontRef idx="minor">
-            <a:schemeClr val="tx1"/>
-          </a:fontRef>
-        </p:style>
-      </p:cxnSp>
-      <p:cxnSp>
-        <p:nvCxnSpPr>
-          <p:cNvPr id="40" name="Straight Arrow Connector 39"/>
-          <p:cNvCxnSpPr>
-            <a:endCxn id="21" idx="0"/>
-          </p:cNvCxnSpPr>
-          <p:nvPr/>
-        </p:nvCxnSpPr>
-        <p:spPr>
-          <a:xfrm>
-            <a:off x="4318000" y="5332686"/>
-            <a:ext cx="320049" cy="352561"/>
-          </a:xfrm>
-          <a:prstGeom prst="straightConnector1">
-            <a:avLst/>
-          </a:prstGeom>
-          <a:ln>
-            <a:solidFill>
-              <a:schemeClr val="tx1"/>
-            </a:solidFill>
-            <a:tailEnd type="arrow"/>
-          </a:ln>
-        </p:spPr>
-        <p:style>
-          <a:lnRef idx="2">
-            <a:schemeClr val="accent1"/>
-          </a:lnRef>
-          <a:fillRef idx="0">
-            <a:schemeClr val="accent1"/>
-          </a:fillRef>
-          <a:effectRef idx="1">
-            <a:schemeClr val="accent1"/>
-          </a:effectRef>
-          <a:fontRef idx="minor">
-            <a:schemeClr val="tx1"/>
-          </a:fontRef>
-        </p:style>
-      </p:cxnSp>
-      <p:sp>
-        <p:nvSpPr>
-          <p:cNvPr id="41" name="Freeform 40"/>
-          <p:cNvSpPr/>
-          <p:nvPr/>
-        </p:nvSpPr>
-        <p:spPr>
-          <a:xfrm>
-            <a:off x="799362" y="1782286"/>
-            <a:ext cx="332327" cy="250165"/>
-          </a:xfrm>
-          <a:custGeom>
-            <a:avLst/>
-            <a:gdLst>
-              <a:gd name="connsiteX0" fmla="*/ 392646 w 398072"/>
-              <a:gd name="connsiteY0" fmla="*/ 32561 h 473442"/>
-              <a:gd name="connsiteX1" fmla="*/ 343802 w 398072"/>
-              <a:gd name="connsiteY1" fmla="*/ 472124 h 473442"/>
-              <a:gd name="connsiteX2" fmla="*/ 1894 w 398072"/>
-              <a:gd name="connsiteY2" fmla="*/ 162802 h 473442"/>
-              <a:gd name="connsiteX3" fmla="*/ 197270 w 398072"/>
-              <a:gd name="connsiteY3" fmla="*/ 0 h 473442"/>
-              <a:gd name="connsiteX0" fmla="*/ 392402 w 397828"/>
-              <a:gd name="connsiteY0" fmla="*/ 181457 h 622338"/>
-              <a:gd name="connsiteX1" fmla="*/ 343558 w 397828"/>
-              <a:gd name="connsiteY1" fmla="*/ 621020 h 622338"/>
-              <a:gd name="connsiteX2" fmla="*/ 1650 w 397828"/>
-              <a:gd name="connsiteY2" fmla="*/ 311698 h 622338"/>
-              <a:gd name="connsiteX3" fmla="*/ 232060 w 397828"/>
-              <a:gd name="connsiteY3" fmla="*/ 0 h 622338"/>
-              <a:gd name="connsiteX0" fmla="*/ 505775 w 516454"/>
-              <a:gd name="connsiteY0" fmla="*/ 181457 h 621345"/>
-              <a:gd name="connsiteX1" fmla="*/ 456931 w 516454"/>
-              <a:gd name="connsiteY1" fmla="*/ 621020 h 621345"/>
-              <a:gd name="connsiteX2" fmla="*/ 1161 w 516454"/>
-              <a:gd name="connsiteY2" fmla="*/ 119008 h 621345"/>
-              <a:gd name="connsiteX3" fmla="*/ 345433 w 516454"/>
-              <a:gd name="connsiteY3" fmla="*/ 0 h 621345"/>
-              <a:gd name="connsiteX0" fmla="*/ 505775 w 505922"/>
-              <a:gd name="connsiteY0" fmla="*/ 181457 h 507751"/>
-              <a:gd name="connsiteX1" fmla="*/ 97827 w 505922"/>
-              <a:gd name="connsiteY1" fmla="*/ 507158 h 507751"/>
-              <a:gd name="connsiteX2" fmla="*/ 1161 w 505922"/>
-              <a:gd name="connsiteY2" fmla="*/ 119008 h 507751"/>
-              <a:gd name="connsiteX3" fmla="*/ 345433 w 505922"/>
-              <a:gd name="connsiteY3" fmla="*/ 0 h 507751"/>
-              <a:gd name="connsiteX0" fmla="*/ 505775 w 505939"/>
-              <a:gd name="connsiteY0" fmla="*/ 181457 h 395802"/>
-              <a:gd name="connsiteX1" fmla="*/ 132861 w 505939"/>
-              <a:gd name="connsiteY1" fmla="*/ 393295 h 395802"/>
-              <a:gd name="connsiteX2" fmla="*/ 1161 w 505939"/>
-              <a:gd name="connsiteY2" fmla="*/ 119008 h 395802"/>
-              <a:gd name="connsiteX3" fmla="*/ 345433 w 505939"/>
-              <a:gd name="connsiteY3" fmla="*/ 0 h 395802"/>
-              <a:gd name="connsiteX0" fmla="*/ 418531 w 418687"/>
-              <a:gd name="connsiteY0" fmla="*/ 181457 h 393300"/>
-              <a:gd name="connsiteX1" fmla="*/ 45617 w 418687"/>
-              <a:gd name="connsiteY1" fmla="*/ 393295 h 393300"/>
-              <a:gd name="connsiteX2" fmla="*/ 1504 w 418687"/>
-              <a:gd name="connsiteY2" fmla="*/ 180319 h 393300"/>
-              <a:gd name="connsiteX3" fmla="*/ 258189 w 418687"/>
-              <a:gd name="connsiteY3" fmla="*/ 0 h 393300"/>
-              <a:gd name="connsiteX0" fmla="*/ 356809 w 356995"/>
-              <a:gd name="connsiteY0" fmla="*/ 181457 h 393300"/>
-              <a:gd name="connsiteX1" fmla="*/ 45617 w 356995"/>
-              <a:gd name="connsiteY1" fmla="*/ 393295 h 393300"/>
-              <a:gd name="connsiteX2" fmla="*/ 1504 w 356995"/>
-              <a:gd name="connsiteY2" fmla="*/ 180319 h 393300"/>
-              <a:gd name="connsiteX3" fmla="*/ 258189 w 356995"/>
-              <a:gd name="connsiteY3" fmla="*/ 0 h 393300"/>
-              <a:gd name="connsiteX0" fmla="*/ 356532 w 356718"/>
-              <a:gd name="connsiteY0" fmla="*/ 194184 h 406027"/>
-              <a:gd name="connsiteX1" fmla="*/ 45340 w 356718"/>
-              <a:gd name="connsiteY1" fmla="*/ 406022 h 406027"/>
-              <a:gd name="connsiteX2" fmla="*/ 1227 w 356718"/>
-              <a:gd name="connsiteY2" fmla="*/ 193046 h 406027"/>
-              <a:gd name="connsiteX3" fmla="*/ 325245 w 356718"/>
-              <a:gd name="connsiteY3" fmla="*/ 0 h 406027"/>
-              <a:gd name="connsiteX0" fmla="*/ 322239 w 322416"/>
-              <a:gd name="connsiteY0" fmla="*/ 194184 h 409344"/>
-              <a:gd name="connsiteX1" fmla="*/ 11047 w 322416"/>
-              <a:gd name="connsiteY1" fmla="*/ 406022 h 409344"/>
-              <a:gd name="connsiteX2" fmla="*/ 51100 w 322416"/>
-              <a:gd name="connsiteY2" fmla="*/ 116682 h 409344"/>
-              <a:gd name="connsiteX3" fmla="*/ 290952 w 322416"/>
-              <a:gd name="connsiteY3" fmla="*/ 0 h 409344"/>
-              <a:gd name="connsiteX0" fmla="*/ 272734 w 273040"/>
-              <a:gd name="connsiteY0" fmla="*/ 194184 h 375630"/>
-              <a:gd name="connsiteX1" fmla="*/ 79375 w 273040"/>
-              <a:gd name="connsiteY1" fmla="*/ 367839 h 375630"/>
-              <a:gd name="connsiteX2" fmla="*/ 1595 w 273040"/>
-              <a:gd name="connsiteY2" fmla="*/ 116682 h 375630"/>
-              <a:gd name="connsiteX3" fmla="*/ 241447 w 273040"/>
-              <a:gd name="connsiteY3" fmla="*/ 0 h 375630"/>
-              <a:gd name="connsiteX0" fmla="*/ 217021 w 217310"/>
-              <a:gd name="connsiteY0" fmla="*/ 194184 h 371067"/>
-              <a:gd name="connsiteX1" fmla="*/ 23662 w 217310"/>
-              <a:gd name="connsiteY1" fmla="*/ 367839 h 371067"/>
-              <a:gd name="connsiteX2" fmla="*/ 1993 w 217310"/>
-              <a:gd name="connsiteY2" fmla="*/ 180319 h 371067"/>
-              <a:gd name="connsiteX3" fmla="*/ 185734 w 217310"/>
-              <a:gd name="connsiteY3" fmla="*/ 0 h 371067"/>
-            </a:gdLst>
-            <a:ahLst/>
-            <a:cxnLst>
-              <a:cxn ang="0">
-                <a:pos x="connsiteX0" y="connsiteY0"/>
-              </a:cxn>
-              <a:cxn ang="0">
-                <a:pos x="connsiteX1" y="connsiteY1"/>
-              </a:cxn>
-              <a:cxn ang="0">
-                <a:pos x="connsiteX2" y="connsiteY2"/>
-              </a:cxn>
-              <a:cxn ang="0">
-                <a:pos x="connsiteX3" y="connsiteY3"/>
-              </a:cxn>
-            </a:cxnLst>
-            <a:rect l="l" t="t" r="r" b="b"/>
-            <a:pathLst>
-              <a:path w="217310" h="371067">
-                <a:moveTo>
-                  <a:pt x="217021" y="194184"/>
-                </a:moveTo>
-                <a:cubicBezTo>
-                  <a:pt x="225161" y="403112"/>
-                  <a:pt x="59500" y="370150"/>
-                  <a:pt x="23662" y="367839"/>
-                </a:cubicBezTo>
-                <a:cubicBezTo>
-                  <a:pt x="-12176" y="365528"/>
-                  <a:pt x="26415" y="259006"/>
-                  <a:pt x="1993" y="180319"/>
-                </a:cubicBezTo>
-                <a:cubicBezTo>
-                  <a:pt x="-22429" y="101632"/>
-                  <a:pt x="185734" y="0"/>
-                  <a:pt x="185734" y="0"/>
-                </a:cubicBezTo>
-              </a:path>
-            </a:pathLst>
-          </a:custGeom>
-          <a:ln w="28575" cmpd="sng">
-            <a:solidFill>
-              <a:srgbClr val="800000"/>
-            </a:solidFill>
-            <a:prstDash val="solid"/>
-            <a:headEnd type="none"/>
-            <a:tailEnd type="triangle"/>
-          </a:ln>
-        </p:spPr>
-        <p:style>
-          <a:lnRef idx="2">
-            <a:schemeClr val="accent1"/>
-          </a:lnRef>
-          <a:fillRef idx="0">
-            <a:schemeClr val="accent1"/>
-          </a:fillRef>
-          <a:effectRef idx="1">
-            <a:schemeClr val="accent1"/>
-          </a:effectRef>
-          <a:fontRef idx="minor">
-            <a:schemeClr val="tx1"/>
-          </a:fontRef>
-        </p:style>
-        <p:txBody>
-          <a:bodyPr rtlCol="0" anchor="ctr"/>
-          <a:lstStyle/>
-          <a:p>
-            <a:pPr algn="ctr"/>
-            <a:endParaRPr lang="en-US" sz="1400"/>
-          </a:p>
-        </p:txBody>
-      </p:sp>
-      <p:sp>
-        <p:nvSpPr>
-          <p:cNvPr id="42" name="Freeform 41"/>
-          <p:cNvSpPr/>
-          <p:nvPr/>
-        </p:nvSpPr>
-        <p:spPr>
-          <a:xfrm>
-            <a:off x="1127705" y="2868879"/>
-            <a:ext cx="510304" cy="401144"/>
-          </a:xfrm>
-          <a:custGeom>
-            <a:avLst/>
-            <a:gdLst>
-              <a:gd name="connsiteX0" fmla="*/ 392646 w 398072"/>
-              <a:gd name="connsiteY0" fmla="*/ 32561 h 473442"/>
-              <a:gd name="connsiteX1" fmla="*/ 343802 w 398072"/>
-              <a:gd name="connsiteY1" fmla="*/ 472124 h 473442"/>
-              <a:gd name="connsiteX2" fmla="*/ 1894 w 398072"/>
-              <a:gd name="connsiteY2" fmla="*/ 162802 h 473442"/>
-              <a:gd name="connsiteX3" fmla="*/ 197270 w 398072"/>
-              <a:gd name="connsiteY3" fmla="*/ 0 h 473442"/>
-              <a:gd name="connsiteX0" fmla="*/ 391915 w 397341"/>
-              <a:gd name="connsiteY0" fmla="*/ 338255 h 779136"/>
-              <a:gd name="connsiteX1" fmla="*/ 343071 w 397341"/>
-              <a:gd name="connsiteY1" fmla="*/ 777818 h 779136"/>
-              <a:gd name="connsiteX2" fmla="*/ 1163 w 397341"/>
-              <a:gd name="connsiteY2" fmla="*/ 468496 h 779136"/>
-              <a:gd name="connsiteX3" fmla="*/ 345068 w 397341"/>
-              <a:gd name="connsiteY3" fmla="*/ 0 h 779136"/>
-              <a:gd name="connsiteX0" fmla="*/ 278417 w 280891"/>
-              <a:gd name="connsiteY0" fmla="*/ 338255 h 778073"/>
-              <a:gd name="connsiteX1" fmla="*/ 229573 w 280891"/>
-              <a:gd name="connsiteY1" fmla="*/ 777818 h 778073"/>
-              <a:gd name="connsiteX2" fmla="*/ 1653 w 280891"/>
-              <a:gd name="connsiteY2" fmla="*/ 400564 h 778073"/>
-              <a:gd name="connsiteX3" fmla="*/ 231570 w 280891"/>
-              <a:gd name="connsiteY3" fmla="*/ 0 h 778073"/>
-              <a:gd name="connsiteX0" fmla="*/ 199658 w 201250"/>
-              <a:gd name="connsiteY0" fmla="*/ 338255 h 777821"/>
-              <a:gd name="connsiteX1" fmla="*/ 150814 w 201250"/>
-              <a:gd name="connsiteY1" fmla="*/ 777818 h 777821"/>
-              <a:gd name="connsiteX2" fmla="*/ 2339 w 201250"/>
-              <a:gd name="connsiteY2" fmla="*/ 332631 h 777821"/>
-              <a:gd name="connsiteX3" fmla="*/ 152811 w 201250"/>
-              <a:gd name="connsiteY3" fmla="*/ 0 h 777821"/>
-            </a:gdLst>
-            <a:ahLst/>
-            <a:cxnLst>
-              <a:cxn ang="0">
-                <a:pos x="connsiteX0" y="connsiteY0"/>
-              </a:cxn>
-              <a:cxn ang="0">
-                <a:pos x="connsiteX1" y="connsiteY1"/>
-              </a:cxn>
-              <a:cxn ang="0">
-                <a:pos x="connsiteX2" y="connsiteY2"/>
-              </a:cxn>
-              <a:cxn ang="0">
-                <a:pos x="connsiteX3" y="connsiteY3"/>
-              </a:cxn>
-            </a:cxnLst>
-            <a:rect l="l" t="t" r="r" b="b"/>
-            <a:pathLst>
-              <a:path w="201250" h="777821">
-                <a:moveTo>
-                  <a:pt x="199658" y="338255"/>
-                </a:moveTo>
-                <a:cubicBezTo>
-                  <a:pt x="207798" y="547183"/>
-                  <a:pt x="183700" y="778755"/>
-                  <a:pt x="150814" y="777818"/>
-                </a:cubicBezTo>
-                <a:cubicBezTo>
-                  <a:pt x="117928" y="776881"/>
-                  <a:pt x="26761" y="411318"/>
-                  <a:pt x="2339" y="332631"/>
-                </a:cubicBezTo>
-                <a:cubicBezTo>
-                  <a:pt x="-22083" y="253944"/>
-                  <a:pt x="152811" y="0"/>
-                  <a:pt x="152811" y="0"/>
-                </a:cubicBezTo>
-              </a:path>
-            </a:pathLst>
-          </a:custGeom>
-          <a:ln w="28575" cmpd="sng">
-            <a:solidFill>
-              <a:schemeClr val="accent4">
-                <a:lumMod val="75000"/>
-              </a:schemeClr>
-            </a:solidFill>
-            <a:prstDash val="solid"/>
-            <a:headEnd type="none"/>
-            <a:tailEnd type="triangle"/>
-          </a:ln>
-        </p:spPr>
-        <p:style>
-          <a:lnRef idx="2">
-            <a:schemeClr val="accent1"/>
-          </a:lnRef>
-          <a:fillRef idx="0">
-            <a:schemeClr val="accent1"/>
-          </a:fillRef>
-          <a:effectRef idx="1">
-            <a:schemeClr val="accent1"/>
-          </a:effectRef>
-          <a:fontRef idx="minor">
-            <a:schemeClr val="tx1"/>
-          </a:fontRef>
-        </p:style>
-        <p:txBody>
-          <a:bodyPr rtlCol="0" anchor="ctr"/>
-          <a:lstStyle/>
-          <a:p>
-            <a:pPr algn="ctr"/>
-            <a:endParaRPr lang="en-US" sz="1400"/>
-          </a:p>
-        </p:txBody>
-      </p:sp>
       <p:sp>
         <p:nvSpPr>
           <p:cNvPr id="43" name="Freeform 42"/>
@@ -5025,16 +4296,124 @@
           </a:p>
         </p:txBody>
       </p:sp>
-      <p:sp>
-        <p:nvSpPr>
-          <p:cNvPr id="44" name="Freeform 43"/>
+      <p:cxnSp>
+        <p:nvCxnSpPr>
+          <p:cNvPr id="75" name="Straight Arrow Connector 74"/>
+          <p:cNvCxnSpPr/>
+          <p:nvPr/>
+        </p:nvCxnSpPr>
+        <p:spPr>
+          <a:xfrm>
+            <a:off x="1589684" y="1898381"/>
+            <a:ext cx="0" cy="207704"/>
+          </a:xfrm>
+          <a:prstGeom prst="straightConnector1">
+            <a:avLst/>
+          </a:prstGeom>
+          <a:ln>
+            <a:solidFill>
+              <a:schemeClr val="tx1"/>
+            </a:solidFill>
+            <a:tailEnd type="arrow"/>
+          </a:ln>
+        </p:spPr>
+        <p:style>
+          <a:lnRef idx="2">
+            <a:schemeClr val="accent1"/>
+          </a:lnRef>
+          <a:fillRef idx="0">
+            <a:schemeClr val="accent1"/>
+          </a:fillRef>
+          <a:effectRef idx="1">
+            <a:schemeClr val="accent1"/>
+          </a:effectRef>
+          <a:fontRef idx="minor">
+            <a:schemeClr val="tx1"/>
+          </a:fontRef>
+        </p:style>
+      </p:cxnSp>
+      <p:cxnSp>
+        <p:nvCxnSpPr>
+          <p:cNvPr id="76" name="Straight Arrow Connector 75"/>
+          <p:cNvCxnSpPr/>
+          <p:nvPr/>
+        </p:nvCxnSpPr>
+        <p:spPr>
+          <a:xfrm>
+            <a:off x="1581776" y="1385238"/>
+            <a:ext cx="0" cy="207704"/>
+          </a:xfrm>
+          <a:prstGeom prst="straightConnector1">
+            <a:avLst/>
+          </a:prstGeom>
+          <a:ln>
+            <a:solidFill>
+              <a:schemeClr val="tx1"/>
+            </a:solidFill>
+            <a:tailEnd type="arrow"/>
+          </a:ln>
+        </p:spPr>
+        <p:style>
+          <a:lnRef idx="2">
+            <a:schemeClr val="accent1"/>
+          </a:lnRef>
+          <a:fillRef idx="0">
+            <a:schemeClr val="accent1"/>
+          </a:fillRef>
+          <a:effectRef idx="1">
+            <a:schemeClr val="accent1"/>
+          </a:effectRef>
+          <a:fontRef idx="minor">
+            <a:schemeClr val="tx1"/>
+          </a:fontRef>
+        </p:style>
+      </p:cxnSp>
+      <p:cxnSp>
+        <p:nvCxnSpPr>
+          <p:cNvPr id="77" name="Straight Arrow Connector 76"/>
+          <p:cNvCxnSpPr/>
+          <p:nvPr/>
+        </p:nvCxnSpPr>
+        <p:spPr>
+          <a:xfrm>
+            <a:off x="1565140" y="808773"/>
+            <a:ext cx="0" cy="207704"/>
+          </a:xfrm>
+          <a:prstGeom prst="straightConnector1">
+            <a:avLst/>
+          </a:prstGeom>
+          <a:ln>
+            <a:solidFill>
+              <a:schemeClr val="tx1"/>
+            </a:solidFill>
+            <a:tailEnd type="arrow"/>
+          </a:ln>
+        </p:spPr>
+        <p:style>
+          <a:lnRef idx="2">
+            <a:schemeClr val="accent1"/>
+          </a:lnRef>
+          <a:fillRef idx="0">
+            <a:schemeClr val="accent1"/>
+          </a:fillRef>
+          <a:effectRef idx="1">
+            <a:schemeClr val="accent1"/>
+          </a:effectRef>
+          <a:fontRef idx="minor">
+            <a:schemeClr val="tx1"/>
+          </a:fontRef>
+        </p:style>
+      </p:cxnSp>
+      <p:sp>
+        <p:nvSpPr>
+          <p:cNvPr id="80" name="Freeform 79"/>
           <p:cNvSpPr/>
           <p:nvPr/>
         </p:nvSpPr>
         <p:spPr>
           <a:xfrm flipV="1">
-            <a:off x="2309111" y="3002488"/>
-            <a:ext cx="593330" cy="389864"/>
+            <a:off x="1801550" y="3069422"/>
+            <a:ext cx="548916" cy="326061"/>
           </a:xfrm>
           <a:custGeom>
             <a:avLst/>
@@ -5095,22 +4474,22 @@
               <a:gd name="connsiteY2" fmla="*/ 439562 h 460164"/>
               <a:gd name="connsiteX3" fmla="*/ 30150 w 449616"/>
               <a:gd name="connsiteY3" fmla="*/ 162800 h 460164"/>
-              <a:gd name="connsiteX0" fmla="*/ 129721 w 438418"/>
-              <a:gd name="connsiteY0" fmla="*/ 0 h 482621"/>
-              <a:gd name="connsiteX1" fmla="*/ 437183 w 438418"/>
-              <a:gd name="connsiteY1" fmla="*/ 412272 h 482621"/>
-              <a:gd name="connsiteX2" fmla="*/ 30150 w 438418"/>
-              <a:gd name="connsiteY2" fmla="*/ 461112 h 482621"/>
-              <a:gd name="connsiteX3" fmla="*/ 30150 w 438418"/>
-              <a:gd name="connsiteY3" fmla="*/ 184350 h 482621"/>
-              <a:gd name="connsiteX0" fmla="*/ 129721 w 322073"/>
-              <a:gd name="connsiteY0" fmla="*/ 0 h 479627"/>
-              <a:gd name="connsiteX1" fmla="*/ 318323 w 322073"/>
-              <a:gd name="connsiteY1" fmla="*/ 401496 h 479627"/>
-              <a:gd name="connsiteX2" fmla="*/ 30150 w 322073"/>
-              <a:gd name="connsiteY2" fmla="*/ 461112 h 479627"/>
-              <a:gd name="connsiteX3" fmla="*/ 30150 w 322073"/>
-              <a:gd name="connsiteY3" fmla="*/ 184350 h 479627"/>
+              <a:gd name="connsiteX0" fmla="*/ 227939 w 410730"/>
+              <a:gd name="connsiteY0" fmla="*/ 0 h 432508"/>
+              <a:gd name="connsiteX1" fmla="*/ 407033 w 410730"/>
+              <a:gd name="connsiteY1" fmla="*/ 390722 h 432508"/>
+              <a:gd name="connsiteX2" fmla="*/ 140138 w 410730"/>
+              <a:gd name="connsiteY2" fmla="*/ 395769 h 432508"/>
+              <a:gd name="connsiteX3" fmla="*/ 0 w 410730"/>
+              <a:gd name="connsiteY3" fmla="*/ 162800 h 432508"/>
+              <a:gd name="connsiteX0" fmla="*/ 227939 w 452788"/>
+              <a:gd name="connsiteY0" fmla="*/ 0 h 427846"/>
+              <a:gd name="connsiteX1" fmla="*/ 450827 w 452788"/>
+              <a:gd name="connsiteY1" fmla="*/ 381963 h 427846"/>
+              <a:gd name="connsiteX2" fmla="*/ 140138 w 452788"/>
+              <a:gd name="connsiteY2" fmla="*/ 395769 h 427846"/>
+              <a:gd name="connsiteX3" fmla="*/ 0 w 452788"/>
+              <a:gd name="connsiteY3" fmla="*/ 162800 h 427846"/>
             </a:gdLst>
             <a:ahLst/>
             <a:cxnLst>
@@ -5129,31 +4508,33 @@
             </a:cxnLst>
             <a:rect l="l" t="t" r="r" b="b"/>
             <a:pathLst>
-              <a:path w="322073" h="479627">
+              <a:path w="452788" h="427846">
                 <a:moveTo>
-                  <a:pt x="129721" y="0"/>
+                  <a:pt x="227939" y="0"/>
                 </a:moveTo>
                 <a:cubicBezTo>
-                  <a:pt x="300674" y="111248"/>
-                  <a:pt x="334918" y="324644"/>
-                  <a:pt x="318323" y="401496"/>
+                  <a:pt x="398892" y="111248"/>
+                  <a:pt x="465460" y="316002"/>
+                  <a:pt x="450827" y="381963"/>
                 </a:cubicBezTo>
                 <a:cubicBezTo>
-                  <a:pt x="301728" y="478348"/>
-                  <a:pt x="97989" y="499099"/>
-                  <a:pt x="30150" y="461112"/>
+                  <a:pt x="436194" y="447924"/>
+                  <a:pt x="207977" y="433756"/>
+                  <a:pt x="140138" y="395769"/>
                 </a:cubicBezTo>
                 <a:cubicBezTo>
-                  <a:pt x="-37689" y="423125"/>
-                  <a:pt x="30150" y="184350"/>
-                  <a:pt x="30150" y="184350"/>
+                  <a:pt x="72299" y="357782"/>
+                  <a:pt x="0" y="162800"/>
+                  <a:pt x="0" y="162800"/>
                 </a:cubicBezTo>
               </a:path>
             </a:pathLst>
           </a:custGeom>
           <a:ln w="28575" cmpd="sng">
             <a:solidFill>
-              <a:schemeClr val="accent3"/>
+              <a:schemeClr val="accent3">
+                <a:lumMod val="75000"/>
+              </a:schemeClr>
             </a:solidFill>
             <a:prstDash val="solid"/>
             <a:headEnd type="none"/>
@@ -5183,6 +4564,632 @@
           </a:p>
         </p:txBody>
       </p:sp>
+      <p:sp>
+        <p:nvSpPr>
+          <p:cNvPr id="81" name="Freeform 80"/>
+          <p:cNvSpPr/>
+          <p:nvPr/>
+        </p:nvSpPr>
+        <p:spPr>
+          <a:xfrm flipH="1" flipV="1">
+            <a:off x="935051" y="2465641"/>
+            <a:ext cx="548916" cy="326061"/>
+          </a:xfrm>
+          <a:custGeom>
+            <a:avLst/>
+            <a:gdLst>
+              <a:gd name="connsiteX0" fmla="*/ 392646 w 398072"/>
+              <a:gd name="connsiteY0" fmla="*/ 32561 h 473442"/>
+              <a:gd name="connsiteX1" fmla="*/ 343802 w 398072"/>
+              <a:gd name="connsiteY1" fmla="*/ 472124 h 473442"/>
+              <a:gd name="connsiteX2" fmla="*/ 1894 w 398072"/>
+              <a:gd name="connsiteY2" fmla="*/ 162802 h 473442"/>
+              <a:gd name="connsiteX3" fmla="*/ 197270 w 398072"/>
+              <a:gd name="connsiteY3" fmla="*/ 0 h 473442"/>
+              <a:gd name="connsiteX0" fmla="*/ 392646 w 398072"/>
+              <a:gd name="connsiteY0" fmla="*/ 0 h 574435"/>
+              <a:gd name="connsiteX1" fmla="*/ 343802 w 398072"/>
+              <a:gd name="connsiteY1" fmla="*/ 569804 h 574435"/>
+              <a:gd name="connsiteX2" fmla="*/ 1894 w 398072"/>
+              <a:gd name="connsiteY2" fmla="*/ 260482 h 574435"/>
+              <a:gd name="connsiteX3" fmla="*/ 197270 w 398072"/>
+              <a:gd name="connsiteY3" fmla="*/ 97680 h 574435"/>
+              <a:gd name="connsiteX0" fmla="*/ 344296 w 348149"/>
+              <a:gd name="connsiteY0" fmla="*/ 0 h 603032"/>
+              <a:gd name="connsiteX1" fmla="*/ 295452 w 348149"/>
+              <a:gd name="connsiteY1" fmla="*/ 569804 h 603032"/>
+              <a:gd name="connsiteX2" fmla="*/ 2388 w 348149"/>
+              <a:gd name="connsiteY2" fmla="*/ 488403 h 603032"/>
+              <a:gd name="connsiteX3" fmla="*/ 148920 w 348149"/>
+              <a:gd name="connsiteY3" fmla="*/ 97680 h 603032"/>
+              <a:gd name="connsiteX0" fmla="*/ 348359 w 429375"/>
+              <a:gd name="connsiteY0" fmla="*/ 0 h 519456"/>
+              <a:gd name="connsiteX1" fmla="*/ 413484 w 429375"/>
+              <a:gd name="connsiteY1" fmla="*/ 439563 h 519456"/>
+              <a:gd name="connsiteX2" fmla="*/ 6451 w 429375"/>
+              <a:gd name="connsiteY2" fmla="*/ 488403 h 519456"/>
+              <a:gd name="connsiteX3" fmla="*/ 152983 w 429375"/>
+              <a:gd name="connsiteY3" fmla="*/ 97680 h 519456"/>
+              <a:gd name="connsiteX0" fmla="*/ 372058 w 453074"/>
+              <a:gd name="connsiteY0" fmla="*/ 0 h 511115"/>
+              <a:gd name="connsiteX1" fmla="*/ 437183 w 453074"/>
+              <a:gd name="connsiteY1" fmla="*/ 439563 h 511115"/>
+              <a:gd name="connsiteX2" fmla="*/ 30150 w 453074"/>
+              <a:gd name="connsiteY2" fmla="*/ 488403 h 511115"/>
+              <a:gd name="connsiteX3" fmla="*/ 30150 w 453074"/>
+              <a:gd name="connsiteY3" fmla="*/ 211641 h 511115"/>
+              <a:gd name="connsiteX0" fmla="*/ 258089 w 441795"/>
+              <a:gd name="connsiteY0" fmla="*/ 0 h 460164"/>
+              <a:gd name="connsiteX1" fmla="*/ 437183 w 441795"/>
+              <a:gd name="connsiteY1" fmla="*/ 390722 h 460164"/>
+              <a:gd name="connsiteX2" fmla="*/ 30150 w 441795"/>
+              <a:gd name="connsiteY2" fmla="*/ 439562 h 460164"/>
+              <a:gd name="connsiteX3" fmla="*/ 30150 w 441795"/>
+              <a:gd name="connsiteY3" fmla="*/ 162800 h 460164"/>
+              <a:gd name="connsiteX0" fmla="*/ 258089 w 449616"/>
+              <a:gd name="connsiteY0" fmla="*/ 0 h 460164"/>
+              <a:gd name="connsiteX1" fmla="*/ 437183 w 449616"/>
+              <a:gd name="connsiteY1" fmla="*/ 390722 h 460164"/>
+              <a:gd name="connsiteX2" fmla="*/ 30150 w 449616"/>
+              <a:gd name="connsiteY2" fmla="*/ 439562 h 460164"/>
+              <a:gd name="connsiteX3" fmla="*/ 30150 w 449616"/>
+              <a:gd name="connsiteY3" fmla="*/ 162800 h 460164"/>
+              <a:gd name="connsiteX0" fmla="*/ 227939 w 410730"/>
+              <a:gd name="connsiteY0" fmla="*/ 0 h 432508"/>
+              <a:gd name="connsiteX1" fmla="*/ 407033 w 410730"/>
+              <a:gd name="connsiteY1" fmla="*/ 390722 h 432508"/>
+              <a:gd name="connsiteX2" fmla="*/ 140138 w 410730"/>
+              <a:gd name="connsiteY2" fmla="*/ 395769 h 432508"/>
+              <a:gd name="connsiteX3" fmla="*/ 0 w 410730"/>
+              <a:gd name="connsiteY3" fmla="*/ 162800 h 432508"/>
+              <a:gd name="connsiteX0" fmla="*/ 227939 w 452788"/>
+              <a:gd name="connsiteY0" fmla="*/ 0 h 427846"/>
+              <a:gd name="connsiteX1" fmla="*/ 450827 w 452788"/>
+              <a:gd name="connsiteY1" fmla="*/ 381963 h 427846"/>
+              <a:gd name="connsiteX2" fmla="*/ 140138 w 452788"/>
+              <a:gd name="connsiteY2" fmla="*/ 395769 h 427846"/>
+              <a:gd name="connsiteX3" fmla="*/ 0 w 452788"/>
+              <a:gd name="connsiteY3" fmla="*/ 162800 h 427846"/>
+            </a:gdLst>
+            <a:ahLst/>
+            <a:cxnLst>
+              <a:cxn ang="0">
+                <a:pos x="connsiteX0" y="connsiteY0"/>
+              </a:cxn>
+              <a:cxn ang="0">
+                <a:pos x="connsiteX1" y="connsiteY1"/>
+              </a:cxn>
+              <a:cxn ang="0">
+                <a:pos x="connsiteX2" y="connsiteY2"/>
+              </a:cxn>
+              <a:cxn ang="0">
+                <a:pos x="connsiteX3" y="connsiteY3"/>
+              </a:cxn>
+            </a:cxnLst>
+            <a:rect l="l" t="t" r="r" b="b"/>
+            <a:pathLst>
+              <a:path w="452788" h="427846">
+                <a:moveTo>
+                  <a:pt x="227939" y="0"/>
+                </a:moveTo>
+                <a:cubicBezTo>
+                  <a:pt x="398892" y="111248"/>
+                  <a:pt x="465460" y="316002"/>
+                  <a:pt x="450827" y="381963"/>
+                </a:cubicBezTo>
+                <a:cubicBezTo>
+                  <a:pt x="436194" y="447924"/>
+                  <a:pt x="207977" y="433756"/>
+                  <a:pt x="140138" y="395769"/>
+                </a:cubicBezTo>
+                <a:cubicBezTo>
+                  <a:pt x="72299" y="357782"/>
+                  <a:pt x="0" y="162800"/>
+                  <a:pt x="0" y="162800"/>
+                </a:cubicBezTo>
+              </a:path>
+            </a:pathLst>
+          </a:custGeom>
+          <a:ln w="28575" cmpd="sng">
+            <a:solidFill>
+              <a:schemeClr val="accent4"/>
+            </a:solidFill>
+            <a:prstDash val="solid"/>
+            <a:headEnd type="none"/>
+            <a:tailEnd type="triangle"/>
+          </a:ln>
+        </p:spPr>
+        <p:style>
+          <a:lnRef idx="2">
+            <a:schemeClr val="accent1"/>
+          </a:lnRef>
+          <a:fillRef idx="0">
+            <a:schemeClr val="accent1"/>
+          </a:fillRef>
+          <a:effectRef idx="1">
+            <a:schemeClr val="accent1"/>
+          </a:effectRef>
+          <a:fontRef idx="minor">
+            <a:schemeClr val="tx1"/>
+          </a:fontRef>
+        </p:style>
+        <p:txBody>
+          <a:bodyPr rtlCol="0" anchor="ctr"/>
+          <a:lstStyle/>
+          <a:p>
+            <a:pPr algn="ctr"/>
+            <a:endParaRPr lang="en-US" sz="1400"/>
+          </a:p>
+        </p:txBody>
+      </p:sp>
+      <p:sp>
+        <p:nvSpPr>
+          <p:cNvPr id="83" name="Freeform 82"/>
+          <p:cNvSpPr/>
+          <p:nvPr/>
+        </p:nvSpPr>
+        <p:spPr>
+          <a:xfrm flipH="1" flipV="1">
+            <a:off x="861828" y="1372663"/>
+            <a:ext cx="548916" cy="326061"/>
+          </a:xfrm>
+          <a:custGeom>
+            <a:avLst/>
+            <a:gdLst>
+              <a:gd name="connsiteX0" fmla="*/ 392646 w 398072"/>
+              <a:gd name="connsiteY0" fmla="*/ 32561 h 473442"/>
+              <a:gd name="connsiteX1" fmla="*/ 343802 w 398072"/>
+              <a:gd name="connsiteY1" fmla="*/ 472124 h 473442"/>
+              <a:gd name="connsiteX2" fmla="*/ 1894 w 398072"/>
+              <a:gd name="connsiteY2" fmla="*/ 162802 h 473442"/>
+              <a:gd name="connsiteX3" fmla="*/ 197270 w 398072"/>
+              <a:gd name="connsiteY3" fmla="*/ 0 h 473442"/>
+              <a:gd name="connsiteX0" fmla="*/ 392646 w 398072"/>
+              <a:gd name="connsiteY0" fmla="*/ 0 h 574435"/>
+              <a:gd name="connsiteX1" fmla="*/ 343802 w 398072"/>
+              <a:gd name="connsiteY1" fmla="*/ 569804 h 574435"/>
+              <a:gd name="connsiteX2" fmla="*/ 1894 w 398072"/>
+              <a:gd name="connsiteY2" fmla="*/ 260482 h 574435"/>
+              <a:gd name="connsiteX3" fmla="*/ 197270 w 398072"/>
+              <a:gd name="connsiteY3" fmla="*/ 97680 h 574435"/>
+              <a:gd name="connsiteX0" fmla="*/ 344296 w 348149"/>
+              <a:gd name="connsiteY0" fmla="*/ 0 h 603032"/>
+              <a:gd name="connsiteX1" fmla="*/ 295452 w 348149"/>
+              <a:gd name="connsiteY1" fmla="*/ 569804 h 603032"/>
+              <a:gd name="connsiteX2" fmla="*/ 2388 w 348149"/>
+              <a:gd name="connsiteY2" fmla="*/ 488403 h 603032"/>
+              <a:gd name="connsiteX3" fmla="*/ 148920 w 348149"/>
+              <a:gd name="connsiteY3" fmla="*/ 97680 h 603032"/>
+              <a:gd name="connsiteX0" fmla="*/ 348359 w 429375"/>
+              <a:gd name="connsiteY0" fmla="*/ 0 h 519456"/>
+              <a:gd name="connsiteX1" fmla="*/ 413484 w 429375"/>
+              <a:gd name="connsiteY1" fmla="*/ 439563 h 519456"/>
+              <a:gd name="connsiteX2" fmla="*/ 6451 w 429375"/>
+              <a:gd name="connsiteY2" fmla="*/ 488403 h 519456"/>
+              <a:gd name="connsiteX3" fmla="*/ 152983 w 429375"/>
+              <a:gd name="connsiteY3" fmla="*/ 97680 h 519456"/>
+              <a:gd name="connsiteX0" fmla="*/ 372058 w 453074"/>
+              <a:gd name="connsiteY0" fmla="*/ 0 h 511115"/>
+              <a:gd name="connsiteX1" fmla="*/ 437183 w 453074"/>
+              <a:gd name="connsiteY1" fmla="*/ 439563 h 511115"/>
+              <a:gd name="connsiteX2" fmla="*/ 30150 w 453074"/>
+              <a:gd name="connsiteY2" fmla="*/ 488403 h 511115"/>
+              <a:gd name="connsiteX3" fmla="*/ 30150 w 453074"/>
+              <a:gd name="connsiteY3" fmla="*/ 211641 h 511115"/>
+              <a:gd name="connsiteX0" fmla="*/ 258089 w 441795"/>
+              <a:gd name="connsiteY0" fmla="*/ 0 h 460164"/>
+              <a:gd name="connsiteX1" fmla="*/ 437183 w 441795"/>
+              <a:gd name="connsiteY1" fmla="*/ 390722 h 460164"/>
+              <a:gd name="connsiteX2" fmla="*/ 30150 w 441795"/>
+              <a:gd name="connsiteY2" fmla="*/ 439562 h 460164"/>
+              <a:gd name="connsiteX3" fmla="*/ 30150 w 441795"/>
+              <a:gd name="connsiteY3" fmla="*/ 162800 h 460164"/>
+              <a:gd name="connsiteX0" fmla="*/ 258089 w 449616"/>
+              <a:gd name="connsiteY0" fmla="*/ 0 h 460164"/>
+              <a:gd name="connsiteX1" fmla="*/ 437183 w 449616"/>
+              <a:gd name="connsiteY1" fmla="*/ 390722 h 460164"/>
+              <a:gd name="connsiteX2" fmla="*/ 30150 w 449616"/>
+              <a:gd name="connsiteY2" fmla="*/ 439562 h 460164"/>
+              <a:gd name="connsiteX3" fmla="*/ 30150 w 449616"/>
+              <a:gd name="connsiteY3" fmla="*/ 162800 h 460164"/>
+              <a:gd name="connsiteX0" fmla="*/ 227939 w 410730"/>
+              <a:gd name="connsiteY0" fmla="*/ 0 h 432508"/>
+              <a:gd name="connsiteX1" fmla="*/ 407033 w 410730"/>
+              <a:gd name="connsiteY1" fmla="*/ 390722 h 432508"/>
+              <a:gd name="connsiteX2" fmla="*/ 140138 w 410730"/>
+              <a:gd name="connsiteY2" fmla="*/ 395769 h 432508"/>
+              <a:gd name="connsiteX3" fmla="*/ 0 w 410730"/>
+              <a:gd name="connsiteY3" fmla="*/ 162800 h 432508"/>
+              <a:gd name="connsiteX0" fmla="*/ 227939 w 452788"/>
+              <a:gd name="connsiteY0" fmla="*/ 0 h 427846"/>
+              <a:gd name="connsiteX1" fmla="*/ 450827 w 452788"/>
+              <a:gd name="connsiteY1" fmla="*/ 381963 h 427846"/>
+              <a:gd name="connsiteX2" fmla="*/ 140138 w 452788"/>
+              <a:gd name="connsiteY2" fmla="*/ 395769 h 427846"/>
+              <a:gd name="connsiteX3" fmla="*/ 0 w 452788"/>
+              <a:gd name="connsiteY3" fmla="*/ 162800 h 427846"/>
+            </a:gdLst>
+            <a:ahLst/>
+            <a:cxnLst>
+              <a:cxn ang="0">
+                <a:pos x="connsiteX0" y="connsiteY0"/>
+              </a:cxn>
+              <a:cxn ang="0">
+                <a:pos x="connsiteX1" y="connsiteY1"/>
+              </a:cxn>
+              <a:cxn ang="0">
+                <a:pos x="connsiteX2" y="connsiteY2"/>
+              </a:cxn>
+              <a:cxn ang="0">
+                <a:pos x="connsiteX3" y="connsiteY3"/>
+              </a:cxn>
+            </a:cxnLst>
+            <a:rect l="l" t="t" r="r" b="b"/>
+            <a:pathLst>
+              <a:path w="452788" h="427846">
+                <a:moveTo>
+                  <a:pt x="227939" y="0"/>
+                </a:moveTo>
+                <a:cubicBezTo>
+                  <a:pt x="398892" y="111248"/>
+                  <a:pt x="465460" y="316002"/>
+                  <a:pt x="450827" y="381963"/>
+                </a:cubicBezTo>
+                <a:cubicBezTo>
+                  <a:pt x="436194" y="447924"/>
+                  <a:pt x="207977" y="433756"/>
+                  <a:pt x="140138" y="395769"/>
+                </a:cubicBezTo>
+                <a:cubicBezTo>
+                  <a:pt x="72299" y="357782"/>
+                  <a:pt x="0" y="162800"/>
+                  <a:pt x="0" y="162800"/>
+                </a:cubicBezTo>
+              </a:path>
+            </a:pathLst>
+          </a:custGeom>
+          <a:ln w="28575" cmpd="sng">
+            <a:solidFill>
+              <a:srgbClr val="C0504D"/>
+            </a:solidFill>
+            <a:prstDash val="solid"/>
+            <a:headEnd type="none"/>
+            <a:tailEnd type="triangle"/>
+          </a:ln>
+        </p:spPr>
+        <p:style>
+          <a:lnRef idx="2">
+            <a:schemeClr val="accent1"/>
+          </a:lnRef>
+          <a:fillRef idx="0">
+            <a:schemeClr val="accent1"/>
+          </a:fillRef>
+          <a:effectRef idx="1">
+            <a:schemeClr val="accent1"/>
+          </a:effectRef>
+          <a:fontRef idx="minor">
+            <a:schemeClr val="tx1"/>
+          </a:fontRef>
+        </p:style>
+        <p:txBody>
+          <a:bodyPr rtlCol="0" anchor="ctr"/>
+          <a:lstStyle/>
+          <a:p>
+            <a:pPr algn="ctr"/>
+            <a:endParaRPr lang="en-US" sz="1400"/>
+          </a:p>
+        </p:txBody>
+      </p:sp>
+      <p:sp>
+        <p:nvSpPr>
+          <p:cNvPr id="84" name="Rectangle 83"/>
+          <p:cNvSpPr/>
+          <p:nvPr/>
+        </p:nvSpPr>
+        <p:spPr>
+          <a:xfrm>
+            <a:off x="2125648" y="2094119"/>
+            <a:ext cx="650639" cy="276999"/>
+          </a:xfrm>
+          <a:prstGeom prst="rect">
+            <a:avLst/>
+          </a:prstGeom>
+        </p:spPr>
+        <p:txBody>
+          <a:bodyPr wrap="none">
+            <a:spAutoFit/>
+          </a:bodyPr>
+          <a:lstStyle/>
+          <a:p>
+            <a:r>
+              <a:rPr lang="en-US" sz="1200" b="1" i="1" dirty="0" smtClean="0">
+                <a:solidFill>
+                  <a:schemeClr val="accent5">
+                    <a:lumMod val="75000"/>
+                  </a:schemeClr>
+                </a:solidFill>
+              </a:rPr>
+              <a:t>review</a:t>
+            </a:r>
+            <a:endParaRPr lang="en-US" sz="1200" b="1" i="1" dirty="0">
+              <a:solidFill>
+                <a:schemeClr val="accent5">
+                  <a:lumMod val="75000"/>
+                </a:schemeClr>
+              </a:solidFill>
+            </a:endParaRPr>
+          </a:p>
+        </p:txBody>
+      </p:sp>
+      <p:sp>
+        <p:nvSpPr>
+          <p:cNvPr id="85" name="Rectangle 84"/>
+          <p:cNvSpPr/>
+          <p:nvPr/>
+        </p:nvSpPr>
+        <p:spPr>
+          <a:xfrm>
+            <a:off x="2103602" y="1674094"/>
+            <a:ext cx="673707" cy="276999"/>
+          </a:xfrm>
+          <a:prstGeom prst="rect">
+            <a:avLst/>
+          </a:prstGeom>
+        </p:spPr>
+        <p:txBody>
+          <a:bodyPr wrap="none">
+            <a:spAutoFit/>
+          </a:bodyPr>
+          <a:lstStyle/>
+          <a:p>
+            <a:r>
+              <a:rPr lang="en-US" sz="1200" b="1" i="1" dirty="0" smtClean="0">
+                <a:solidFill>
+                  <a:schemeClr val="accent5">
+                    <a:lumMod val="75000"/>
+                  </a:schemeClr>
+                </a:solidFill>
+              </a:rPr>
+              <a:t>inspect</a:t>
+            </a:r>
+            <a:endParaRPr lang="en-US" sz="1200" b="1" i="1" dirty="0">
+              <a:solidFill>
+                <a:schemeClr val="accent5">
+                  <a:lumMod val="75000"/>
+                </a:schemeClr>
+              </a:solidFill>
+            </a:endParaRPr>
+          </a:p>
+        </p:txBody>
+      </p:sp>
+      <p:sp>
+        <p:nvSpPr>
+          <p:cNvPr id="86" name="Rectangle 85"/>
+          <p:cNvSpPr/>
+          <p:nvPr/>
+        </p:nvSpPr>
+        <p:spPr>
+          <a:xfrm>
+            <a:off x="454388" y="1535963"/>
+            <a:ext cx="650639" cy="276999"/>
+          </a:xfrm>
+          <a:prstGeom prst="rect">
+            <a:avLst/>
+          </a:prstGeom>
+        </p:spPr>
+        <p:txBody>
+          <a:bodyPr wrap="none">
+            <a:spAutoFit/>
+          </a:bodyPr>
+          <a:lstStyle/>
+          <a:p>
+            <a:r>
+              <a:rPr lang="en-US" sz="1200" b="1" i="1" dirty="0" smtClean="0">
+                <a:solidFill>
+                  <a:srgbClr val="C0504D"/>
+                </a:solidFill>
+              </a:rPr>
+              <a:t>review</a:t>
+            </a:r>
+            <a:endParaRPr lang="en-US" sz="1200" b="1" i="1" dirty="0">
+              <a:solidFill>
+                <a:srgbClr val="C0504D"/>
+              </a:solidFill>
+            </a:endParaRPr>
+          </a:p>
+        </p:txBody>
+      </p:sp>
+      <p:sp>
+        <p:nvSpPr>
+          <p:cNvPr id="87" name="Rectangle 86"/>
+          <p:cNvSpPr/>
+          <p:nvPr/>
+        </p:nvSpPr>
+        <p:spPr>
+          <a:xfrm>
+            <a:off x="432342" y="1115938"/>
+            <a:ext cx="673707" cy="276999"/>
+          </a:xfrm>
+          <a:prstGeom prst="rect">
+            <a:avLst/>
+          </a:prstGeom>
+        </p:spPr>
+        <p:txBody>
+          <a:bodyPr wrap="none">
+            <a:spAutoFit/>
+          </a:bodyPr>
+          <a:lstStyle/>
+          <a:p>
+            <a:r>
+              <a:rPr lang="en-US" sz="1200" b="1" i="1" dirty="0" smtClean="0">
+                <a:solidFill>
+                  <a:srgbClr val="C0504D"/>
+                </a:solidFill>
+              </a:rPr>
+              <a:t>inspect</a:t>
+            </a:r>
+            <a:endParaRPr lang="en-US" sz="1200" b="1" i="1" dirty="0">
+              <a:solidFill>
+                <a:srgbClr val="C0504D"/>
+              </a:solidFill>
+            </a:endParaRPr>
+          </a:p>
+        </p:txBody>
+      </p:sp>
+      <p:sp>
+        <p:nvSpPr>
+          <p:cNvPr id="88" name="Rectangle 87"/>
+          <p:cNvSpPr/>
+          <p:nvPr/>
+        </p:nvSpPr>
+        <p:spPr>
+          <a:xfrm>
+            <a:off x="510406" y="2635885"/>
+            <a:ext cx="650639" cy="276999"/>
+          </a:xfrm>
+          <a:prstGeom prst="rect">
+            <a:avLst/>
+          </a:prstGeom>
+        </p:spPr>
+        <p:txBody>
+          <a:bodyPr wrap="none">
+            <a:spAutoFit/>
+          </a:bodyPr>
+          <a:lstStyle/>
+          <a:p>
+            <a:r>
+              <a:rPr lang="en-US" sz="1200" b="1" i="1" dirty="0" smtClean="0">
+                <a:solidFill>
+                  <a:schemeClr val="accent4">
+                    <a:lumMod val="75000"/>
+                  </a:schemeClr>
+                </a:solidFill>
+              </a:rPr>
+              <a:t>review</a:t>
+            </a:r>
+            <a:endParaRPr lang="en-US" sz="1200" b="1" i="1" dirty="0">
+              <a:solidFill>
+                <a:schemeClr val="accent4">
+                  <a:lumMod val="75000"/>
+                </a:schemeClr>
+              </a:solidFill>
+            </a:endParaRPr>
+          </a:p>
+        </p:txBody>
+      </p:sp>
+      <p:sp>
+        <p:nvSpPr>
+          <p:cNvPr id="89" name="Rectangle 88"/>
+          <p:cNvSpPr/>
+          <p:nvPr/>
+        </p:nvSpPr>
+        <p:spPr>
+          <a:xfrm>
+            <a:off x="488360" y="2215860"/>
+            <a:ext cx="673707" cy="276999"/>
+          </a:xfrm>
+          <a:prstGeom prst="rect">
+            <a:avLst/>
+          </a:prstGeom>
+        </p:spPr>
+        <p:txBody>
+          <a:bodyPr wrap="none">
+            <a:spAutoFit/>
+          </a:bodyPr>
+          <a:lstStyle/>
+          <a:p>
+            <a:r>
+              <a:rPr lang="en-US" sz="1200" b="1" i="1" dirty="0" smtClean="0">
+                <a:solidFill>
+                  <a:schemeClr val="accent4">
+                    <a:lumMod val="75000"/>
+                  </a:schemeClr>
+                </a:solidFill>
+              </a:rPr>
+              <a:t>inspect</a:t>
+            </a:r>
+            <a:endParaRPr lang="en-US" sz="1200" b="1" i="1" dirty="0">
+              <a:solidFill>
+                <a:schemeClr val="accent4">
+                  <a:lumMod val="75000"/>
+                </a:schemeClr>
+              </a:solidFill>
+            </a:endParaRPr>
+          </a:p>
+        </p:txBody>
+      </p:sp>
+      <p:cxnSp>
+        <p:nvCxnSpPr>
+          <p:cNvPr id="92" name="Straight Arrow Connector 91"/>
+          <p:cNvCxnSpPr/>
+          <p:nvPr/>
+        </p:nvCxnSpPr>
+        <p:spPr>
+          <a:xfrm>
+            <a:off x="1282889" y="4719982"/>
+            <a:ext cx="372784" cy="0"/>
+          </a:xfrm>
+          <a:prstGeom prst="straightConnector1">
+            <a:avLst/>
+          </a:prstGeom>
+          <a:ln>
+            <a:solidFill>
+              <a:schemeClr val="tx1"/>
+            </a:solidFill>
+            <a:tailEnd type="arrow"/>
+          </a:ln>
+        </p:spPr>
+        <p:style>
+          <a:lnRef idx="2">
+            <a:schemeClr val="accent1"/>
+          </a:lnRef>
+          <a:fillRef idx="0">
+            <a:schemeClr val="accent1"/>
+          </a:fillRef>
+          <a:effectRef idx="1">
+            <a:schemeClr val="accent1"/>
+          </a:effectRef>
+          <a:fontRef idx="minor">
+            <a:schemeClr val="tx1"/>
+          </a:fontRef>
+        </p:style>
+      </p:cxnSp>
+      <p:cxnSp>
+        <p:nvCxnSpPr>
+          <p:cNvPr id="93" name="Straight Arrow Connector 92"/>
+          <p:cNvCxnSpPr/>
+          <p:nvPr/>
+        </p:nvCxnSpPr>
+        <p:spPr>
+          <a:xfrm>
+            <a:off x="2619467" y="4726505"/>
+            <a:ext cx="372784" cy="0"/>
+          </a:xfrm>
+          <a:prstGeom prst="straightConnector1">
+            <a:avLst/>
+          </a:prstGeom>
+          <a:ln>
+            <a:solidFill>
+              <a:schemeClr val="tx1"/>
+            </a:solidFill>
+            <a:tailEnd type="arrow"/>
+          </a:ln>
+        </p:spPr>
+        <p:style>
+          <a:lnRef idx="2">
+            <a:schemeClr val="accent1"/>
+          </a:lnRef>
+          <a:fillRef idx="0">
+            <a:schemeClr val="accent1"/>
+          </a:fillRef>
+          <a:effectRef idx="1">
+            <a:schemeClr val="accent1"/>
+          </a:effectRef>
+          <a:fontRef idx="minor">
+            <a:schemeClr val="tx1"/>
+          </a:fontRef>
+        </p:style>
+      </p:cxnSp>
     </p:spTree>
     <p:extLst>
       <p:ext uri="{BB962C8B-B14F-4D97-AF65-F5344CB8AC3E}">

--- a/waterfall.pptx
+++ b/waterfall.pptx
@@ -105,6 +105,22 @@
       </a:defRPr>
     </a:lvl9pPr>
   </p:defaultTextStyle>
+  <p:extLst>
+    <p:ext uri="{EFAFB233-063F-42B5-8137-9DF3F51BA10A}">
+      <p15:sldGuideLst xmlns:p15="http://schemas.microsoft.com/office/powerpoint/2012/main">
+        <p15:guide id="1" orient="horz" pos="2160">
+          <p15:clr>
+            <a:srgbClr val="A4A3A4"/>
+          </p15:clr>
+        </p15:guide>
+        <p15:guide id="2" pos="2880">
+          <p15:clr>
+            <a:srgbClr val="A4A3A4"/>
+          </p15:clr>
+        </p15:guide>
+      </p15:sldGuideLst>
+    </p:ext>
+  </p:extLst>
 </p:presentation>
 </file>
 
@@ -289,7 +305,7 @@
           <a:p>
             <a:fld id="{15B879B8-E416-D442-B17F-05DE93910295}" type="datetimeFigureOut">
               <a:rPr lang="en-US" smtClean="0"/>
-              <a:t>7/28/15</a:t>
+              <a:t>6/14/16</a:t>
             </a:fld>
             <a:endParaRPr lang="en-US"/>
           </a:p>
@@ -459,7 +475,7 @@
           <a:p>
             <a:fld id="{15B879B8-E416-D442-B17F-05DE93910295}" type="datetimeFigureOut">
               <a:rPr lang="en-US" smtClean="0"/>
-              <a:t>7/28/15</a:t>
+              <a:t>6/14/16</a:t>
             </a:fld>
             <a:endParaRPr lang="en-US"/>
           </a:p>
@@ -639,7 +655,7 @@
           <a:p>
             <a:fld id="{15B879B8-E416-D442-B17F-05DE93910295}" type="datetimeFigureOut">
               <a:rPr lang="en-US" smtClean="0"/>
-              <a:t>7/28/15</a:t>
+              <a:t>6/14/16</a:t>
             </a:fld>
             <a:endParaRPr lang="en-US"/>
           </a:p>
@@ -809,7 +825,7 @@
           <a:p>
             <a:fld id="{15B879B8-E416-D442-B17F-05DE93910295}" type="datetimeFigureOut">
               <a:rPr lang="en-US" smtClean="0"/>
-              <a:t>7/28/15</a:t>
+              <a:t>6/14/16</a:t>
             </a:fld>
             <a:endParaRPr lang="en-US"/>
           </a:p>
@@ -1055,7 +1071,7 @@
           <a:p>
             <a:fld id="{15B879B8-E416-D442-B17F-05DE93910295}" type="datetimeFigureOut">
               <a:rPr lang="en-US" smtClean="0"/>
-              <a:t>7/28/15</a:t>
+              <a:t>6/14/16</a:t>
             </a:fld>
             <a:endParaRPr lang="en-US"/>
           </a:p>
@@ -1343,7 +1359,7 @@
           <a:p>
             <a:fld id="{15B879B8-E416-D442-B17F-05DE93910295}" type="datetimeFigureOut">
               <a:rPr lang="en-US" smtClean="0"/>
-              <a:t>7/28/15</a:t>
+              <a:t>6/14/16</a:t>
             </a:fld>
             <a:endParaRPr lang="en-US"/>
           </a:p>
@@ -1765,7 +1781,7 @@
           <a:p>
             <a:fld id="{15B879B8-E416-D442-B17F-05DE93910295}" type="datetimeFigureOut">
               <a:rPr lang="en-US" smtClean="0"/>
-              <a:t>7/28/15</a:t>
+              <a:t>6/14/16</a:t>
             </a:fld>
             <a:endParaRPr lang="en-US"/>
           </a:p>
@@ -1883,7 +1899,7 @@
           <a:p>
             <a:fld id="{15B879B8-E416-D442-B17F-05DE93910295}" type="datetimeFigureOut">
               <a:rPr lang="en-US" smtClean="0"/>
-              <a:t>7/28/15</a:t>
+              <a:t>6/14/16</a:t>
             </a:fld>
             <a:endParaRPr lang="en-US"/>
           </a:p>
@@ -1978,7 +1994,7 @@
           <a:p>
             <a:fld id="{15B879B8-E416-D442-B17F-05DE93910295}" type="datetimeFigureOut">
               <a:rPr lang="en-US" smtClean="0"/>
-              <a:t>7/28/15</a:t>
+              <a:t>6/14/16</a:t>
             </a:fld>
             <a:endParaRPr lang="en-US"/>
           </a:p>
@@ -2255,7 +2271,7 @@
           <a:p>
             <a:fld id="{15B879B8-E416-D442-B17F-05DE93910295}" type="datetimeFigureOut">
               <a:rPr lang="en-US" smtClean="0"/>
-              <a:t>7/28/15</a:t>
+              <a:t>6/14/16</a:t>
             </a:fld>
             <a:endParaRPr lang="en-US"/>
           </a:p>
@@ -2508,7 +2524,7 @@
           <a:p>
             <a:fld id="{15B879B8-E416-D442-B17F-05DE93910295}" type="datetimeFigureOut">
               <a:rPr lang="en-US" smtClean="0"/>
-              <a:t>7/28/15</a:t>
+              <a:t>6/14/16</a:t>
             </a:fld>
             <a:endParaRPr lang="en-US"/>
           </a:p>
@@ -2721,7 +2737,7 @@
           <a:p>
             <a:fld id="{15B879B8-E416-D442-B17F-05DE93910295}" type="datetimeFigureOut">
               <a:rPr lang="en-US" smtClean="0"/>
-              <a:t>7/28/15</a:t>
+              <a:t>6/14/16</a:t>
             </a:fld>
             <a:endParaRPr lang="en-US"/>
           </a:p>
@@ -3120,121 +3136,55 @@
           <a:p>
             <a:r>
               <a:rPr lang="en-US" sz="1400" b="1" u="sng" dirty="0" smtClean="0"/>
-              <a:t>Abbreviations</a:t>
-            </a:r>
-            <a:r>
-              <a:rPr lang="en-US" sz="1400" b="1" u="sng" dirty="0" smtClean="0"/>
-              <a:t>:</a:t>
-            </a:r>
-            <a:endParaRPr lang="en-US" sz="1400" b="1" u="sng" dirty="0" smtClean="0"/>
+              <a:t>Abbreviations:</a:t>
+            </a:r>
           </a:p>
           <a:p>
             <a:r>
               <a:rPr lang="en-US" sz="1400" dirty="0" smtClean="0"/>
-              <a:t>Before </a:t>
-            </a:r>
+              <a:t>Before = before development</a:t>
+            </a:r>
+          </a:p>
+          <a:p>
             <a:r>
               <a:rPr lang="en-US" sz="1400" dirty="0" smtClean="0"/>
-              <a:t>= </a:t>
-            </a:r>
+              <a:t>Reqts	  = requirements</a:t>
+            </a:r>
+          </a:p>
+          <a:p>
             <a:r>
               <a:rPr lang="en-US" sz="1400" dirty="0" smtClean="0"/>
-              <a:t>before development</a:t>
+              <a:t>HLD	  = high-level design</a:t>
             </a:r>
           </a:p>
           <a:p>
             <a:r>
               <a:rPr lang="en-US" sz="1400" dirty="0" smtClean="0"/>
-              <a:t>Reqts	</a:t>
-            </a:r>
+              <a:t>IntTest = Integration testing (with code from others)</a:t>
+            </a:r>
+          </a:p>
+          <a:p>
             <a:r>
               <a:rPr lang="en-US" sz="1400" dirty="0" smtClean="0"/>
-              <a:t>  = </a:t>
-            </a:r>
+              <a:t>SysTest = system test (e.g. load stress tests)</a:t>
+            </a:r>
+          </a:p>
+          <a:p>
             <a:r>
               <a:rPr lang="en-US" sz="1400" dirty="0" smtClean="0"/>
-              <a:t>requirements</a:t>
+              <a:t>AcceptTest  = acceptance testing (with users)</a:t>
             </a:r>
           </a:p>
           <a:p>
             <a:r>
               <a:rPr lang="en-US" sz="1400" dirty="0" smtClean="0"/>
-              <a:t>HLD	</a:t>
-            </a:r>
+              <a:t>Review        = private activity</a:t>
+            </a:r>
+          </a:p>
+          <a:p>
             <a:r>
               <a:rPr lang="en-US" sz="1400" dirty="0" smtClean="0"/>
-              <a:t>  = </a:t>
-            </a:r>
-            <a:r>
-              <a:rPr lang="en-US" sz="1400" dirty="0" smtClean="0"/>
-              <a:t>high-level design</a:t>
-            </a:r>
-          </a:p>
-          <a:p>
-            <a:r>
-              <a:rPr lang="en-US" sz="1400" dirty="0" smtClean="0"/>
-              <a:t>IntTest = </a:t>
-            </a:r>
-            <a:r>
-              <a:rPr lang="en-US" sz="1400" dirty="0" smtClean="0"/>
-              <a:t>Integration testing (with </a:t>
-            </a:r>
-            <a:r>
-              <a:rPr lang="en-US" sz="1400" dirty="0" smtClean="0"/>
-              <a:t>code from others)</a:t>
-            </a:r>
-            <a:endParaRPr lang="en-US" sz="1400" dirty="0" smtClean="0"/>
-          </a:p>
-          <a:p>
-            <a:r>
-              <a:rPr lang="en-US" sz="1400" dirty="0" smtClean="0"/>
-              <a:t>SysTest </a:t>
-            </a:r>
-            <a:r>
-              <a:rPr lang="en-US" sz="1400" dirty="0" smtClean="0"/>
-              <a:t>= </a:t>
-            </a:r>
-            <a:r>
-              <a:rPr lang="en-US" sz="1400" dirty="0" smtClean="0"/>
-              <a:t>system test (e.g. load stress tests)</a:t>
-            </a:r>
-          </a:p>
-          <a:p>
-            <a:r>
-              <a:rPr lang="en-US" sz="1400" dirty="0" smtClean="0"/>
-              <a:t>AcceptTest </a:t>
-            </a:r>
-            <a:r>
-              <a:rPr lang="en-US" sz="1400" dirty="0" smtClean="0"/>
-              <a:t> = </a:t>
-            </a:r>
-            <a:r>
-              <a:rPr lang="en-US" sz="1400" dirty="0" smtClean="0"/>
-              <a:t>acceptance testing (with users)</a:t>
-            </a:r>
-          </a:p>
-          <a:p>
-            <a:r>
-              <a:rPr lang="en-US" sz="1400" dirty="0" smtClean="0"/>
-              <a:t>Review </a:t>
-            </a:r>
-            <a:r>
-              <a:rPr lang="en-US" sz="1400" dirty="0" smtClean="0"/>
-              <a:t>       = </a:t>
-            </a:r>
-            <a:r>
-              <a:rPr lang="en-US" sz="1400" dirty="0" smtClean="0"/>
-              <a:t>private activity</a:t>
-            </a:r>
-          </a:p>
-          <a:p>
-            <a:r>
-              <a:rPr lang="en-US" sz="1400" dirty="0" smtClean="0"/>
-              <a:t>Inspect        = </a:t>
-            </a:r>
-            <a:r>
-              <a:rPr lang="en-US" sz="1400" dirty="0" smtClean="0"/>
-              <a:t>group activity</a:t>
+              <a:t>Inspect        = group activity</a:t>
             </a:r>
           </a:p>
         </p:txBody>
@@ -3540,7 +3490,7 @@
         </p:nvSpPr>
         <p:spPr>
           <a:xfrm>
-            <a:off x="629782" y="4569697"/>
+            <a:off x="2039765" y="3983758"/>
             <a:ext cx="691540" cy="307777"/>
           </a:xfrm>
           <a:prstGeom prst="rect">
@@ -3597,7 +3547,7 @@
         </p:nvSpPr>
         <p:spPr>
           <a:xfrm>
-            <a:off x="2990114" y="4568972"/>
+            <a:off x="2050470" y="4588450"/>
             <a:ext cx="725817" cy="307777"/>
           </a:xfrm>
           <a:prstGeom prst="rect">
@@ -3886,7 +3836,7 @@
         </p:nvSpPr>
         <p:spPr>
           <a:xfrm>
-            <a:off x="1665008" y="4569697"/>
+            <a:off x="629782" y="4588450"/>
             <a:ext cx="991352" cy="307777"/>
           </a:xfrm>
           <a:prstGeom prst="rect">
@@ -3926,63 +3876,6 @@
                 </a:solidFill>
               </a:rPr>
               <a:t>AcceptTest</a:t>
-            </a:r>
-            <a:endParaRPr lang="en-US" sz="1400" dirty="0">
-              <a:solidFill>
-                <a:schemeClr val="bg1"/>
-              </a:solidFill>
-            </a:endParaRPr>
-          </a:p>
-        </p:txBody>
-      </p:sp>
-      <p:sp>
-        <p:nvSpPr>
-          <p:cNvPr id="22" name="Rectangle 21"/>
-          <p:cNvSpPr/>
-          <p:nvPr/>
-        </p:nvSpPr>
-        <p:spPr>
-          <a:xfrm>
-            <a:off x="1820770" y="3958900"/>
-            <a:ext cx="834170" cy="307777"/>
-          </a:xfrm>
-          <a:prstGeom prst="rect">
-            <a:avLst/>
-          </a:prstGeom>
-          <a:solidFill>
-            <a:schemeClr val="tx1"/>
-          </a:solidFill>
-          <a:ln>
-            <a:noFill/>
-          </a:ln>
-        </p:spPr>
-        <p:style>
-          <a:lnRef idx="1">
-            <a:schemeClr val="accent1"/>
-          </a:lnRef>
-          <a:fillRef idx="2">
-            <a:schemeClr val="accent1"/>
-          </a:fillRef>
-          <a:effectRef idx="1">
-            <a:schemeClr val="accent1"/>
-          </a:effectRef>
-          <a:fontRef idx="minor">
-            <a:schemeClr val="dk1"/>
-          </a:fontRef>
-        </p:style>
-        <p:txBody>
-          <a:bodyPr wrap="none">
-            <a:spAutoFit/>
-          </a:bodyPr>
-          <a:lstStyle/>
-          <a:p>
-            <a:r>
-              <a:rPr lang="en-US" sz="1400" dirty="0" smtClean="0">
-                <a:solidFill>
-                  <a:schemeClr val="bg1"/>
-                </a:solidFill>
-              </a:rPr>
-              <a:t>QualTest</a:t>
             </a:r>
             <a:endParaRPr lang="en-US" sz="1400" dirty="0">
               <a:solidFill>
@@ -4073,7 +3966,7 @@
         <p:spPr>
           <a:xfrm>
             <a:off x="1447986" y="4112789"/>
-            <a:ext cx="372784" cy="0"/>
+            <a:ext cx="552851" cy="11621"/>
           </a:xfrm>
           <a:prstGeom prst="straightConnector1">
             <a:avLst/>
@@ -4108,8 +4001,8 @@
         </p:nvCxnSpPr>
         <p:spPr>
           <a:xfrm flipH="1">
-            <a:off x="1321322" y="4266677"/>
-            <a:ext cx="499448" cy="276018"/>
+            <a:off x="1321322" y="4291377"/>
+            <a:ext cx="679515" cy="251318"/>
           </a:xfrm>
           <a:prstGeom prst="straightConnector1">
             <a:avLst/>
@@ -5120,49 +5013,13 @@
       </p:sp>
       <p:cxnSp>
         <p:nvCxnSpPr>
-          <p:cNvPr id="92" name="Straight Arrow Connector 91"/>
-          <p:cNvCxnSpPr/>
-          <p:nvPr/>
-        </p:nvCxnSpPr>
-        <p:spPr>
-          <a:xfrm>
-            <a:off x="1282889" y="4719982"/>
-            <a:ext cx="372784" cy="0"/>
-          </a:xfrm>
-          <a:prstGeom prst="straightConnector1">
-            <a:avLst/>
-          </a:prstGeom>
-          <a:ln>
-            <a:solidFill>
-              <a:schemeClr val="tx1"/>
-            </a:solidFill>
-            <a:tailEnd type="arrow"/>
-          </a:ln>
-        </p:spPr>
-        <p:style>
-          <a:lnRef idx="2">
-            <a:schemeClr val="accent1"/>
-          </a:lnRef>
-          <a:fillRef idx="0">
-            <a:schemeClr val="accent1"/>
-          </a:fillRef>
-          <a:effectRef idx="1">
-            <a:schemeClr val="accent1"/>
-          </a:effectRef>
-          <a:fontRef idx="minor">
-            <a:schemeClr val="tx1"/>
-          </a:fontRef>
-        </p:style>
-      </p:cxnSp>
-      <p:cxnSp>
-        <p:nvCxnSpPr>
           <p:cNvPr id="93" name="Straight Arrow Connector 92"/>
           <p:cNvCxnSpPr/>
           <p:nvPr/>
         </p:nvCxnSpPr>
         <p:spPr>
           <a:xfrm>
-            <a:off x="2619467" y="4726505"/>
+            <a:off x="1679823" y="4745983"/>
             <a:ext cx="372784" cy="0"/>
           </a:xfrm>
           <a:prstGeom prst="straightConnector1">
